--- a/HITO4/DEFENSA DEL HITO 4 ANA CRISTINA CALDERON ORTEGA.pptx
+++ b/HITO4/DEFENSA DEL HITO 4 ANA CRISTINA CALDERON ORTEGA.pptx
@@ -3534,6 +3534,13 @@
   <p:clrMapOvr>
     <a:masterClrMapping/>
   </p:clrMapOvr>
+  <p:timing>
+    <p:tnLst>
+      <p:par>
+        <p:cTn id="1" dur="indefinite" restart="never" nodeType="tmRoot"/>
+      </p:par>
+    </p:tnLst>
+  </p:timing>
 </p:sld>
 </file>
 
@@ -4566,6 +4573,13 @@
   <p:clrMapOvr>
     <a:masterClrMapping/>
   </p:clrMapOvr>
+  <p:timing>
+    <p:tnLst>
+      <p:par>
+        <p:cTn id="1" dur="indefinite" restart="never" nodeType="tmRoot"/>
+      </p:par>
+    </p:tnLst>
+  </p:timing>
 </p:sld>
 </file>
 
@@ -6202,6 +6216,13 @@
   <p:clrMapOvr>
     <a:masterClrMapping/>
   </p:clrMapOvr>
+  <p:timing>
+    <p:tnLst>
+      <p:par>
+        <p:cTn id="1" dur="indefinite" restart="never" nodeType="tmRoot"/>
+      </p:par>
+    </p:tnLst>
+  </p:timing>
 </p:sld>
 </file>
 
@@ -8008,6 +8029,13 @@
   <p:clrMapOvr>
     <a:masterClrMapping/>
   </p:clrMapOvr>
+  <p:timing>
+    <p:tnLst>
+      <p:par>
+        <p:cTn id="1" dur="indefinite" restart="never" nodeType="tmRoot"/>
+      </p:par>
+    </p:tnLst>
+  </p:timing>
 </p:sld>
 </file>
 
@@ -9869,6 +9897,13 @@
   <p:clrMapOvr>
     <a:masterClrMapping/>
   </p:clrMapOvr>
+  <p:timing>
+    <p:tnLst>
+      <p:par>
+        <p:cTn id="1" dur="indefinite" restart="never" nodeType="tmRoot"/>
+      </p:par>
+    </p:tnLst>
+  </p:timing>
 </p:sld>
 </file>
 
@@ -11180,6 +11215,13 @@
   <p:clrMapOvr>
     <a:masterClrMapping/>
   </p:clrMapOvr>
+  <p:timing>
+    <p:tnLst>
+      <p:par>
+        <p:cTn id="1" dur="indefinite" restart="never" nodeType="tmRoot"/>
+      </p:par>
+    </p:tnLst>
+  </p:timing>
 </p:sld>
 </file>
 
@@ -11695,6 +11737,13 @@
   <p:clrMapOvr>
     <a:masterClrMapping/>
   </p:clrMapOvr>
+  <p:timing>
+    <p:tnLst>
+      <p:par>
+        <p:cTn id="1" dur="indefinite" restart="never" nodeType="tmRoot"/>
+      </p:par>
+    </p:tnLst>
+  </p:timing>
 </p:sld>
 </file>
 
@@ -12109,6 +12158,13 @@
   <p:clrMapOvr>
     <a:masterClrMapping/>
   </p:clrMapOvr>
+  <p:timing>
+    <p:tnLst>
+      <p:par>
+        <p:cTn id="1" dur="indefinite" restart="never" nodeType="tmRoot"/>
+      </p:par>
+    </p:tnLst>
+  </p:timing>
 </p:sld>
 </file>
 
@@ -14309,6 +14365,13 @@
   <p:clrMapOvr>
     <a:masterClrMapping/>
   </p:clrMapOvr>
+  <p:timing>
+    <p:tnLst>
+      <p:par>
+        <p:cTn id="1" dur="indefinite" restart="never" nodeType="tmRoot"/>
+      </p:par>
+    </p:tnLst>
+  </p:timing>
 </p:sld>
 </file>
 
@@ -15710,6 +15773,13 @@
   <p:clrMapOvr>
     <a:masterClrMapping/>
   </p:clrMapOvr>
+  <p:timing>
+    <p:tnLst>
+      <p:par>
+        <p:cTn id="1" dur="indefinite" restart="never" nodeType="tmRoot"/>
+      </p:par>
+    </p:tnLst>
+  </p:timing>
 </p:sld>
 </file>
 
@@ -18233,8 +18303,8 @@
         </p:nvSpPr>
         <p:spPr bwMode="auto">
           <a:xfrm>
-            <a:off x="5167859" y="1270887"/>
-            <a:ext cx="6825521" cy="3477875"/>
+            <a:off x="5106650" y="3226237"/>
+            <a:ext cx="6825521" cy="3631763"/>
           </a:xfrm>
           <a:prstGeom prst="rect">
             <a:avLst/>
@@ -18293,8 +18363,1071 @@
               <a:buNone/>
               <a:tabLst/>
             </a:pPr>
-            <a:r>
-              <a:rPr kumimoji="0" lang="en-US" altLang="en-US" sz="1000" b="0" i="0" u="none" strike="noStrike" cap="none" normalizeH="0" baseline="0" smtClean="0">
+            <a:endParaRPr kumimoji="0" lang="en-US" altLang="en-US" sz="1000" b="0" i="0" u="none" strike="noStrike" cap="none" normalizeH="0" baseline="0" dirty="0" smtClean="0">
+              <a:ln>
+                <a:noFill/>
+              </a:ln>
+              <a:solidFill>
+                <a:srgbClr val="CC7832"/>
+              </a:solidFill>
+              <a:effectLst/>
+              <a:latin typeface="JetBrains Mono"/>
+            </a:endParaRPr>
+          </a:p>
+          <a:p>
+            <a:pPr marL="0" marR="0" lvl="0" indent="0" algn="l" defTabSz="914400" rtl="0" eaLnBrk="0" fontAlgn="base" latinLnBrk="0" hangingPunct="0">
+              <a:lnSpc>
+                <a:spcPct val="100000"/>
+              </a:lnSpc>
+              <a:spcBef>
+                <a:spcPct val="0"/>
+              </a:spcBef>
+              <a:spcAft>
+                <a:spcPct val="0"/>
+              </a:spcAft>
+              <a:buClrTx/>
+              <a:buSzTx/>
+              <a:buFontTx/>
+              <a:buNone/>
+              <a:tabLst/>
+            </a:pPr>
+            <a:r>
+              <a:rPr kumimoji="0" lang="en-US" altLang="en-US" sz="1000" b="0" i="0" u="none" strike="noStrike" cap="none" normalizeH="0" baseline="0" dirty="0" smtClean="0">
+                <a:ln>
+                  <a:noFill/>
+                </a:ln>
+                <a:solidFill>
+                  <a:srgbClr val="CC7832"/>
+                </a:solidFill>
+                <a:effectLst/>
+                <a:latin typeface="JetBrains Mono"/>
+              </a:rPr>
+              <a:t>INSERT </a:t>
+            </a:r>
+            <a:r>
+              <a:rPr kumimoji="0" lang="en-US" altLang="en-US" sz="1000" b="0" i="0" u="none" strike="noStrike" cap="none" normalizeH="0" baseline="0" dirty="0" smtClean="0">
+                <a:ln>
+                  <a:noFill/>
+                </a:ln>
+                <a:solidFill>
+                  <a:srgbClr val="CC7832"/>
+                </a:solidFill>
+                <a:effectLst/>
+                <a:latin typeface="JetBrains Mono"/>
+              </a:rPr>
+              <a:t>INTO </a:t>
+            </a:r>
+            <a:r>
+              <a:rPr kumimoji="0" lang="en-US" altLang="en-US" sz="1000" b="0" i="0" u="none" strike="noStrike" cap="none" normalizeH="0" baseline="0" dirty="0" smtClean="0">
+                <a:ln>
+                  <a:noFill/>
+                </a:ln>
+                <a:solidFill>
+                  <a:srgbClr val="A9B7C6"/>
+                </a:solidFill>
+                <a:effectLst/>
+                <a:latin typeface="JetBrains Mono"/>
+              </a:rPr>
+              <a:t>PERSONA(</a:t>
+            </a:r>
+            <a:r>
+              <a:rPr kumimoji="0" lang="en-US" altLang="en-US" sz="1000" b="0" i="0" u="none" strike="noStrike" cap="none" normalizeH="0" baseline="0" dirty="0" smtClean="0">
+                <a:ln>
+                  <a:noFill/>
+                </a:ln>
+                <a:solidFill>
+                  <a:srgbClr val="9876AA"/>
+                </a:solidFill>
+                <a:effectLst/>
+                <a:latin typeface="JetBrains Mono"/>
+              </a:rPr>
+              <a:t>NOMBRE</a:t>
+            </a:r>
+            <a:r>
+              <a:rPr kumimoji="0" lang="en-US" altLang="en-US" sz="1000" b="0" i="0" u="none" strike="noStrike" cap="none" normalizeH="0" baseline="0" dirty="0" smtClean="0">
+                <a:ln>
+                  <a:noFill/>
+                </a:ln>
+                <a:solidFill>
+                  <a:srgbClr val="CC7832"/>
+                </a:solidFill>
+                <a:effectLst/>
+                <a:latin typeface="JetBrains Mono"/>
+              </a:rPr>
+              <a:t>, </a:t>
+            </a:r>
+            <a:r>
+              <a:rPr kumimoji="0" lang="en-US" altLang="en-US" sz="1000" b="0" i="0" u="none" strike="noStrike" cap="none" normalizeH="0" baseline="0" dirty="0" smtClean="0">
+                <a:ln>
+                  <a:noFill/>
+                </a:ln>
+                <a:solidFill>
+                  <a:srgbClr val="9876AA"/>
+                </a:solidFill>
+                <a:effectLst/>
+                <a:latin typeface="JetBrains Mono"/>
+              </a:rPr>
+              <a:t>APELLIDOS</a:t>
+            </a:r>
+            <a:r>
+              <a:rPr kumimoji="0" lang="en-US" altLang="en-US" sz="1000" b="0" i="0" u="none" strike="noStrike" cap="none" normalizeH="0" baseline="0" dirty="0" smtClean="0">
+                <a:ln>
+                  <a:noFill/>
+                </a:ln>
+                <a:solidFill>
+                  <a:srgbClr val="CC7832"/>
+                </a:solidFill>
+                <a:effectLst/>
+                <a:latin typeface="JetBrains Mono"/>
+              </a:rPr>
+              <a:t>, </a:t>
+            </a:r>
+            <a:r>
+              <a:rPr kumimoji="0" lang="en-US" altLang="en-US" sz="1000" b="0" i="0" u="none" strike="noStrike" cap="none" normalizeH="0" baseline="0" dirty="0" smtClean="0">
+                <a:ln>
+                  <a:noFill/>
+                </a:ln>
+                <a:solidFill>
+                  <a:srgbClr val="9876AA"/>
+                </a:solidFill>
+                <a:effectLst/>
+                <a:latin typeface="JetBrains Mono"/>
+              </a:rPr>
+              <a:t>FECHA_NAC</a:t>
+            </a:r>
+            <a:r>
+              <a:rPr kumimoji="0" lang="en-US" altLang="en-US" sz="1000" b="0" i="0" u="none" strike="noStrike" cap="none" normalizeH="0" baseline="0" dirty="0" smtClean="0">
+                <a:ln>
+                  <a:noFill/>
+                </a:ln>
+                <a:solidFill>
+                  <a:srgbClr val="CC7832"/>
+                </a:solidFill>
+                <a:effectLst/>
+                <a:latin typeface="JetBrains Mono"/>
+              </a:rPr>
+              <a:t>, </a:t>
+            </a:r>
+            <a:r>
+              <a:rPr kumimoji="0" lang="en-US" altLang="en-US" sz="1000" b="0" i="0" u="none" strike="noStrike" cap="none" normalizeH="0" baseline="0" dirty="0" smtClean="0">
+                <a:ln>
+                  <a:noFill/>
+                </a:ln>
+                <a:solidFill>
+                  <a:srgbClr val="9876AA"/>
+                </a:solidFill>
+                <a:effectLst/>
+                <a:latin typeface="JetBrains Mono"/>
+              </a:rPr>
+              <a:t>EDAD</a:t>
+            </a:r>
+            <a:r>
+              <a:rPr kumimoji="0" lang="en-US" altLang="en-US" sz="1000" b="0" i="0" u="none" strike="noStrike" cap="none" normalizeH="0" baseline="0" dirty="0" smtClean="0">
+                <a:ln>
+                  <a:noFill/>
+                </a:ln>
+                <a:solidFill>
+                  <a:srgbClr val="CC7832"/>
+                </a:solidFill>
+                <a:effectLst/>
+                <a:latin typeface="JetBrains Mono"/>
+              </a:rPr>
+              <a:t>, </a:t>
+            </a:r>
+            <a:r>
+              <a:rPr kumimoji="0" lang="en-US" altLang="en-US" sz="1000" b="0" i="0" u="none" strike="noStrike" cap="none" normalizeH="0" baseline="0" dirty="0" smtClean="0">
+                <a:ln>
+                  <a:noFill/>
+                </a:ln>
+                <a:solidFill>
+                  <a:srgbClr val="9876AA"/>
+                </a:solidFill>
+                <a:effectLst/>
+                <a:latin typeface="JetBrains Mono"/>
+              </a:rPr>
+              <a:t>EMAIL</a:t>
+            </a:r>
+            <a:r>
+              <a:rPr kumimoji="0" lang="en-US" altLang="en-US" sz="1000" b="0" i="0" u="none" strike="noStrike" cap="none" normalizeH="0" baseline="0" dirty="0" smtClean="0">
+                <a:ln>
+                  <a:noFill/>
+                </a:ln>
+                <a:solidFill>
+                  <a:srgbClr val="CC7832"/>
+                </a:solidFill>
+                <a:effectLst/>
+                <a:latin typeface="JetBrains Mono"/>
+              </a:rPr>
+              <a:t>, </a:t>
+            </a:r>
+            <a:r>
+              <a:rPr kumimoji="0" lang="en-US" altLang="en-US" sz="1000" b="0" i="0" u="none" strike="noStrike" cap="none" normalizeH="0" baseline="0" dirty="0" smtClean="0">
+                <a:ln>
+                  <a:noFill/>
+                </a:ln>
+                <a:solidFill>
+                  <a:srgbClr val="9876AA"/>
+                </a:solidFill>
+                <a:effectLst/>
+                <a:latin typeface="JetBrains Mono"/>
+              </a:rPr>
+              <a:t>ID_DEP</a:t>
+            </a:r>
+            <a:r>
+              <a:rPr kumimoji="0" lang="en-US" altLang="en-US" sz="1000" b="0" i="0" u="none" strike="noStrike" cap="none" normalizeH="0" baseline="0" dirty="0" smtClean="0">
+                <a:ln>
+                  <a:noFill/>
+                </a:ln>
+                <a:solidFill>
+                  <a:srgbClr val="CC7832"/>
+                </a:solidFill>
+                <a:effectLst/>
+                <a:latin typeface="JetBrains Mono"/>
+              </a:rPr>
+              <a:t>, </a:t>
+            </a:r>
+            <a:r>
+              <a:rPr kumimoji="0" lang="en-US" altLang="en-US" sz="1000" b="0" i="0" u="none" strike="noStrike" cap="none" normalizeH="0" baseline="0" dirty="0" smtClean="0">
+                <a:ln>
+                  <a:noFill/>
+                </a:ln>
+                <a:solidFill>
+                  <a:srgbClr val="9876AA"/>
+                </a:solidFill>
+                <a:effectLst/>
+                <a:latin typeface="JetBrains Mono"/>
+              </a:rPr>
+              <a:t>ID_PROV</a:t>
+            </a:r>
+            <a:r>
+              <a:rPr kumimoji="0" lang="en-US" altLang="en-US" sz="1000" b="0" i="0" u="none" strike="noStrike" cap="none" normalizeH="0" baseline="0" dirty="0" smtClean="0">
+                <a:ln>
+                  <a:noFill/>
+                </a:ln>
+                <a:solidFill>
+                  <a:srgbClr val="CC7832"/>
+                </a:solidFill>
+                <a:effectLst/>
+                <a:latin typeface="JetBrains Mono"/>
+              </a:rPr>
+              <a:t>, </a:t>
+            </a:r>
+            <a:r>
+              <a:rPr kumimoji="0" lang="en-US" altLang="en-US" sz="1000" b="0" i="0" u="none" strike="noStrike" cap="none" normalizeH="0" baseline="0" dirty="0" smtClean="0">
+                <a:ln>
+                  <a:noFill/>
+                </a:ln>
+                <a:solidFill>
+                  <a:srgbClr val="9876AA"/>
+                </a:solidFill>
+                <a:effectLst/>
+                <a:latin typeface="JetBrains Mono"/>
+              </a:rPr>
+              <a:t>SEXO</a:t>
+            </a:r>
+            <a:r>
+              <a:rPr kumimoji="0" lang="en-US" altLang="en-US" sz="1000" b="0" i="0" u="none" strike="noStrike" cap="none" normalizeH="0" baseline="0" dirty="0" smtClean="0">
+                <a:ln>
+                  <a:noFill/>
+                </a:ln>
+                <a:solidFill>
+                  <a:srgbClr val="A9B7C6"/>
+                </a:solidFill>
+                <a:effectLst/>
+                <a:latin typeface="JetBrains Mono"/>
+              </a:rPr>
+              <a:t>) </a:t>
+            </a:r>
+            <a:r>
+              <a:rPr kumimoji="0" lang="en-US" altLang="en-US" sz="1000" b="0" i="0" u="none" strike="noStrike" cap="none" normalizeH="0" baseline="0" dirty="0" smtClean="0">
+                <a:ln>
+                  <a:noFill/>
+                </a:ln>
+                <a:solidFill>
+                  <a:srgbClr val="CC7832"/>
+                </a:solidFill>
+                <a:effectLst/>
+                <a:latin typeface="JetBrains Mono"/>
+              </a:rPr>
+              <a:t>VALUES</a:t>
+            </a:r>
+            <a:br>
+              <a:rPr kumimoji="0" lang="en-US" altLang="en-US" sz="1000" b="0" i="0" u="none" strike="noStrike" cap="none" normalizeH="0" baseline="0" dirty="0" smtClean="0">
+                <a:ln>
+                  <a:noFill/>
+                </a:ln>
+                <a:solidFill>
+                  <a:srgbClr val="CC7832"/>
+                </a:solidFill>
+                <a:effectLst/>
+                <a:latin typeface="JetBrains Mono"/>
+              </a:rPr>
+            </a:br>
+            <a:r>
+              <a:rPr kumimoji="0" lang="en-US" altLang="en-US" sz="1000" b="0" i="0" u="none" strike="noStrike" cap="none" normalizeH="0" baseline="0" dirty="0" smtClean="0">
+                <a:ln>
+                  <a:noFill/>
+                </a:ln>
+                <a:solidFill>
+                  <a:srgbClr val="A9B7C6"/>
+                </a:solidFill>
+                <a:effectLst/>
+                <a:latin typeface="JetBrains Mono"/>
+              </a:rPr>
+              <a:t>(</a:t>
+            </a:r>
+            <a:r>
+              <a:rPr kumimoji="0" lang="en-US" altLang="en-US" sz="1000" b="0" i="0" u="none" strike="noStrike" cap="none" normalizeH="0" baseline="0" dirty="0" smtClean="0">
+                <a:ln>
+                  <a:noFill/>
+                </a:ln>
+                <a:solidFill>
+                  <a:srgbClr val="6A8759"/>
+                </a:solidFill>
+                <a:effectLst/>
+                <a:latin typeface="JetBrains Mono"/>
+              </a:rPr>
+              <a:t>'CARLOS'</a:t>
+            </a:r>
+            <a:r>
+              <a:rPr kumimoji="0" lang="en-US" altLang="en-US" sz="1000" b="0" i="0" u="none" strike="noStrike" cap="none" normalizeH="0" baseline="0" dirty="0" smtClean="0">
+                <a:ln>
+                  <a:noFill/>
+                </a:ln>
+                <a:solidFill>
+                  <a:srgbClr val="CC7832"/>
+                </a:solidFill>
+                <a:effectLst/>
+                <a:latin typeface="JetBrains Mono"/>
+              </a:rPr>
+              <a:t>, </a:t>
+            </a:r>
+            <a:r>
+              <a:rPr kumimoji="0" lang="en-US" altLang="en-US" sz="1000" b="0" i="0" u="none" strike="noStrike" cap="none" normalizeH="0" baseline="0" dirty="0" smtClean="0">
+                <a:ln>
+                  <a:noFill/>
+                </a:ln>
+                <a:solidFill>
+                  <a:srgbClr val="6A8759"/>
+                </a:solidFill>
+                <a:effectLst/>
+                <a:latin typeface="JetBrains Mono"/>
+              </a:rPr>
+              <a:t>'FERNANDEZ'</a:t>
+            </a:r>
+            <a:r>
+              <a:rPr kumimoji="0" lang="en-US" altLang="en-US" sz="1000" b="0" i="0" u="none" strike="noStrike" cap="none" normalizeH="0" baseline="0" dirty="0" smtClean="0">
+                <a:ln>
+                  <a:noFill/>
+                </a:ln>
+                <a:solidFill>
+                  <a:srgbClr val="CC7832"/>
+                </a:solidFill>
+                <a:effectLst/>
+                <a:latin typeface="JetBrains Mono"/>
+              </a:rPr>
+              <a:t>, </a:t>
+            </a:r>
+            <a:r>
+              <a:rPr kumimoji="0" lang="en-US" altLang="en-US" sz="1000" b="0" i="0" u="none" strike="noStrike" cap="none" normalizeH="0" baseline="0" dirty="0" smtClean="0">
+                <a:ln>
+                  <a:noFill/>
+                </a:ln>
+                <a:solidFill>
+                  <a:srgbClr val="6A8759"/>
+                </a:solidFill>
+                <a:effectLst/>
+                <a:latin typeface="JetBrains Mono"/>
+              </a:rPr>
+              <a:t>'2000-06-24'</a:t>
+            </a:r>
+            <a:r>
+              <a:rPr kumimoji="0" lang="en-US" altLang="en-US" sz="1000" b="0" i="0" u="none" strike="noStrike" cap="none" normalizeH="0" baseline="0" dirty="0" smtClean="0">
+                <a:ln>
+                  <a:noFill/>
+                </a:ln>
+                <a:solidFill>
+                  <a:srgbClr val="CC7832"/>
+                </a:solidFill>
+                <a:effectLst/>
+                <a:latin typeface="JetBrains Mono"/>
+              </a:rPr>
+              <a:t>, </a:t>
+            </a:r>
+            <a:r>
+              <a:rPr kumimoji="0" lang="en-US" altLang="en-US" sz="1000" b="0" i="0" u="none" strike="noStrike" cap="none" normalizeH="0" baseline="0" dirty="0" smtClean="0">
+                <a:ln>
+                  <a:noFill/>
+                </a:ln>
+                <a:solidFill>
+                  <a:srgbClr val="6897BB"/>
+                </a:solidFill>
+                <a:effectLst/>
+                <a:latin typeface="JetBrains Mono"/>
+              </a:rPr>
+              <a:t>22</a:t>
+            </a:r>
+            <a:r>
+              <a:rPr kumimoji="0" lang="en-US" altLang="en-US" sz="1000" b="0" i="0" u="none" strike="noStrike" cap="none" normalizeH="0" baseline="0" dirty="0" smtClean="0">
+                <a:ln>
+                  <a:noFill/>
+                </a:ln>
+                <a:solidFill>
+                  <a:srgbClr val="CC7832"/>
+                </a:solidFill>
+                <a:effectLst/>
+                <a:latin typeface="JetBrains Mono"/>
+              </a:rPr>
+              <a:t>, </a:t>
+            </a:r>
+            <a:r>
+              <a:rPr kumimoji="0" lang="en-US" altLang="en-US" sz="1000" b="0" i="0" u="none" strike="noStrike" cap="none" normalizeH="0" baseline="0" dirty="0" smtClean="0">
+                <a:ln>
+                  <a:noFill/>
+                </a:ln>
+                <a:solidFill>
+                  <a:srgbClr val="6A8759"/>
+                </a:solidFill>
+                <a:effectLst/>
+                <a:latin typeface="JetBrains Mono"/>
+              </a:rPr>
+              <a:t>'CARLOS@GMAIL.COM'</a:t>
+            </a:r>
+            <a:r>
+              <a:rPr kumimoji="0" lang="en-US" altLang="en-US" sz="1000" b="0" i="0" u="none" strike="noStrike" cap="none" normalizeH="0" baseline="0" dirty="0" smtClean="0">
+                <a:ln>
+                  <a:noFill/>
+                </a:ln>
+                <a:solidFill>
+                  <a:srgbClr val="CC7832"/>
+                </a:solidFill>
+                <a:effectLst/>
+                <a:latin typeface="JetBrains Mono"/>
+              </a:rPr>
+              <a:t>, </a:t>
+            </a:r>
+            <a:r>
+              <a:rPr kumimoji="0" lang="en-US" altLang="en-US" sz="1000" b="0" i="0" u="none" strike="noStrike" cap="none" normalizeH="0" baseline="0" dirty="0" smtClean="0">
+                <a:ln>
+                  <a:noFill/>
+                </a:ln>
+                <a:solidFill>
+                  <a:srgbClr val="6897BB"/>
+                </a:solidFill>
+                <a:effectLst/>
+                <a:latin typeface="JetBrains Mono"/>
+              </a:rPr>
+              <a:t>1</a:t>
+            </a:r>
+            <a:r>
+              <a:rPr kumimoji="0" lang="en-US" altLang="en-US" sz="1000" b="0" i="0" u="none" strike="noStrike" cap="none" normalizeH="0" baseline="0" dirty="0" smtClean="0">
+                <a:ln>
+                  <a:noFill/>
+                </a:ln>
+                <a:solidFill>
+                  <a:srgbClr val="CC7832"/>
+                </a:solidFill>
+                <a:effectLst/>
+                <a:latin typeface="JetBrains Mono"/>
+              </a:rPr>
+              <a:t>, </a:t>
+            </a:r>
+            <a:r>
+              <a:rPr kumimoji="0" lang="en-US" altLang="en-US" sz="1000" b="0" i="0" u="none" strike="noStrike" cap="none" normalizeH="0" baseline="0" dirty="0" smtClean="0">
+                <a:ln>
+                  <a:noFill/>
+                </a:ln>
+                <a:solidFill>
+                  <a:srgbClr val="6897BB"/>
+                </a:solidFill>
+                <a:effectLst/>
+                <a:latin typeface="JetBrains Mono"/>
+              </a:rPr>
+              <a:t>1</a:t>
+            </a:r>
+            <a:r>
+              <a:rPr kumimoji="0" lang="en-US" altLang="en-US" sz="1000" b="0" i="0" u="none" strike="noStrike" cap="none" normalizeH="0" baseline="0" dirty="0" smtClean="0">
+                <a:ln>
+                  <a:noFill/>
+                </a:ln>
+                <a:solidFill>
+                  <a:srgbClr val="CC7832"/>
+                </a:solidFill>
+                <a:effectLst/>
+                <a:latin typeface="JetBrains Mono"/>
+              </a:rPr>
+              <a:t>, </a:t>
+            </a:r>
+            <a:r>
+              <a:rPr kumimoji="0" lang="en-US" altLang="en-US" sz="1000" b="0" i="0" u="none" strike="noStrike" cap="none" normalizeH="0" baseline="0" dirty="0" smtClean="0">
+                <a:ln>
+                  <a:noFill/>
+                </a:ln>
+                <a:solidFill>
+                  <a:srgbClr val="6A8759"/>
+                </a:solidFill>
+                <a:effectLst/>
+                <a:latin typeface="JetBrains Mono"/>
+              </a:rPr>
+              <a:t>'M'</a:t>
+            </a:r>
+            <a:r>
+              <a:rPr kumimoji="0" lang="en-US" altLang="en-US" sz="1000" b="0" i="0" u="none" strike="noStrike" cap="none" normalizeH="0" baseline="0" dirty="0" smtClean="0">
+                <a:ln>
+                  <a:noFill/>
+                </a:ln>
+                <a:solidFill>
+                  <a:srgbClr val="A9B7C6"/>
+                </a:solidFill>
+                <a:effectLst/>
+                <a:latin typeface="JetBrains Mono"/>
+              </a:rPr>
+              <a:t>)</a:t>
+            </a:r>
+            <a:r>
+              <a:rPr kumimoji="0" lang="en-US" altLang="en-US" sz="1000" b="0" i="0" u="none" strike="noStrike" cap="none" normalizeH="0" baseline="0" dirty="0" smtClean="0">
+                <a:ln>
+                  <a:noFill/>
+                </a:ln>
+                <a:solidFill>
+                  <a:srgbClr val="CC7832"/>
+                </a:solidFill>
+                <a:effectLst/>
+                <a:latin typeface="JetBrains Mono"/>
+              </a:rPr>
+              <a:t>,</a:t>
+            </a:r>
+            <a:br>
+              <a:rPr kumimoji="0" lang="en-US" altLang="en-US" sz="1000" b="0" i="0" u="none" strike="noStrike" cap="none" normalizeH="0" baseline="0" dirty="0" smtClean="0">
+                <a:ln>
+                  <a:noFill/>
+                </a:ln>
+                <a:solidFill>
+                  <a:srgbClr val="CC7832"/>
+                </a:solidFill>
+                <a:effectLst/>
+                <a:latin typeface="JetBrains Mono"/>
+              </a:rPr>
+            </a:br>
+            <a:r>
+              <a:rPr kumimoji="0" lang="en-US" altLang="en-US" sz="1000" b="0" i="0" u="none" strike="noStrike" cap="none" normalizeH="0" baseline="0" dirty="0" smtClean="0">
+                <a:ln>
+                  <a:noFill/>
+                </a:ln>
+                <a:solidFill>
+                  <a:srgbClr val="A9B7C6"/>
+                </a:solidFill>
+                <a:effectLst/>
+                <a:latin typeface="JetBrains Mono"/>
+              </a:rPr>
+              <a:t>(</a:t>
+            </a:r>
+            <a:r>
+              <a:rPr kumimoji="0" lang="en-US" altLang="en-US" sz="1000" b="0" i="0" u="none" strike="noStrike" cap="none" normalizeH="0" baseline="0" dirty="0" smtClean="0">
+                <a:ln>
+                  <a:noFill/>
+                </a:ln>
+                <a:solidFill>
+                  <a:srgbClr val="6A8759"/>
+                </a:solidFill>
+                <a:effectLst/>
+                <a:latin typeface="JetBrains Mono"/>
+              </a:rPr>
+              <a:t>'ELENA'</a:t>
+            </a:r>
+            <a:r>
+              <a:rPr kumimoji="0" lang="en-US" altLang="en-US" sz="1000" b="0" i="0" u="none" strike="noStrike" cap="none" normalizeH="0" baseline="0" dirty="0" smtClean="0">
+                <a:ln>
+                  <a:noFill/>
+                </a:ln>
+                <a:solidFill>
+                  <a:srgbClr val="CC7832"/>
+                </a:solidFill>
+                <a:effectLst/>
+                <a:latin typeface="JetBrains Mono"/>
+              </a:rPr>
+              <a:t>, </a:t>
+            </a:r>
+            <a:r>
+              <a:rPr kumimoji="0" lang="en-US" altLang="en-US" sz="1000" b="0" i="0" u="none" strike="noStrike" cap="none" normalizeH="0" baseline="0" dirty="0" smtClean="0">
+                <a:ln>
+                  <a:noFill/>
+                </a:ln>
+                <a:solidFill>
+                  <a:srgbClr val="6A8759"/>
+                </a:solidFill>
+                <a:effectLst/>
+                <a:latin typeface="JetBrains Mono"/>
+              </a:rPr>
+              <a:t>'ROMERO ALARCON'</a:t>
+            </a:r>
+            <a:r>
+              <a:rPr kumimoji="0" lang="en-US" altLang="en-US" sz="1000" b="0" i="0" u="none" strike="noStrike" cap="none" normalizeH="0" baseline="0" dirty="0" smtClean="0">
+                <a:ln>
+                  <a:noFill/>
+                </a:ln>
+                <a:solidFill>
+                  <a:srgbClr val="CC7832"/>
+                </a:solidFill>
+                <a:effectLst/>
+                <a:latin typeface="JetBrains Mono"/>
+              </a:rPr>
+              <a:t>, </a:t>
+            </a:r>
+            <a:r>
+              <a:rPr kumimoji="0" lang="en-US" altLang="en-US" sz="1000" b="0" i="0" u="none" strike="noStrike" cap="none" normalizeH="0" baseline="0" dirty="0" smtClean="0">
+                <a:ln>
+                  <a:noFill/>
+                </a:ln>
+                <a:solidFill>
+                  <a:srgbClr val="6A8759"/>
+                </a:solidFill>
+                <a:effectLst/>
+                <a:latin typeface="JetBrains Mono"/>
+              </a:rPr>
+              <a:t>'1997-09-1'</a:t>
+            </a:r>
+            <a:r>
+              <a:rPr kumimoji="0" lang="en-US" altLang="en-US" sz="1000" b="0" i="0" u="none" strike="noStrike" cap="none" normalizeH="0" baseline="0" dirty="0" smtClean="0">
+                <a:ln>
+                  <a:noFill/>
+                </a:ln>
+                <a:solidFill>
+                  <a:srgbClr val="CC7832"/>
+                </a:solidFill>
+                <a:effectLst/>
+                <a:latin typeface="JetBrains Mono"/>
+              </a:rPr>
+              <a:t>, </a:t>
+            </a:r>
+            <a:r>
+              <a:rPr kumimoji="0" lang="en-US" altLang="en-US" sz="1000" b="0" i="0" u="none" strike="noStrike" cap="none" normalizeH="0" baseline="0" dirty="0" smtClean="0">
+                <a:ln>
+                  <a:noFill/>
+                </a:ln>
+                <a:solidFill>
+                  <a:srgbClr val="6897BB"/>
+                </a:solidFill>
+                <a:effectLst/>
+                <a:latin typeface="JetBrains Mono"/>
+              </a:rPr>
+              <a:t>23</a:t>
+            </a:r>
+            <a:r>
+              <a:rPr kumimoji="0" lang="en-US" altLang="en-US" sz="1000" b="0" i="0" u="none" strike="noStrike" cap="none" normalizeH="0" baseline="0" dirty="0" smtClean="0">
+                <a:ln>
+                  <a:noFill/>
+                </a:ln>
+                <a:solidFill>
+                  <a:srgbClr val="CC7832"/>
+                </a:solidFill>
+                <a:effectLst/>
+                <a:latin typeface="JetBrains Mono"/>
+              </a:rPr>
+              <a:t>, </a:t>
+            </a:r>
+            <a:r>
+              <a:rPr kumimoji="0" lang="en-US" altLang="en-US" sz="1000" b="0" i="0" u="none" strike="noStrike" cap="none" normalizeH="0" baseline="0" dirty="0" smtClean="0">
+                <a:ln>
+                  <a:noFill/>
+                </a:ln>
+                <a:solidFill>
+                  <a:srgbClr val="6A8759"/>
+                </a:solidFill>
+                <a:effectLst/>
+                <a:latin typeface="JetBrains Mono"/>
+              </a:rPr>
+              <a:t>'ROMAL@GMAIL.COM'</a:t>
+            </a:r>
+            <a:r>
+              <a:rPr kumimoji="0" lang="en-US" altLang="en-US" sz="1000" b="0" i="0" u="none" strike="noStrike" cap="none" normalizeH="0" baseline="0" dirty="0" smtClean="0">
+                <a:ln>
+                  <a:noFill/>
+                </a:ln>
+                <a:solidFill>
+                  <a:srgbClr val="CC7832"/>
+                </a:solidFill>
+                <a:effectLst/>
+                <a:latin typeface="JetBrains Mono"/>
+              </a:rPr>
+              <a:t>, </a:t>
+            </a:r>
+            <a:r>
+              <a:rPr kumimoji="0" lang="en-US" altLang="en-US" sz="1000" b="0" i="0" u="none" strike="noStrike" cap="none" normalizeH="0" baseline="0" dirty="0" smtClean="0">
+                <a:ln>
+                  <a:noFill/>
+                </a:ln>
+                <a:solidFill>
+                  <a:srgbClr val="6897BB"/>
+                </a:solidFill>
+                <a:effectLst/>
+                <a:latin typeface="JetBrains Mono"/>
+              </a:rPr>
+              <a:t>2</a:t>
+            </a:r>
+            <a:r>
+              <a:rPr kumimoji="0" lang="en-US" altLang="en-US" sz="1000" b="0" i="0" u="none" strike="noStrike" cap="none" normalizeH="0" baseline="0" dirty="0" smtClean="0">
+                <a:ln>
+                  <a:noFill/>
+                </a:ln>
+                <a:solidFill>
+                  <a:srgbClr val="CC7832"/>
+                </a:solidFill>
+                <a:effectLst/>
+                <a:latin typeface="JetBrains Mono"/>
+              </a:rPr>
+              <a:t>, </a:t>
+            </a:r>
+            <a:r>
+              <a:rPr kumimoji="0" lang="en-US" altLang="en-US" sz="1000" b="0" i="0" u="none" strike="noStrike" cap="none" normalizeH="0" baseline="0" dirty="0" smtClean="0">
+                <a:ln>
+                  <a:noFill/>
+                </a:ln>
+                <a:solidFill>
+                  <a:srgbClr val="6897BB"/>
+                </a:solidFill>
+                <a:effectLst/>
+                <a:latin typeface="JetBrains Mono"/>
+              </a:rPr>
+              <a:t>3</a:t>
+            </a:r>
+            <a:r>
+              <a:rPr kumimoji="0" lang="en-US" altLang="en-US" sz="1000" b="0" i="0" u="none" strike="noStrike" cap="none" normalizeH="0" baseline="0" dirty="0" smtClean="0">
+                <a:ln>
+                  <a:noFill/>
+                </a:ln>
+                <a:solidFill>
+                  <a:srgbClr val="CC7832"/>
+                </a:solidFill>
+                <a:effectLst/>
+                <a:latin typeface="JetBrains Mono"/>
+              </a:rPr>
+              <a:t>, </a:t>
+            </a:r>
+            <a:r>
+              <a:rPr kumimoji="0" lang="en-US" altLang="en-US" sz="1000" b="0" i="0" u="none" strike="noStrike" cap="none" normalizeH="0" baseline="0" dirty="0" smtClean="0">
+                <a:ln>
+                  <a:noFill/>
+                </a:ln>
+                <a:solidFill>
+                  <a:srgbClr val="6A8759"/>
+                </a:solidFill>
+                <a:effectLst/>
+                <a:latin typeface="JetBrains Mono"/>
+              </a:rPr>
+              <a:t>'F'</a:t>
+            </a:r>
+            <a:r>
+              <a:rPr kumimoji="0" lang="en-US" altLang="en-US" sz="1000" b="0" i="0" u="none" strike="noStrike" cap="none" normalizeH="0" baseline="0" dirty="0" smtClean="0">
+                <a:ln>
+                  <a:noFill/>
+                </a:ln>
+                <a:solidFill>
+                  <a:srgbClr val="A9B7C6"/>
+                </a:solidFill>
+                <a:effectLst/>
+                <a:latin typeface="JetBrains Mono"/>
+              </a:rPr>
+              <a:t>)</a:t>
+            </a:r>
+            <a:r>
+              <a:rPr kumimoji="0" lang="en-US" altLang="en-US" sz="1000" b="0" i="0" u="none" strike="noStrike" cap="none" normalizeH="0" baseline="0" dirty="0" smtClean="0">
+                <a:ln>
+                  <a:noFill/>
+                </a:ln>
+                <a:solidFill>
+                  <a:srgbClr val="CC7832"/>
+                </a:solidFill>
+                <a:effectLst/>
+                <a:latin typeface="JetBrains Mono"/>
+              </a:rPr>
+              <a:t>,</a:t>
+            </a:r>
+            <a:br>
+              <a:rPr kumimoji="0" lang="en-US" altLang="en-US" sz="1000" b="0" i="0" u="none" strike="noStrike" cap="none" normalizeH="0" baseline="0" dirty="0" smtClean="0">
+                <a:ln>
+                  <a:noFill/>
+                </a:ln>
+                <a:solidFill>
+                  <a:srgbClr val="CC7832"/>
+                </a:solidFill>
+                <a:effectLst/>
+                <a:latin typeface="JetBrains Mono"/>
+              </a:rPr>
+            </a:br>
+            <a:r>
+              <a:rPr kumimoji="0" lang="en-US" altLang="en-US" sz="1000" b="0" i="0" u="none" strike="noStrike" cap="none" normalizeH="0" baseline="0" dirty="0" smtClean="0">
+                <a:ln>
+                  <a:noFill/>
+                </a:ln>
+                <a:solidFill>
+                  <a:srgbClr val="A9B7C6"/>
+                </a:solidFill>
+                <a:effectLst/>
+                <a:latin typeface="JetBrains Mono"/>
+              </a:rPr>
+              <a:t>(</a:t>
+            </a:r>
+            <a:r>
+              <a:rPr kumimoji="0" lang="en-US" altLang="en-US" sz="1000" b="0" i="0" u="none" strike="noStrike" cap="none" normalizeH="0" baseline="0" dirty="0" smtClean="0">
+                <a:ln>
+                  <a:noFill/>
+                </a:ln>
+                <a:solidFill>
+                  <a:srgbClr val="6A8759"/>
+                </a:solidFill>
+                <a:effectLst/>
+                <a:latin typeface="JetBrains Mono"/>
+              </a:rPr>
+              <a:t>'KARINA'</a:t>
+            </a:r>
+            <a:r>
+              <a:rPr kumimoji="0" lang="en-US" altLang="en-US" sz="1000" b="0" i="0" u="none" strike="noStrike" cap="none" normalizeH="0" baseline="0" dirty="0" smtClean="0">
+                <a:ln>
+                  <a:noFill/>
+                </a:ln>
+                <a:solidFill>
+                  <a:srgbClr val="CC7832"/>
+                </a:solidFill>
+                <a:effectLst/>
+                <a:latin typeface="JetBrains Mono"/>
+              </a:rPr>
+              <a:t>, </a:t>
+            </a:r>
+            <a:r>
+              <a:rPr kumimoji="0" lang="en-US" altLang="en-US" sz="1000" b="0" i="0" u="none" strike="noStrike" cap="none" normalizeH="0" baseline="0" dirty="0" smtClean="0">
+                <a:ln>
+                  <a:noFill/>
+                </a:ln>
+                <a:solidFill>
+                  <a:srgbClr val="6A8759"/>
+                </a:solidFill>
+                <a:effectLst/>
+                <a:latin typeface="JetBrains Mono"/>
+              </a:rPr>
+              <a:t>'PACAJES PAZ'</a:t>
+            </a:r>
+            <a:r>
+              <a:rPr kumimoji="0" lang="en-US" altLang="en-US" sz="1000" b="0" i="0" u="none" strike="noStrike" cap="none" normalizeH="0" baseline="0" dirty="0" smtClean="0">
+                <a:ln>
+                  <a:noFill/>
+                </a:ln>
+                <a:solidFill>
+                  <a:srgbClr val="CC7832"/>
+                </a:solidFill>
+                <a:effectLst/>
+                <a:latin typeface="JetBrains Mono"/>
+              </a:rPr>
+              <a:t>, </a:t>
+            </a:r>
+            <a:r>
+              <a:rPr kumimoji="0" lang="en-US" altLang="en-US" sz="1000" b="0" i="0" u="none" strike="noStrike" cap="none" normalizeH="0" baseline="0" dirty="0" smtClean="0">
+                <a:ln>
+                  <a:noFill/>
+                </a:ln>
+                <a:solidFill>
+                  <a:srgbClr val="6A8759"/>
+                </a:solidFill>
+                <a:effectLst/>
+                <a:latin typeface="JetBrains Mono"/>
+              </a:rPr>
+              <a:t>'2000-10-10'</a:t>
+            </a:r>
+            <a:r>
+              <a:rPr kumimoji="0" lang="en-US" altLang="en-US" sz="1000" b="0" i="0" u="none" strike="noStrike" cap="none" normalizeH="0" baseline="0" dirty="0" smtClean="0">
+                <a:ln>
+                  <a:noFill/>
+                </a:ln>
+                <a:solidFill>
+                  <a:srgbClr val="CC7832"/>
+                </a:solidFill>
+                <a:effectLst/>
+                <a:latin typeface="JetBrains Mono"/>
+              </a:rPr>
+              <a:t>, </a:t>
+            </a:r>
+            <a:r>
+              <a:rPr kumimoji="0" lang="en-US" altLang="en-US" sz="1000" b="0" i="0" u="none" strike="noStrike" cap="none" normalizeH="0" baseline="0" dirty="0" smtClean="0">
+                <a:ln>
+                  <a:noFill/>
+                </a:ln>
+                <a:solidFill>
+                  <a:srgbClr val="6897BB"/>
+                </a:solidFill>
+                <a:effectLst/>
+                <a:latin typeface="JetBrains Mono"/>
+              </a:rPr>
+              <a:t>22</a:t>
+            </a:r>
+            <a:r>
+              <a:rPr kumimoji="0" lang="en-US" altLang="en-US" sz="1000" b="0" i="0" u="none" strike="noStrike" cap="none" normalizeH="0" baseline="0" dirty="0" smtClean="0">
+                <a:ln>
+                  <a:noFill/>
+                </a:ln>
+                <a:solidFill>
+                  <a:srgbClr val="CC7832"/>
+                </a:solidFill>
+                <a:effectLst/>
+                <a:latin typeface="JetBrains Mono"/>
+              </a:rPr>
+              <a:t>, </a:t>
+            </a:r>
+            <a:r>
+              <a:rPr kumimoji="0" lang="en-US" altLang="en-US" sz="1000" b="0" i="0" u="none" strike="noStrike" cap="none" normalizeH="0" baseline="0" dirty="0" smtClean="0">
+                <a:ln>
+                  <a:noFill/>
+                </a:ln>
+                <a:solidFill>
+                  <a:srgbClr val="6A8759"/>
+                </a:solidFill>
+                <a:effectLst/>
+                <a:latin typeface="JetBrains Mono"/>
+              </a:rPr>
+              <a:t>'KARINA@GMAIL.COM'</a:t>
+            </a:r>
+            <a:r>
+              <a:rPr kumimoji="0" lang="en-US" altLang="en-US" sz="1000" b="0" i="0" u="none" strike="noStrike" cap="none" normalizeH="0" baseline="0" dirty="0" smtClean="0">
+                <a:ln>
+                  <a:noFill/>
+                </a:ln>
+                <a:solidFill>
+                  <a:srgbClr val="CC7832"/>
+                </a:solidFill>
+                <a:effectLst/>
+                <a:latin typeface="JetBrains Mono"/>
+              </a:rPr>
+              <a:t>, </a:t>
+            </a:r>
+            <a:r>
+              <a:rPr kumimoji="0" lang="en-US" altLang="en-US" sz="1000" b="0" i="0" u="none" strike="noStrike" cap="none" normalizeH="0" baseline="0" dirty="0" smtClean="0">
+                <a:ln>
+                  <a:noFill/>
+                </a:ln>
+                <a:solidFill>
+                  <a:srgbClr val="6897BB"/>
+                </a:solidFill>
+                <a:effectLst/>
+                <a:latin typeface="JetBrains Mono"/>
+              </a:rPr>
+              <a:t>3</a:t>
+            </a:r>
+            <a:r>
+              <a:rPr kumimoji="0" lang="en-US" altLang="en-US" sz="1000" b="0" i="0" u="none" strike="noStrike" cap="none" normalizeH="0" baseline="0" dirty="0" smtClean="0">
+                <a:ln>
+                  <a:noFill/>
+                </a:ln>
+                <a:solidFill>
+                  <a:srgbClr val="CC7832"/>
+                </a:solidFill>
+                <a:effectLst/>
+                <a:latin typeface="JetBrains Mono"/>
+              </a:rPr>
+              <a:t>,</a:t>
+            </a:r>
+            <a:r>
+              <a:rPr kumimoji="0" lang="en-US" altLang="en-US" sz="1000" b="0" i="0" u="none" strike="noStrike" cap="none" normalizeH="0" baseline="0" dirty="0" smtClean="0">
+                <a:ln>
+                  <a:noFill/>
+                </a:ln>
+                <a:solidFill>
+                  <a:srgbClr val="6897BB"/>
+                </a:solidFill>
+                <a:effectLst/>
+                <a:latin typeface="JetBrains Mono"/>
+              </a:rPr>
+              <a:t>6</a:t>
+            </a:r>
+            <a:r>
+              <a:rPr kumimoji="0" lang="en-US" altLang="en-US" sz="1000" b="0" i="0" u="none" strike="noStrike" cap="none" normalizeH="0" baseline="0" dirty="0" smtClean="0">
+                <a:ln>
+                  <a:noFill/>
+                </a:ln>
+                <a:solidFill>
+                  <a:srgbClr val="CC7832"/>
+                </a:solidFill>
+                <a:effectLst/>
+                <a:latin typeface="JetBrains Mono"/>
+              </a:rPr>
+              <a:t>, </a:t>
+            </a:r>
+            <a:r>
+              <a:rPr kumimoji="0" lang="en-US" altLang="en-US" sz="1000" b="0" i="0" u="none" strike="noStrike" cap="none" normalizeH="0" baseline="0" dirty="0" smtClean="0">
+                <a:ln>
+                  <a:noFill/>
+                </a:ln>
+                <a:solidFill>
+                  <a:srgbClr val="6A8759"/>
+                </a:solidFill>
+                <a:effectLst/>
+                <a:latin typeface="JetBrains Mono"/>
+              </a:rPr>
+              <a:t>'F'</a:t>
+            </a:r>
+            <a:r>
+              <a:rPr kumimoji="0" lang="en-US" altLang="en-US" sz="1000" b="0" i="0" u="none" strike="noStrike" cap="none" normalizeH="0" baseline="0" dirty="0" smtClean="0">
+                <a:ln>
+                  <a:noFill/>
+                </a:ln>
+                <a:solidFill>
+                  <a:srgbClr val="A9B7C6"/>
+                </a:solidFill>
+                <a:effectLst/>
+                <a:latin typeface="JetBrains Mono"/>
+              </a:rPr>
+              <a:t>)</a:t>
+            </a:r>
+            <a:r>
+              <a:rPr kumimoji="0" lang="en-US" altLang="en-US" sz="1000" b="0" i="0" u="none" strike="noStrike" cap="none" normalizeH="0" baseline="0" dirty="0" smtClean="0">
+                <a:ln>
+                  <a:noFill/>
+                </a:ln>
+                <a:solidFill>
+                  <a:srgbClr val="CC7832"/>
+                </a:solidFill>
+                <a:effectLst/>
+                <a:latin typeface="JetBrains Mono"/>
+              </a:rPr>
+              <a:t>;</a:t>
+            </a:r>
+            <a:br>
+              <a:rPr kumimoji="0" lang="en-US" altLang="en-US" sz="1000" b="0" i="0" u="none" strike="noStrike" cap="none" normalizeH="0" baseline="0" dirty="0" smtClean="0">
+                <a:ln>
+                  <a:noFill/>
+                </a:ln>
+                <a:solidFill>
+                  <a:srgbClr val="CC7832"/>
+                </a:solidFill>
+                <a:effectLst/>
+                <a:latin typeface="JetBrains Mono"/>
+              </a:rPr>
+            </a:br>
+            <a:r>
+              <a:rPr kumimoji="0" lang="en-US" altLang="en-US" sz="1000" b="0" i="0" u="none" strike="noStrike" cap="none" normalizeH="0" baseline="0" dirty="0" smtClean="0">
+                <a:ln>
+                  <a:noFill/>
+                </a:ln>
+                <a:solidFill>
+                  <a:srgbClr val="CC7832"/>
+                </a:solidFill>
+                <a:effectLst/>
+                <a:latin typeface="JetBrains Mono"/>
+              </a:rPr>
+              <a:t/>
+            </a:r>
+            <a:br>
+              <a:rPr kumimoji="0" lang="en-US" altLang="en-US" sz="1000" b="0" i="0" u="none" strike="noStrike" cap="none" normalizeH="0" baseline="0" dirty="0" smtClean="0">
+                <a:ln>
+                  <a:noFill/>
+                </a:ln>
+                <a:solidFill>
+                  <a:srgbClr val="CC7832"/>
+                </a:solidFill>
+                <a:effectLst/>
+                <a:latin typeface="JetBrains Mono"/>
+              </a:rPr>
+            </a:br>
+            <a:r>
+              <a:rPr kumimoji="0" lang="en-US" altLang="en-US" sz="1000" b="0" i="0" u="none" strike="noStrike" cap="none" normalizeH="0" baseline="0" dirty="0" smtClean="0">
                 <a:ln>
                   <a:noFill/>
                 </a:ln>
@@ -18307,7 +19440,1670 @@
               <a:t>INSERT INTO </a:t>
             </a:r>
             <a:r>
-              <a:rPr kumimoji="0" lang="en-US" altLang="en-US" sz="1000" b="0" i="0" u="none" strike="noStrike" cap="none" normalizeH="0" baseline="0" smtClean="0">
+              <a:rPr kumimoji="0" lang="en-US" altLang="en-US" sz="1000" b="0" i="0" u="none" strike="noStrike" cap="none" normalizeH="0" baseline="0" dirty="0" smtClean="0">
+                <a:ln>
+                  <a:noFill/>
+                </a:ln>
+                <a:solidFill>
+                  <a:srgbClr val="A9B7C6"/>
+                </a:solidFill>
+                <a:effectLst/>
+                <a:latin typeface="JetBrains Mono"/>
+              </a:rPr>
+              <a:t>PROVINCIA(</a:t>
+            </a:r>
+            <a:r>
+              <a:rPr kumimoji="0" lang="en-US" altLang="en-US" sz="1000" b="0" i="0" u="none" strike="noStrike" cap="none" normalizeH="0" baseline="0" dirty="0" smtClean="0">
+                <a:ln>
+                  <a:noFill/>
+                </a:ln>
+                <a:solidFill>
+                  <a:srgbClr val="9876AA"/>
+                </a:solidFill>
+                <a:effectLst/>
+                <a:latin typeface="JetBrains Mono"/>
+              </a:rPr>
+              <a:t>NOMBRE</a:t>
+            </a:r>
+            <a:r>
+              <a:rPr kumimoji="0" lang="en-US" altLang="en-US" sz="1000" b="0" i="0" u="none" strike="noStrike" cap="none" normalizeH="0" baseline="0" dirty="0" smtClean="0">
+                <a:ln>
+                  <a:noFill/>
+                </a:ln>
+                <a:solidFill>
+                  <a:srgbClr val="CC7832"/>
+                </a:solidFill>
+                <a:effectLst/>
+                <a:latin typeface="JetBrains Mono"/>
+              </a:rPr>
+              <a:t>, </a:t>
+            </a:r>
+            <a:r>
+              <a:rPr kumimoji="0" lang="en-US" altLang="en-US" sz="1000" b="0" i="0" u="none" strike="noStrike" cap="none" normalizeH="0" baseline="0" dirty="0" smtClean="0">
+                <a:ln>
+                  <a:noFill/>
+                </a:ln>
+                <a:solidFill>
+                  <a:srgbClr val="9876AA"/>
+                </a:solidFill>
+                <a:effectLst/>
+                <a:latin typeface="JetBrains Mono"/>
+              </a:rPr>
+              <a:t>ID_DEP</a:t>
+            </a:r>
+            <a:r>
+              <a:rPr kumimoji="0" lang="en-US" altLang="en-US" sz="1000" b="0" i="0" u="none" strike="noStrike" cap="none" normalizeH="0" baseline="0" dirty="0" smtClean="0">
+                <a:ln>
+                  <a:noFill/>
+                </a:ln>
+                <a:solidFill>
+                  <a:srgbClr val="A9B7C6"/>
+                </a:solidFill>
+                <a:effectLst/>
+                <a:latin typeface="JetBrains Mono"/>
+              </a:rPr>
+              <a:t>) </a:t>
+            </a:r>
+            <a:r>
+              <a:rPr kumimoji="0" lang="en-US" altLang="en-US" sz="1000" b="0" i="0" u="none" strike="noStrike" cap="none" normalizeH="0" baseline="0" dirty="0" smtClean="0">
+                <a:ln>
+                  <a:noFill/>
+                </a:ln>
+                <a:solidFill>
+                  <a:srgbClr val="CC7832"/>
+                </a:solidFill>
+                <a:effectLst/>
+                <a:latin typeface="JetBrains Mono"/>
+              </a:rPr>
+              <a:t>VALUES</a:t>
+            </a:r>
+            <a:br>
+              <a:rPr kumimoji="0" lang="en-US" altLang="en-US" sz="1000" b="0" i="0" u="none" strike="noStrike" cap="none" normalizeH="0" baseline="0" dirty="0" smtClean="0">
+                <a:ln>
+                  <a:noFill/>
+                </a:ln>
+                <a:solidFill>
+                  <a:srgbClr val="CC7832"/>
+                </a:solidFill>
+                <a:effectLst/>
+                <a:latin typeface="JetBrains Mono"/>
+              </a:rPr>
+            </a:br>
+            <a:r>
+              <a:rPr kumimoji="0" lang="en-US" altLang="en-US" sz="1000" b="0" i="0" u="none" strike="noStrike" cap="none" normalizeH="0" baseline="0" dirty="0" smtClean="0">
+                <a:ln>
+                  <a:noFill/>
+                </a:ln>
+                <a:solidFill>
+                  <a:srgbClr val="A9B7C6"/>
+                </a:solidFill>
+                <a:effectLst/>
+                <a:latin typeface="JetBrains Mono"/>
+              </a:rPr>
+              <a:t>(</a:t>
+            </a:r>
+            <a:r>
+              <a:rPr kumimoji="0" lang="en-US" altLang="en-US" sz="1000" b="0" i="0" u="none" strike="noStrike" cap="none" normalizeH="0" baseline="0" dirty="0" smtClean="0">
+                <a:ln>
+                  <a:noFill/>
+                </a:ln>
+                <a:solidFill>
+                  <a:srgbClr val="6A8759"/>
+                </a:solidFill>
+                <a:effectLst/>
+                <a:latin typeface="JetBrains Mono"/>
+              </a:rPr>
+              <a:t>'PACAJES'</a:t>
+            </a:r>
+            <a:r>
+              <a:rPr kumimoji="0" lang="en-US" altLang="en-US" sz="1000" b="0" i="0" u="none" strike="noStrike" cap="none" normalizeH="0" baseline="0" dirty="0" smtClean="0">
+                <a:ln>
+                  <a:noFill/>
+                </a:ln>
+                <a:solidFill>
+                  <a:srgbClr val="CC7832"/>
+                </a:solidFill>
+                <a:effectLst/>
+                <a:latin typeface="JetBrains Mono"/>
+              </a:rPr>
+              <a:t>, </a:t>
+            </a:r>
+            <a:r>
+              <a:rPr kumimoji="0" lang="en-US" altLang="en-US" sz="1000" b="0" i="0" u="none" strike="noStrike" cap="none" normalizeH="0" baseline="0" dirty="0" smtClean="0">
+                <a:ln>
+                  <a:noFill/>
+                </a:ln>
+                <a:solidFill>
+                  <a:srgbClr val="6897BB"/>
+                </a:solidFill>
+                <a:effectLst/>
+                <a:latin typeface="JetBrains Mono"/>
+              </a:rPr>
+              <a:t>1</a:t>
+            </a:r>
+            <a:r>
+              <a:rPr kumimoji="0" lang="en-US" altLang="en-US" sz="1000" b="0" i="0" u="none" strike="noStrike" cap="none" normalizeH="0" baseline="0" dirty="0" smtClean="0">
+                <a:ln>
+                  <a:noFill/>
+                </a:ln>
+                <a:solidFill>
+                  <a:srgbClr val="A9B7C6"/>
+                </a:solidFill>
+                <a:effectLst/>
+                <a:latin typeface="JetBrains Mono"/>
+              </a:rPr>
+              <a:t>)</a:t>
+            </a:r>
+            <a:r>
+              <a:rPr kumimoji="0" lang="en-US" altLang="en-US" sz="1000" b="0" i="0" u="none" strike="noStrike" cap="none" normalizeH="0" baseline="0" dirty="0" smtClean="0">
+                <a:ln>
+                  <a:noFill/>
+                </a:ln>
+                <a:solidFill>
+                  <a:srgbClr val="CC7832"/>
+                </a:solidFill>
+                <a:effectLst/>
+                <a:latin typeface="JetBrains Mono"/>
+              </a:rPr>
+              <a:t>,</a:t>
+            </a:r>
+            <a:br>
+              <a:rPr kumimoji="0" lang="en-US" altLang="en-US" sz="1000" b="0" i="0" u="none" strike="noStrike" cap="none" normalizeH="0" baseline="0" dirty="0" smtClean="0">
+                <a:ln>
+                  <a:noFill/>
+                </a:ln>
+                <a:solidFill>
+                  <a:srgbClr val="CC7832"/>
+                </a:solidFill>
+                <a:effectLst/>
+                <a:latin typeface="JetBrains Mono"/>
+              </a:rPr>
+            </a:br>
+            <a:r>
+              <a:rPr kumimoji="0" lang="en-US" altLang="en-US" sz="1000" b="0" i="0" u="none" strike="noStrike" cap="none" normalizeH="0" baseline="0" dirty="0" smtClean="0">
+                <a:ln>
+                  <a:noFill/>
+                </a:ln>
+                <a:solidFill>
+                  <a:srgbClr val="A9B7C6"/>
+                </a:solidFill>
+                <a:effectLst/>
+                <a:latin typeface="JetBrains Mono"/>
+              </a:rPr>
+              <a:t>(</a:t>
+            </a:r>
+            <a:r>
+              <a:rPr kumimoji="0" lang="en-US" altLang="en-US" sz="1000" b="0" i="0" u="none" strike="noStrike" cap="none" normalizeH="0" baseline="0" dirty="0" smtClean="0">
+                <a:ln>
+                  <a:noFill/>
+                </a:ln>
+                <a:solidFill>
+                  <a:srgbClr val="6A8759"/>
+                </a:solidFill>
+                <a:effectLst/>
+                <a:latin typeface="JetBrains Mono"/>
+              </a:rPr>
+              <a:t>'ITURRALDE'</a:t>
+            </a:r>
+            <a:r>
+              <a:rPr kumimoji="0" lang="en-US" altLang="en-US" sz="1000" b="0" i="0" u="none" strike="noStrike" cap="none" normalizeH="0" baseline="0" dirty="0" smtClean="0">
+                <a:ln>
+                  <a:noFill/>
+                </a:ln>
+                <a:solidFill>
+                  <a:srgbClr val="CC7832"/>
+                </a:solidFill>
+                <a:effectLst/>
+                <a:latin typeface="JetBrains Mono"/>
+              </a:rPr>
+              <a:t>, </a:t>
+            </a:r>
+            <a:r>
+              <a:rPr kumimoji="0" lang="en-US" altLang="en-US" sz="1000" b="0" i="0" u="none" strike="noStrike" cap="none" normalizeH="0" baseline="0" dirty="0" smtClean="0">
+                <a:ln>
+                  <a:noFill/>
+                </a:ln>
+                <a:solidFill>
+                  <a:srgbClr val="6897BB"/>
+                </a:solidFill>
+                <a:effectLst/>
+                <a:latin typeface="JetBrains Mono"/>
+              </a:rPr>
+              <a:t>1</a:t>
+            </a:r>
+            <a:r>
+              <a:rPr kumimoji="0" lang="en-US" altLang="en-US" sz="1000" b="0" i="0" u="none" strike="noStrike" cap="none" normalizeH="0" baseline="0" dirty="0" smtClean="0">
+                <a:ln>
+                  <a:noFill/>
+                </a:ln>
+                <a:solidFill>
+                  <a:srgbClr val="A9B7C6"/>
+                </a:solidFill>
+                <a:effectLst/>
+                <a:latin typeface="JetBrains Mono"/>
+              </a:rPr>
+              <a:t>)</a:t>
+            </a:r>
+            <a:r>
+              <a:rPr kumimoji="0" lang="en-US" altLang="en-US" sz="1000" b="0" i="0" u="none" strike="noStrike" cap="none" normalizeH="0" baseline="0" dirty="0" smtClean="0">
+                <a:ln>
+                  <a:noFill/>
+                </a:ln>
+                <a:solidFill>
+                  <a:srgbClr val="CC7832"/>
+                </a:solidFill>
+                <a:effectLst/>
+                <a:latin typeface="JetBrains Mono"/>
+              </a:rPr>
+              <a:t>,</a:t>
+            </a:r>
+            <a:br>
+              <a:rPr kumimoji="0" lang="en-US" altLang="en-US" sz="1000" b="0" i="0" u="none" strike="noStrike" cap="none" normalizeH="0" baseline="0" dirty="0" smtClean="0">
+                <a:ln>
+                  <a:noFill/>
+                </a:ln>
+                <a:solidFill>
+                  <a:srgbClr val="CC7832"/>
+                </a:solidFill>
+                <a:effectLst/>
+                <a:latin typeface="JetBrains Mono"/>
+              </a:rPr>
+            </a:br>
+            <a:r>
+              <a:rPr kumimoji="0" lang="en-US" altLang="en-US" sz="1000" b="0" i="0" u="none" strike="noStrike" cap="none" normalizeH="0" baseline="0" dirty="0" smtClean="0">
+                <a:ln>
+                  <a:noFill/>
+                </a:ln>
+                <a:solidFill>
+                  <a:srgbClr val="A9B7C6"/>
+                </a:solidFill>
+                <a:effectLst/>
+                <a:latin typeface="JetBrains Mono"/>
+              </a:rPr>
+              <a:t>(</a:t>
+            </a:r>
+            <a:r>
+              <a:rPr kumimoji="0" lang="en-US" altLang="en-US" sz="1000" b="0" i="0" u="none" strike="noStrike" cap="none" normalizeH="0" baseline="0" dirty="0" smtClean="0">
+                <a:ln>
+                  <a:noFill/>
+                </a:ln>
+                <a:solidFill>
+                  <a:srgbClr val="6A8759"/>
+                </a:solidFill>
+                <a:effectLst/>
+                <a:latin typeface="JetBrains Mono"/>
+              </a:rPr>
+              <a:t>'CERCADO'</a:t>
+            </a:r>
+            <a:r>
+              <a:rPr kumimoji="0" lang="en-US" altLang="en-US" sz="1000" b="0" i="0" u="none" strike="noStrike" cap="none" normalizeH="0" baseline="0" dirty="0" smtClean="0">
+                <a:ln>
+                  <a:noFill/>
+                </a:ln>
+                <a:solidFill>
+                  <a:srgbClr val="CC7832"/>
+                </a:solidFill>
+                <a:effectLst/>
+                <a:latin typeface="JetBrains Mono"/>
+              </a:rPr>
+              <a:t>, </a:t>
+            </a:r>
+            <a:r>
+              <a:rPr kumimoji="0" lang="en-US" altLang="en-US" sz="1000" b="0" i="0" u="none" strike="noStrike" cap="none" normalizeH="0" baseline="0" dirty="0" smtClean="0">
+                <a:ln>
+                  <a:noFill/>
+                </a:ln>
+                <a:solidFill>
+                  <a:srgbClr val="6897BB"/>
+                </a:solidFill>
+                <a:effectLst/>
+                <a:latin typeface="JetBrains Mono"/>
+              </a:rPr>
+              <a:t>1</a:t>
+            </a:r>
+            <a:r>
+              <a:rPr kumimoji="0" lang="en-US" altLang="en-US" sz="1000" b="0" i="0" u="none" strike="noStrike" cap="none" normalizeH="0" baseline="0" dirty="0" smtClean="0">
+                <a:ln>
+                  <a:noFill/>
+                </a:ln>
+                <a:solidFill>
+                  <a:srgbClr val="A9B7C6"/>
+                </a:solidFill>
+                <a:effectLst/>
+                <a:latin typeface="JetBrains Mono"/>
+              </a:rPr>
+              <a:t>)</a:t>
+            </a:r>
+            <a:r>
+              <a:rPr kumimoji="0" lang="en-US" altLang="en-US" sz="1000" b="0" i="0" u="none" strike="noStrike" cap="none" normalizeH="0" baseline="0" dirty="0" smtClean="0">
+                <a:ln>
+                  <a:noFill/>
+                </a:ln>
+                <a:solidFill>
+                  <a:srgbClr val="CC7832"/>
+                </a:solidFill>
+                <a:effectLst/>
+                <a:latin typeface="JetBrains Mono"/>
+              </a:rPr>
+              <a:t>,</a:t>
+            </a:r>
+            <a:br>
+              <a:rPr kumimoji="0" lang="en-US" altLang="en-US" sz="1000" b="0" i="0" u="none" strike="noStrike" cap="none" normalizeH="0" baseline="0" dirty="0" smtClean="0">
+                <a:ln>
+                  <a:noFill/>
+                </a:ln>
+                <a:solidFill>
+                  <a:srgbClr val="CC7832"/>
+                </a:solidFill>
+                <a:effectLst/>
+                <a:latin typeface="JetBrains Mono"/>
+              </a:rPr>
+            </a:br>
+            <a:r>
+              <a:rPr kumimoji="0" lang="en-US" altLang="en-US" sz="1000" b="0" i="0" u="none" strike="noStrike" cap="none" normalizeH="0" baseline="0" dirty="0" smtClean="0">
+                <a:ln>
+                  <a:noFill/>
+                </a:ln>
+                <a:solidFill>
+                  <a:srgbClr val="A9B7C6"/>
+                </a:solidFill>
+                <a:effectLst/>
+                <a:latin typeface="JetBrains Mono"/>
+              </a:rPr>
+              <a:t>(</a:t>
+            </a:r>
+            <a:r>
+              <a:rPr kumimoji="0" lang="en-US" altLang="en-US" sz="1000" b="0" i="0" u="none" strike="noStrike" cap="none" normalizeH="0" baseline="0" dirty="0" smtClean="0">
+                <a:ln>
+                  <a:noFill/>
+                </a:ln>
+                <a:solidFill>
+                  <a:srgbClr val="6A8759"/>
+                </a:solidFill>
+                <a:effectLst/>
+                <a:latin typeface="JetBrains Mono"/>
+              </a:rPr>
+              <a:t>'AZURDUY'</a:t>
+            </a:r>
+            <a:r>
+              <a:rPr kumimoji="0" lang="en-US" altLang="en-US" sz="1000" b="0" i="0" u="none" strike="noStrike" cap="none" normalizeH="0" baseline="0" dirty="0" smtClean="0">
+                <a:ln>
+                  <a:noFill/>
+                </a:ln>
+                <a:solidFill>
+                  <a:srgbClr val="CC7832"/>
+                </a:solidFill>
+                <a:effectLst/>
+                <a:latin typeface="JetBrains Mono"/>
+              </a:rPr>
+              <a:t>, </a:t>
+            </a:r>
+            <a:r>
+              <a:rPr kumimoji="0" lang="en-US" altLang="en-US" sz="1000" b="0" i="0" u="none" strike="noStrike" cap="none" normalizeH="0" baseline="0" dirty="0" smtClean="0">
+                <a:ln>
+                  <a:noFill/>
+                </a:ln>
+                <a:solidFill>
+                  <a:srgbClr val="6897BB"/>
+                </a:solidFill>
+                <a:effectLst/>
+                <a:latin typeface="JetBrains Mono"/>
+              </a:rPr>
+              <a:t>2</a:t>
+            </a:r>
+            <a:r>
+              <a:rPr kumimoji="0" lang="en-US" altLang="en-US" sz="1000" b="0" i="0" u="none" strike="noStrike" cap="none" normalizeH="0" baseline="0" dirty="0" smtClean="0">
+                <a:ln>
+                  <a:noFill/>
+                </a:ln>
+                <a:solidFill>
+                  <a:srgbClr val="A9B7C6"/>
+                </a:solidFill>
+                <a:effectLst/>
+                <a:latin typeface="JetBrains Mono"/>
+              </a:rPr>
+              <a:t>)</a:t>
+            </a:r>
+            <a:r>
+              <a:rPr kumimoji="0" lang="en-US" altLang="en-US" sz="1000" b="0" i="0" u="none" strike="noStrike" cap="none" normalizeH="0" baseline="0" dirty="0" smtClean="0">
+                <a:ln>
+                  <a:noFill/>
+                </a:ln>
+                <a:solidFill>
+                  <a:srgbClr val="CC7832"/>
+                </a:solidFill>
+                <a:effectLst/>
+                <a:latin typeface="JetBrains Mono"/>
+              </a:rPr>
+              <a:t>,</a:t>
+            </a:r>
+            <a:br>
+              <a:rPr kumimoji="0" lang="en-US" altLang="en-US" sz="1000" b="0" i="0" u="none" strike="noStrike" cap="none" normalizeH="0" baseline="0" dirty="0" smtClean="0">
+                <a:ln>
+                  <a:noFill/>
+                </a:ln>
+                <a:solidFill>
+                  <a:srgbClr val="CC7832"/>
+                </a:solidFill>
+                <a:effectLst/>
+                <a:latin typeface="JetBrains Mono"/>
+              </a:rPr>
+            </a:br>
+            <a:r>
+              <a:rPr kumimoji="0" lang="en-US" altLang="en-US" sz="1000" b="0" i="0" u="none" strike="noStrike" cap="none" normalizeH="0" baseline="0" dirty="0" smtClean="0">
+                <a:ln>
+                  <a:noFill/>
+                </a:ln>
+                <a:solidFill>
+                  <a:srgbClr val="A9B7C6"/>
+                </a:solidFill>
+                <a:effectLst/>
+                <a:latin typeface="JetBrains Mono"/>
+              </a:rPr>
+              <a:t>(</a:t>
+            </a:r>
+            <a:r>
+              <a:rPr kumimoji="0" lang="en-US" altLang="en-US" sz="1000" b="0" i="0" u="none" strike="noStrike" cap="none" normalizeH="0" baseline="0" dirty="0" smtClean="0">
+                <a:ln>
+                  <a:noFill/>
+                </a:ln>
+                <a:solidFill>
+                  <a:srgbClr val="6A8759"/>
+                </a:solidFill>
+                <a:effectLst/>
+                <a:latin typeface="JetBrains Mono"/>
+              </a:rPr>
+              <a:t>'SACABA'</a:t>
+            </a:r>
+            <a:r>
+              <a:rPr kumimoji="0" lang="en-US" altLang="en-US" sz="1000" b="0" i="0" u="none" strike="noStrike" cap="none" normalizeH="0" baseline="0" dirty="0" smtClean="0">
+                <a:ln>
+                  <a:noFill/>
+                </a:ln>
+                <a:solidFill>
+                  <a:srgbClr val="CC7832"/>
+                </a:solidFill>
+                <a:effectLst/>
+                <a:latin typeface="JetBrains Mono"/>
+              </a:rPr>
+              <a:t>, </a:t>
+            </a:r>
+            <a:r>
+              <a:rPr kumimoji="0" lang="en-US" altLang="en-US" sz="1000" b="0" i="0" u="none" strike="noStrike" cap="none" normalizeH="0" baseline="0" dirty="0" smtClean="0">
+                <a:ln>
+                  <a:noFill/>
+                </a:ln>
+                <a:solidFill>
+                  <a:srgbClr val="6897BB"/>
+                </a:solidFill>
+                <a:effectLst/>
+                <a:latin typeface="JetBrains Mono"/>
+              </a:rPr>
+              <a:t>2</a:t>
+            </a:r>
+            <a:r>
+              <a:rPr kumimoji="0" lang="en-US" altLang="en-US" sz="1000" b="0" i="0" u="none" strike="noStrike" cap="none" normalizeH="0" baseline="0" dirty="0" smtClean="0">
+                <a:ln>
+                  <a:noFill/>
+                </a:ln>
+                <a:solidFill>
+                  <a:srgbClr val="A9B7C6"/>
+                </a:solidFill>
+                <a:effectLst/>
+                <a:latin typeface="JetBrains Mono"/>
+              </a:rPr>
+              <a:t>)</a:t>
+            </a:r>
+            <a:r>
+              <a:rPr kumimoji="0" lang="en-US" altLang="en-US" sz="1000" b="0" i="0" u="none" strike="noStrike" cap="none" normalizeH="0" baseline="0" dirty="0" smtClean="0">
+                <a:ln>
+                  <a:noFill/>
+                </a:ln>
+                <a:solidFill>
+                  <a:srgbClr val="CC7832"/>
+                </a:solidFill>
+                <a:effectLst/>
+                <a:latin typeface="JetBrains Mono"/>
+              </a:rPr>
+              <a:t>,</a:t>
+            </a:r>
+            <a:br>
+              <a:rPr kumimoji="0" lang="en-US" altLang="en-US" sz="1000" b="0" i="0" u="none" strike="noStrike" cap="none" normalizeH="0" baseline="0" dirty="0" smtClean="0">
+                <a:ln>
+                  <a:noFill/>
+                </a:ln>
+                <a:solidFill>
+                  <a:srgbClr val="CC7832"/>
+                </a:solidFill>
+                <a:effectLst/>
+                <a:latin typeface="JetBrains Mono"/>
+              </a:rPr>
+            </a:br>
+            <a:r>
+              <a:rPr kumimoji="0" lang="en-US" altLang="en-US" sz="1000" b="0" i="0" u="none" strike="noStrike" cap="none" normalizeH="0" baseline="0" dirty="0" smtClean="0">
+                <a:ln>
+                  <a:noFill/>
+                </a:ln>
+                <a:solidFill>
+                  <a:srgbClr val="A9B7C6"/>
+                </a:solidFill>
+                <a:effectLst/>
+                <a:latin typeface="JetBrains Mono"/>
+              </a:rPr>
+              <a:t>(</a:t>
+            </a:r>
+            <a:r>
+              <a:rPr kumimoji="0" lang="en-US" altLang="en-US" sz="1000" b="0" i="0" u="none" strike="noStrike" cap="none" normalizeH="0" baseline="0" dirty="0" smtClean="0">
+                <a:ln>
+                  <a:noFill/>
+                </a:ln>
+                <a:solidFill>
+                  <a:srgbClr val="6A8759"/>
+                </a:solidFill>
+                <a:effectLst/>
+                <a:latin typeface="JetBrains Mono"/>
+              </a:rPr>
+              <a:t>'CEJA'</a:t>
+            </a:r>
+            <a:r>
+              <a:rPr kumimoji="0" lang="en-US" altLang="en-US" sz="1000" b="0" i="0" u="none" strike="noStrike" cap="none" normalizeH="0" baseline="0" dirty="0" smtClean="0">
+                <a:ln>
+                  <a:noFill/>
+                </a:ln>
+                <a:solidFill>
+                  <a:srgbClr val="CC7832"/>
+                </a:solidFill>
+                <a:effectLst/>
+                <a:latin typeface="JetBrains Mono"/>
+              </a:rPr>
+              <a:t>, </a:t>
+            </a:r>
+            <a:r>
+              <a:rPr kumimoji="0" lang="en-US" altLang="en-US" sz="1000" b="0" i="0" u="none" strike="noStrike" cap="none" normalizeH="0" baseline="0" dirty="0" smtClean="0">
+                <a:ln>
+                  <a:noFill/>
+                </a:ln>
+                <a:solidFill>
+                  <a:srgbClr val="6897BB"/>
+                </a:solidFill>
+                <a:effectLst/>
+                <a:latin typeface="JetBrains Mono"/>
+              </a:rPr>
+              <a:t>3</a:t>
+            </a:r>
+            <a:r>
+              <a:rPr kumimoji="0" lang="en-US" altLang="en-US" sz="1000" b="0" i="0" u="none" strike="noStrike" cap="none" normalizeH="0" baseline="0" dirty="0" smtClean="0">
+                <a:ln>
+                  <a:noFill/>
+                </a:ln>
+                <a:solidFill>
+                  <a:srgbClr val="A9B7C6"/>
+                </a:solidFill>
+                <a:effectLst/>
+                <a:latin typeface="JetBrains Mono"/>
+              </a:rPr>
+              <a:t>)</a:t>
+            </a:r>
+            <a:r>
+              <a:rPr kumimoji="0" lang="en-US" altLang="en-US" sz="1000" b="0" i="0" u="none" strike="noStrike" cap="none" normalizeH="0" baseline="0" dirty="0" smtClean="0">
+                <a:ln>
+                  <a:noFill/>
+                </a:ln>
+                <a:solidFill>
+                  <a:srgbClr val="CC7832"/>
+                </a:solidFill>
+                <a:effectLst/>
+                <a:latin typeface="JetBrains Mono"/>
+              </a:rPr>
+              <a:t>;</a:t>
+            </a:r>
+            <a:br>
+              <a:rPr kumimoji="0" lang="en-US" altLang="en-US" sz="1000" b="0" i="0" u="none" strike="noStrike" cap="none" normalizeH="0" baseline="0" dirty="0" smtClean="0">
+                <a:ln>
+                  <a:noFill/>
+                </a:ln>
+                <a:solidFill>
+                  <a:srgbClr val="CC7832"/>
+                </a:solidFill>
+                <a:effectLst/>
+                <a:latin typeface="JetBrains Mono"/>
+              </a:rPr>
+            </a:br>
+            <a:r>
+              <a:rPr kumimoji="0" lang="en-US" altLang="en-US" sz="1000" b="0" i="0" u="none" strike="noStrike" cap="none" normalizeH="0" baseline="0" dirty="0" smtClean="0">
+                <a:ln>
+                  <a:noFill/>
+                </a:ln>
+                <a:solidFill>
+                  <a:srgbClr val="CC7832"/>
+                </a:solidFill>
+                <a:effectLst/>
+                <a:latin typeface="JetBrains Mono"/>
+              </a:rPr>
+              <a:t/>
+            </a:r>
+            <a:br>
+              <a:rPr kumimoji="0" lang="en-US" altLang="en-US" sz="1000" b="0" i="0" u="none" strike="noStrike" cap="none" normalizeH="0" baseline="0" dirty="0" smtClean="0">
+                <a:ln>
+                  <a:noFill/>
+                </a:ln>
+                <a:solidFill>
+                  <a:srgbClr val="CC7832"/>
+                </a:solidFill>
+                <a:effectLst/>
+                <a:latin typeface="JetBrains Mono"/>
+              </a:rPr>
+            </a:br>
+            <a:r>
+              <a:rPr kumimoji="0" lang="en-US" altLang="en-US" sz="1000" b="0" i="0" u="none" strike="noStrike" cap="none" normalizeH="0" baseline="0" dirty="0" smtClean="0">
+                <a:ln>
+                  <a:noFill/>
+                </a:ln>
+                <a:solidFill>
+                  <a:srgbClr val="CC7832"/>
+                </a:solidFill>
+                <a:effectLst/>
+                <a:latin typeface="JetBrains Mono"/>
+              </a:rPr>
+              <a:t>INSERT INTO </a:t>
+            </a:r>
+            <a:r>
+              <a:rPr kumimoji="0" lang="en-US" altLang="en-US" sz="1000" b="0" i="0" u="none" strike="noStrike" cap="none" normalizeH="0" baseline="0" dirty="0" smtClean="0">
+                <a:ln>
+                  <a:noFill/>
+                </a:ln>
+                <a:solidFill>
+                  <a:srgbClr val="A9B7C6"/>
+                </a:solidFill>
+                <a:effectLst/>
+                <a:latin typeface="JetBrains Mono"/>
+              </a:rPr>
+              <a:t>PROYECTO(</a:t>
+            </a:r>
+            <a:r>
+              <a:rPr kumimoji="0" lang="en-US" altLang="en-US" sz="1000" b="0" i="0" u="none" strike="noStrike" cap="none" normalizeH="0" baseline="0" dirty="0" smtClean="0">
+                <a:ln>
+                  <a:noFill/>
+                </a:ln>
+                <a:solidFill>
+                  <a:srgbClr val="9876AA"/>
+                </a:solidFill>
+                <a:effectLst/>
+                <a:latin typeface="JetBrains Mono"/>
+              </a:rPr>
+              <a:t>NOMBREPROY</a:t>
+            </a:r>
+            <a:r>
+              <a:rPr kumimoji="0" lang="en-US" altLang="en-US" sz="1000" b="0" i="0" u="none" strike="noStrike" cap="none" normalizeH="0" baseline="0" dirty="0" smtClean="0">
+                <a:ln>
+                  <a:noFill/>
+                </a:ln>
+                <a:solidFill>
+                  <a:srgbClr val="CC7832"/>
+                </a:solidFill>
+                <a:effectLst/>
+                <a:latin typeface="JetBrains Mono"/>
+              </a:rPr>
+              <a:t>, </a:t>
+            </a:r>
+            <a:r>
+              <a:rPr kumimoji="0" lang="en-US" altLang="en-US" sz="1000" b="0" i="0" u="none" strike="noStrike" cap="none" normalizeH="0" baseline="0" dirty="0" smtClean="0">
+                <a:ln>
+                  <a:noFill/>
+                </a:ln>
+                <a:solidFill>
+                  <a:srgbClr val="9876AA"/>
+                </a:solidFill>
+                <a:effectLst/>
+                <a:latin typeface="JetBrains Mono"/>
+              </a:rPr>
+              <a:t>TIPOPROY</a:t>
+            </a:r>
+            <a:r>
+              <a:rPr kumimoji="0" lang="en-US" altLang="en-US" sz="1000" b="0" i="0" u="none" strike="noStrike" cap="none" normalizeH="0" baseline="0" dirty="0" smtClean="0">
+                <a:ln>
+                  <a:noFill/>
+                </a:ln>
+                <a:solidFill>
+                  <a:srgbClr val="A9B7C6"/>
+                </a:solidFill>
+                <a:effectLst/>
+                <a:latin typeface="JetBrains Mono"/>
+              </a:rPr>
+              <a:t>) </a:t>
+            </a:r>
+            <a:r>
+              <a:rPr kumimoji="0" lang="en-US" altLang="en-US" sz="1000" b="0" i="0" u="none" strike="noStrike" cap="none" normalizeH="0" baseline="0" dirty="0" smtClean="0">
+                <a:ln>
+                  <a:noFill/>
+                </a:ln>
+                <a:solidFill>
+                  <a:srgbClr val="CC7832"/>
+                </a:solidFill>
+                <a:effectLst/>
+                <a:latin typeface="JetBrains Mono"/>
+              </a:rPr>
+              <a:t>VALUES</a:t>
+            </a:r>
+            <a:br>
+              <a:rPr kumimoji="0" lang="en-US" altLang="en-US" sz="1000" b="0" i="0" u="none" strike="noStrike" cap="none" normalizeH="0" baseline="0" dirty="0" smtClean="0">
+                <a:ln>
+                  <a:noFill/>
+                </a:ln>
+                <a:solidFill>
+                  <a:srgbClr val="CC7832"/>
+                </a:solidFill>
+                <a:effectLst/>
+                <a:latin typeface="JetBrains Mono"/>
+              </a:rPr>
+            </a:br>
+            <a:r>
+              <a:rPr kumimoji="0" lang="en-US" altLang="en-US" sz="1000" b="0" i="0" u="none" strike="noStrike" cap="none" normalizeH="0" baseline="0" dirty="0" smtClean="0">
+                <a:ln>
+                  <a:noFill/>
+                </a:ln>
+                <a:solidFill>
+                  <a:srgbClr val="A9B7C6"/>
+                </a:solidFill>
+                <a:effectLst/>
+                <a:latin typeface="JetBrains Mono"/>
+              </a:rPr>
+              <a:t>(</a:t>
+            </a:r>
+            <a:r>
+              <a:rPr kumimoji="0" lang="en-US" altLang="en-US" sz="1000" b="0" i="0" u="none" strike="noStrike" cap="none" normalizeH="0" baseline="0" dirty="0" smtClean="0">
+                <a:ln>
+                  <a:noFill/>
+                </a:ln>
+                <a:solidFill>
+                  <a:srgbClr val="6A8759"/>
+                </a:solidFill>
+                <a:effectLst/>
+                <a:latin typeface="JetBrains Mono"/>
+              </a:rPr>
+              <a:t>'PROYECTO PLANTAS'</a:t>
+            </a:r>
+            <a:r>
+              <a:rPr kumimoji="0" lang="en-US" altLang="en-US" sz="1000" b="0" i="0" u="none" strike="noStrike" cap="none" normalizeH="0" baseline="0" dirty="0" smtClean="0">
+                <a:ln>
+                  <a:noFill/>
+                </a:ln>
+                <a:solidFill>
+                  <a:srgbClr val="CC7832"/>
+                </a:solidFill>
+                <a:effectLst/>
+                <a:latin typeface="JetBrains Mono"/>
+              </a:rPr>
+              <a:t>, </a:t>
+            </a:r>
+            <a:r>
+              <a:rPr kumimoji="0" lang="en-US" altLang="en-US" sz="1000" b="0" i="0" u="none" strike="noStrike" cap="none" normalizeH="0" baseline="0" dirty="0" smtClean="0">
+                <a:ln>
+                  <a:noFill/>
+                </a:ln>
+                <a:solidFill>
+                  <a:srgbClr val="6A8759"/>
+                </a:solidFill>
+                <a:effectLst/>
+                <a:latin typeface="JetBrains Mono"/>
+              </a:rPr>
+              <a:t>'AGRICULTURA'</a:t>
+            </a:r>
+            <a:r>
+              <a:rPr kumimoji="0" lang="en-US" altLang="en-US" sz="1000" b="0" i="0" u="none" strike="noStrike" cap="none" normalizeH="0" baseline="0" dirty="0" smtClean="0">
+                <a:ln>
+                  <a:noFill/>
+                </a:ln>
+                <a:solidFill>
+                  <a:srgbClr val="A9B7C6"/>
+                </a:solidFill>
+                <a:effectLst/>
+                <a:latin typeface="JetBrains Mono"/>
+              </a:rPr>
+              <a:t>)</a:t>
+            </a:r>
+            <a:r>
+              <a:rPr kumimoji="0" lang="en-US" altLang="en-US" sz="1000" b="0" i="0" u="none" strike="noStrike" cap="none" normalizeH="0" baseline="0" dirty="0" smtClean="0">
+                <a:ln>
+                  <a:noFill/>
+                </a:ln>
+                <a:solidFill>
+                  <a:srgbClr val="CC7832"/>
+                </a:solidFill>
+                <a:effectLst/>
+                <a:latin typeface="JetBrains Mono"/>
+              </a:rPr>
+              <a:t>,</a:t>
+            </a:r>
+            <a:br>
+              <a:rPr kumimoji="0" lang="en-US" altLang="en-US" sz="1000" b="0" i="0" u="none" strike="noStrike" cap="none" normalizeH="0" baseline="0" dirty="0" smtClean="0">
+                <a:ln>
+                  <a:noFill/>
+                </a:ln>
+                <a:solidFill>
+                  <a:srgbClr val="CC7832"/>
+                </a:solidFill>
+                <a:effectLst/>
+                <a:latin typeface="JetBrains Mono"/>
+              </a:rPr>
+            </a:br>
+            <a:r>
+              <a:rPr kumimoji="0" lang="en-US" altLang="en-US" sz="1000" b="0" i="0" u="none" strike="noStrike" cap="none" normalizeH="0" baseline="0" dirty="0" smtClean="0">
+                <a:ln>
+                  <a:noFill/>
+                </a:ln>
+                <a:solidFill>
+                  <a:srgbClr val="A9B7C6"/>
+                </a:solidFill>
+                <a:effectLst/>
+                <a:latin typeface="JetBrains Mono"/>
+              </a:rPr>
+              <a:t>(</a:t>
+            </a:r>
+            <a:r>
+              <a:rPr kumimoji="0" lang="en-US" altLang="en-US" sz="1000" b="0" i="0" u="none" strike="noStrike" cap="none" normalizeH="0" baseline="0" dirty="0" smtClean="0">
+                <a:ln>
+                  <a:noFill/>
+                </a:ln>
+                <a:solidFill>
+                  <a:srgbClr val="6A8759"/>
+                </a:solidFill>
+                <a:effectLst/>
+                <a:latin typeface="JetBrains Mono"/>
+              </a:rPr>
+              <a:t>'PROYECTO SONRISAS'</a:t>
+            </a:r>
+            <a:r>
+              <a:rPr kumimoji="0" lang="en-US" altLang="en-US" sz="1000" b="0" i="0" u="none" strike="noStrike" cap="none" normalizeH="0" baseline="0" dirty="0" smtClean="0">
+                <a:ln>
+                  <a:noFill/>
+                </a:ln>
+                <a:solidFill>
+                  <a:srgbClr val="CC7832"/>
+                </a:solidFill>
+                <a:effectLst/>
+                <a:latin typeface="JetBrains Mono"/>
+              </a:rPr>
+              <a:t>, </a:t>
+            </a:r>
+            <a:r>
+              <a:rPr kumimoji="0" lang="en-US" altLang="en-US" sz="1000" b="0" i="0" u="none" strike="noStrike" cap="none" normalizeH="0" baseline="0" dirty="0" smtClean="0">
+                <a:ln>
+                  <a:noFill/>
+                </a:ln>
+                <a:solidFill>
+                  <a:srgbClr val="6A8759"/>
+                </a:solidFill>
+                <a:effectLst/>
+                <a:latin typeface="JetBrains Mono"/>
+              </a:rPr>
+              <a:t>'SALUD'</a:t>
+            </a:r>
+            <a:r>
+              <a:rPr kumimoji="0" lang="en-US" altLang="en-US" sz="1000" b="0" i="0" u="none" strike="noStrike" cap="none" normalizeH="0" baseline="0" dirty="0" smtClean="0">
+                <a:ln>
+                  <a:noFill/>
+                </a:ln>
+                <a:solidFill>
+                  <a:srgbClr val="A9B7C6"/>
+                </a:solidFill>
+                <a:effectLst/>
+                <a:latin typeface="JetBrains Mono"/>
+              </a:rPr>
+              <a:t>)</a:t>
+            </a:r>
+            <a:r>
+              <a:rPr kumimoji="0" lang="en-US" altLang="en-US" sz="1000" b="0" i="0" u="none" strike="noStrike" cap="none" normalizeH="0" baseline="0" dirty="0" smtClean="0">
+                <a:ln>
+                  <a:noFill/>
+                </a:ln>
+                <a:solidFill>
+                  <a:srgbClr val="CC7832"/>
+                </a:solidFill>
+                <a:effectLst/>
+                <a:latin typeface="JetBrains Mono"/>
+              </a:rPr>
+              <a:t>;</a:t>
+            </a:r>
+            <a:br>
+              <a:rPr kumimoji="0" lang="en-US" altLang="en-US" sz="1000" b="0" i="0" u="none" strike="noStrike" cap="none" normalizeH="0" baseline="0" dirty="0" smtClean="0">
+                <a:ln>
+                  <a:noFill/>
+                </a:ln>
+                <a:solidFill>
+                  <a:srgbClr val="CC7832"/>
+                </a:solidFill>
+                <a:effectLst/>
+                <a:latin typeface="JetBrains Mono"/>
+              </a:rPr>
+            </a:br>
+            <a:r>
+              <a:rPr kumimoji="0" lang="en-US" altLang="en-US" sz="1000" b="0" i="0" u="none" strike="noStrike" cap="none" normalizeH="0" baseline="0" dirty="0" smtClean="0">
+                <a:ln>
+                  <a:noFill/>
+                </a:ln>
+                <a:solidFill>
+                  <a:srgbClr val="CC7832"/>
+                </a:solidFill>
+                <a:effectLst/>
+                <a:latin typeface="JetBrains Mono"/>
+              </a:rPr>
+              <a:t/>
+            </a:r>
+            <a:br>
+              <a:rPr kumimoji="0" lang="en-US" altLang="en-US" sz="1000" b="0" i="0" u="none" strike="noStrike" cap="none" normalizeH="0" baseline="0" dirty="0" smtClean="0">
+                <a:ln>
+                  <a:noFill/>
+                </a:ln>
+                <a:solidFill>
+                  <a:srgbClr val="CC7832"/>
+                </a:solidFill>
+                <a:effectLst/>
+                <a:latin typeface="JetBrains Mono"/>
+              </a:rPr>
+            </a:br>
+            <a:r>
+              <a:rPr kumimoji="0" lang="en-US" altLang="en-US" sz="1000" b="0" i="0" u="none" strike="noStrike" cap="none" normalizeH="0" baseline="0" dirty="0" smtClean="0">
+                <a:ln>
+                  <a:noFill/>
+                </a:ln>
+                <a:solidFill>
+                  <a:srgbClr val="CC7832"/>
+                </a:solidFill>
+                <a:effectLst/>
+                <a:latin typeface="JetBrains Mono"/>
+              </a:rPr>
+              <a:t>INSERT INTO </a:t>
+            </a:r>
+            <a:r>
+              <a:rPr kumimoji="0" lang="en-US" altLang="en-US" sz="1000" b="0" i="0" u="none" strike="noStrike" cap="none" normalizeH="0" baseline="0" dirty="0" smtClean="0">
+                <a:ln>
+                  <a:noFill/>
+                </a:ln>
+                <a:solidFill>
+                  <a:srgbClr val="A9B7C6"/>
+                </a:solidFill>
+                <a:effectLst/>
+                <a:latin typeface="JetBrains Mono"/>
+              </a:rPr>
+              <a:t>DEPARTAMENTO (</a:t>
+            </a:r>
+            <a:r>
+              <a:rPr kumimoji="0" lang="en-US" altLang="en-US" sz="1000" b="0" i="0" u="none" strike="noStrike" cap="none" normalizeH="0" baseline="0" dirty="0" smtClean="0">
+                <a:ln>
+                  <a:noFill/>
+                </a:ln>
+                <a:solidFill>
+                  <a:srgbClr val="9876AA"/>
+                </a:solidFill>
+                <a:effectLst/>
+                <a:latin typeface="JetBrains Mono"/>
+              </a:rPr>
+              <a:t>NOMBRE</a:t>
+            </a:r>
+            <a:r>
+              <a:rPr kumimoji="0" lang="en-US" altLang="en-US" sz="1000" b="0" i="0" u="none" strike="noStrike" cap="none" normalizeH="0" baseline="0" dirty="0" smtClean="0">
+                <a:ln>
+                  <a:noFill/>
+                </a:ln>
+                <a:solidFill>
+                  <a:srgbClr val="A9B7C6"/>
+                </a:solidFill>
+                <a:effectLst/>
+                <a:latin typeface="JetBrains Mono"/>
+              </a:rPr>
+              <a:t>) </a:t>
+            </a:r>
+            <a:r>
+              <a:rPr kumimoji="0" lang="en-US" altLang="en-US" sz="1000" b="0" i="0" u="none" strike="noStrike" cap="none" normalizeH="0" baseline="0" dirty="0" smtClean="0">
+                <a:ln>
+                  <a:noFill/>
+                </a:ln>
+                <a:solidFill>
+                  <a:srgbClr val="CC7832"/>
+                </a:solidFill>
+                <a:effectLst/>
+                <a:latin typeface="JetBrains Mono"/>
+              </a:rPr>
+              <a:t>VALUES</a:t>
+            </a:r>
+            <a:br>
+              <a:rPr kumimoji="0" lang="en-US" altLang="en-US" sz="1000" b="0" i="0" u="none" strike="noStrike" cap="none" normalizeH="0" baseline="0" dirty="0" smtClean="0">
+                <a:ln>
+                  <a:noFill/>
+                </a:ln>
+                <a:solidFill>
+                  <a:srgbClr val="CC7832"/>
+                </a:solidFill>
+                <a:effectLst/>
+                <a:latin typeface="JetBrains Mono"/>
+              </a:rPr>
+            </a:br>
+            <a:r>
+              <a:rPr kumimoji="0" lang="en-US" altLang="en-US" sz="1000" b="0" i="0" u="none" strike="noStrike" cap="none" normalizeH="0" baseline="0" dirty="0" smtClean="0">
+                <a:ln>
+                  <a:noFill/>
+                </a:ln>
+                <a:solidFill>
+                  <a:srgbClr val="A9B7C6"/>
+                </a:solidFill>
+                <a:effectLst/>
+                <a:latin typeface="JetBrains Mono"/>
+              </a:rPr>
+              <a:t>(</a:t>
+            </a:r>
+            <a:r>
+              <a:rPr kumimoji="0" lang="en-US" altLang="en-US" sz="1000" b="0" i="0" u="none" strike="noStrike" cap="none" normalizeH="0" baseline="0" dirty="0" smtClean="0">
+                <a:ln>
+                  <a:noFill/>
+                </a:ln>
+                <a:solidFill>
+                  <a:srgbClr val="6A8759"/>
+                </a:solidFill>
+                <a:effectLst/>
+                <a:latin typeface="JetBrains Mono"/>
+              </a:rPr>
+              <a:t>'LA PAZ'</a:t>
+            </a:r>
+            <a:r>
+              <a:rPr kumimoji="0" lang="en-US" altLang="en-US" sz="1000" b="0" i="0" u="none" strike="noStrike" cap="none" normalizeH="0" baseline="0" dirty="0" smtClean="0">
+                <a:ln>
+                  <a:noFill/>
+                </a:ln>
+                <a:solidFill>
+                  <a:srgbClr val="A9B7C6"/>
+                </a:solidFill>
+                <a:effectLst/>
+                <a:latin typeface="JetBrains Mono"/>
+              </a:rPr>
+              <a:t>)</a:t>
+            </a:r>
+            <a:r>
+              <a:rPr kumimoji="0" lang="en-US" altLang="en-US" sz="1000" b="0" i="0" u="none" strike="noStrike" cap="none" normalizeH="0" baseline="0" dirty="0" smtClean="0">
+                <a:ln>
+                  <a:noFill/>
+                </a:ln>
+                <a:solidFill>
+                  <a:srgbClr val="CC7832"/>
+                </a:solidFill>
+                <a:effectLst/>
+                <a:latin typeface="JetBrains Mono"/>
+              </a:rPr>
+              <a:t>,</a:t>
+            </a:r>
+            <a:br>
+              <a:rPr kumimoji="0" lang="en-US" altLang="en-US" sz="1000" b="0" i="0" u="none" strike="noStrike" cap="none" normalizeH="0" baseline="0" dirty="0" smtClean="0">
+                <a:ln>
+                  <a:noFill/>
+                </a:ln>
+                <a:solidFill>
+                  <a:srgbClr val="CC7832"/>
+                </a:solidFill>
+                <a:effectLst/>
+                <a:latin typeface="JetBrains Mono"/>
+              </a:rPr>
+            </a:br>
+            <a:r>
+              <a:rPr kumimoji="0" lang="en-US" altLang="en-US" sz="1000" b="0" i="0" u="none" strike="noStrike" cap="none" normalizeH="0" baseline="0" dirty="0" smtClean="0">
+                <a:ln>
+                  <a:noFill/>
+                </a:ln>
+                <a:solidFill>
+                  <a:srgbClr val="A9B7C6"/>
+                </a:solidFill>
+                <a:effectLst/>
+                <a:latin typeface="JetBrains Mono"/>
+              </a:rPr>
+              <a:t>(</a:t>
+            </a:r>
+            <a:r>
+              <a:rPr kumimoji="0" lang="en-US" altLang="en-US" sz="1000" b="0" i="0" u="none" strike="noStrike" cap="none" normalizeH="0" baseline="0" dirty="0" smtClean="0">
+                <a:ln>
+                  <a:noFill/>
+                </a:ln>
+                <a:solidFill>
+                  <a:srgbClr val="6A8759"/>
+                </a:solidFill>
+                <a:effectLst/>
+                <a:latin typeface="JetBrains Mono"/>
+              </a:rPr>
+              <a:t>'COCHABAMBA'</a:t>
+            </a:r>
+            <a:r>
+              <a:rPr kumimoji="0" lang="en-US" altLang="en-US" sz="1000" b="0" i="0" u="none" strike="noStrike" cap="none" normalizeH="0" baseline="0" dirty="0" smtClean="0">
+                <a:ln>
+                  <a:noFill/>
+                </a:ln>
+                <a:solidFill>
+                  <a:srgbClr val="A9B7C6"/>
+                </a:solidFill>
+                <a:effectLst/>
+                <a:latin typeface="JetBrains Mono"/>
+              </a:rPr>
+              <a:t>)</a:t>
+            </a:r>
+            <a:r>
+              <a:rPr kumimoji="0" lang="en-US" altLang="en-US" sz="1000" b="0" i="0" u="none" strike="noStrike" cap="none" normalizeH="0" baseline="0" dirty="0" smtClean="0">
+                <a:ln>
+                  <a:noFill/>
+                </a:ln>
+                <a:solidFill>
+                  <a:srgbClr val="CC7832"/>
+                </a:solidFill>
+                <a:effectLst/>
+                <a:latin typeface="JetBrains Mono"/>
+              </a:rPr>
+              <a:t>,</a:t>
+            </a:r>
+            <a:br>
+              <a:rPr kumimoji="0" lang="en-US" altLang="en-US" sz="1000" b="0" i="0" u="none" strike="noStrike" cap="none" normalizeH="0" baseline="0" dirty="0" smtClean="0">
+                <a:ln>
+                  <a:noFill/>
+                </a:ln>
+                <a:solidFill>
+                  <a:srgbClr val="CC7832"/>
+                </a:solidFill>
+                <a:effectLst/>
+                <a:latin typeface="JetBrains Mono"/>
+              </a:rPr>
+            </a:br>
+            <a:r>
+              <a:rPr kumimoji="0" lang="en-US" altLang="en-US" sz="1000" b="0" i="0" u="none" strike="noStrike" cap="none" normalizeH="0" baseline="0" dirty="0" smtClean="0">
+                <a:ln>
+                  <a:noFill/>
+                </a:ln>
+                <a:solidFill>
+                  <a:srgbClr val="A9B7C6"/>
+                </a:solidFill>
+                <a:effectLst/>
+                <a:latin typeface="JetBrains Mono"/>
+              </a:rPr>
+              <a:t>(</a:t>
+            </a:r>
+            <a:r>
+              <a:rPr kumimoji="0" lang="en-US" altLang="en-US" sz="1000" b="0" i="0" u="none" strike="noStrike" cap="none" normalizeH="0" baseline="0" dirty="0" smtClean="0">
+                <a:ln>
+                  <a:noFill/>
+                </a:ln>
+                <a:solidFill>
+                  <a:srgbClr val="6A8759"/>
+                </a:solidFill>
+                <a:effectLst/>
+                <a:latin typeface="JetBrains Mono"/>
+              </a:rPr>
+              <a:t>'EL ALTO'</a:t>
+            </a:r>
+            <a:r>
+              <a:rPr kumimoji="0" lang="en-US" altLang="en-US" sz="1000" b="0" i="0" u="none" strike="noStrike" cap="none" normalizeH="0" baseline="0" dirty="0" smtClean="0">
+                <a:ln>
+                  <a:noFill/>
+                </a:ln>
+                <a:solidFill>
+                  <a:srgbClr val="A9B7C6"/>
+                </a:solidFill>
+                <a:effectLst/>
+                <a:latin typeface="JetBrains Mono"/>
+              </a:rPr>
+              <a:t>)</a:t>
+            </a:r>
+            <a:r>
+              <a:rPr kumimoji="0" lang="en-US" altLang="en-US" sz="1000" b="0" i="0" u="none" strike="noStrike" cap="none" normalizeH="0" baseline="0" dirty="0" smtClean="0">
+                <a:ln>
+                  <a:noFill/>
+                </a:ln>
+                <a:solidFill>
+                  <a:srgbClr val="CC7832"/>
+                </a:solidFill>
+                <a:effectLst/>
+                <a:latin typeface="JetBrains Mono"/>
+              </a:rPr>
+              <a:t>;</a:t>
+            </a:r>
+            <a:endParaRPr kumimoji="0" lang="en-US" altLang="en-US" sz="1800" b="0" i="0" u="none" strike="noStrike" cap="none" normalizeH="0" baseline="0" dirty="0" smtClean="0">
+              <a:ln>
+                <a:noFill/>
+              </a:ln>
+              <a:solidFill>
+                <a:schemeClr val="tx1"/>
+              </a:solidFill>
+              <a:effectLst/>
+              <a:latin typeface="Arial" panose="020B0604020202020204" pitchFamily="34" charset="0"/>
+            </a:endParaRPr>
+          </a:p>
+        </p:txBody>
+      </p:sp>
+      <p:sp>
+        <p:nvSpPr>
+          <p:cNvPr id="4" name="Rectangle 1"/>
+          <p:cNvSpPr>
+            <a:spLocks noChangeArrowheads="1"/>
+          </p:cNvSpPr>
+          <p:nvPr/>
+        </p:nvSpPr>
+        <p:spPr bwMode="auto">
+          <a:xfrm>
+            <a:off x="5167858" y="1180537"/>
+            <a:ext cx="6353582" cy="1938992"/>
+          </a:xfrm>
+          <a:prstGeom prst="rect">
+            <a:avLst/>
+          </a:prstGeom>
+          <a:solidFill>
+            <a:srgbClr val="2B2B2B"/>
+          </a:solidFill>
+          <a:ln>
+            <a:noFill/>
+          </a:ln>
+          <a:effectLst/>
+          <a:extLst>
+            <a:ext uri="{91240B29-F687-4F45-9708-019B960494DF}">
+              <a14:hiddenLine xmlns:a14="http://schemas.microsoft.com/office/drawing/2010/main" w="9525">
+                <a:solidFill>
+                  <a:schemeClr val="tx1"/>
+                </a:solidFill>
+                <a:miter lim="800000"/>
+                <a:headEnd/>
+                <a:tailEnd/>
+              </a14:hiddenLine>
+            </a:ext>
+            <a:ext uri="{AF507438-7753-43E0-B8FC-AC1667EBCBE1}">
+              <a14:hiddenEffects xmlns:a14="http://schemas.microsoft.com/office/drawing/2010/main">
+                <a:effectLst>
+                  <a:outerShdw dist="35921" dir="2700000" algn="ctr" rotWithShape="0">
+                    <a:schemeClr val="bg2"/>
+                  </a:outerShdw>
+                </a:effectLst>
+              </a14:hiddenEffects>
+            </a:ext>
+          </a:extLst>
+        </p:spPr>
+        <p:txBody>
+          <a:bodyPr vert="horz" wrap="square" lIns="91440" tIns="45720" rIns="91440" bIns="45720" numCol="1" anchor="ctr" anchorCtr="0" compatLnSpc="1">
+            <a:prstTxWarp prst="textNoShape">
+              <a:avLst/>
+            </a:prstTxWarp>
+            <a:spAutoFit/>
+          </a:bodyPr>
+          <a:lstStyle/>
+          <a:p>
+            <a:pPr marL="0" marR="0" lvl="0" indent="0" algn="l" defTabSz="914400" rtl="0" eaLnBrk="0" fontAlgn="base" latinLnBrk="0" hangingPunct="0">
+              <a:lnSpc>
+                <a:spcPct val="100000"/>
+              </a:lnSpc>
+              <a:spcBef>
+                <a:spcPct val="0"/>
+              </a:spcBef>
+              <a:spcAft>
+                <a:spcPct val="0"/>
+              </a:spcAft>
+              <a:buClrTx/>
+              <a:buSzTx/>
+              <a:buFontTx/>
+              <a:buNone/>
+              <a:tabLst/>
+            </a:pPr>
+            <a:r>
+              <a:rPr kumimoji="0" lang="en-US" altLang="en-US" sz="1000" b="0" i="0" u="none" strike="noStrike" cap="none" normalizeH="0" baseline="0" dirty="0" smtClean="0">
+                <a:ln>
+                  <a:noFill/>
+                </a:ln>
+                <a:solidFill>
+                  <a:srgbClr val="CC7832"/>
+                </a:solidFill>
+                <a:effectLst/>
+                <a:latin typeface="JetBrains Mono"/>
+              </a:rPr>
+              <a:t>CREATE TABLE </a:t>
+            </a:r>
+            <a:r>
+              <a:rPr kumimoji="0" lang="en-US" altLang="en-US" sz="1000" b="0" i="0" u="none" strike="noStrike" cap="none" normalizeH="0" baseline="0" dirty="0" smtClean="0">
+                <a:ln>
+                  <a:noFill/>
+                </a:ln>
+                <a:solidFill>
+                  <a:srgbClr val="A9B7C6"/>
+                </a:solidFill>
+                <a:effectLst/>
+                <a:latin typeface="JetBrains Mono"/>
+              </a:rPr>
+              <a:t>DETALLE_PROYECTO(</a:t>
+            </a:r>
+            <a:br>
+              <a:rPr kumimoji="0" lang="en-US" altLang="en-US" sz="1000" b="0" i="0" u="none" strike="noStrike" cap="none" normalizeH="0" baseline="0" dirty="0" smtClean="0">
+                <a:ln>
+                  <a:noFill/>
+                </a:ln>
+                <a:solidFill>
+                  <a:srgbClr val="A9B7C6"/>
+                </a:solidFill>
+                <a:effectLst/>
+                <a:latin typeface="JetBrains Mono"/>
+              </a:rPr>
+            </a:br>
+            <a:r>
+              <a:rPr kumimoji="0" lang="en-US" altLang="en-US" sz="1000" b="0" i="0" u="none" strike="noStrike" cap="none" normalizeH="0" baseline="0" dirty="0" smtClean="0">
+                <a:ln>
+                  <a:noFill/>
+                </a:ln>
+                <a:solidFill>
+                  <a:srgbClr val="A9B7C6"/>
+                </a:solidFill>
+                <a:effectLst/>
+                <a:latin typeface="JetBrains Mono"/>
+              </a:rPr>
+              <a:t>   </a:t>
+            </a:r>
+            <a:r>
+              <a:rPr kumimoji="0" lang="en-US" altLang="en-US" sz="1000" b="0" i="0" u="none" strike="noStrike" cap="none" normalizeH="0" baseline="0" dirty="0" smtClean="0">
+                <a:ln>
+                  <a:noFill/>
+                </a:ln>
+                <a:solidFill>
+                  <a:srgbClr val="9876AA"/>
+                </a:solidFill>
+                <a:effectLst/>
+                <a:latin typeface="JetBrains Mono"/>
+              </a:rPr>
+              <a:t>ID_DP </a:t>
+            </a:r>
+            <a:r>
+              <a:rPr kumimoji="0" lang="en-US" altLang="en-US" sz="1000" b="0" i="0" u="none" strike="noStrike" cap="none" normalizeH="0" baseline="0" dirty="0" smtClean="0">
+                <a:ln>
+                  <a:noFill/>
+                </a:ln>
+                <a:solidFill>
+                  <a:srgbClr val="CC7832"/>
+                </a:solidFill>
+                <a:effectLst/>
+                <a:latin typeface="JetBrains Mono"/>
+              </a:rPr>
+              <a:t>INT</a:t>
+            </a:r>
+            <a:r>
+              <a:rPr kumimoji="0" lang="en-US" altLang="en-US" sz="1000" b="0" i="0" u="none" strike="noStrike" cap="none" normalizeH="0" baseline="0" dirty="0" smtClean="0">
+                <a:ln>
+                  <a:noFill/>
+                </a:ln>
+                <a:solidFill>
+                  <a:srgbClr val="A9B7C6"/>
+                </a:solidFill>
+                <a:effectLst/>
+                <a:latin typeface="JetBrains Mono"/>
+              </a:rPr>
+              <a:t>(</a:t>
+            </a:r>
+            <a:r>
+              <a:rPr kumimoji="0" lang="en-US" altLang="en-US" sz="1000" b="0" i="0" u="none" strike="noStrike" cap="none" normalizeH="0" baseline="0" dirty="0" smtClean="0">
+                <a:ln>
+                  <a:noFill/>
+                </a:ln>
+                <a:solidFill>
+                  <a:srgbClr val="6897BB"/>
+                </a:solidFill>
+                <a:effectLst/>
+                <a:latin typeface="JetBrains Mono"/>
+              </a:rPr>
+              <a:t>11</a:t>
+            </a:r>
+            <a:r>
+              <a:rPr kumimoji="0" lang="en-US" altLang="en-US" sz="1000" b="0" i="0" u="none" strike="noStrike" cap="none" normalizeH="0" baseline="0" dirty="0" smtClean="0">
+                <a:ln>
+                  <a:noFill/>
+                </a:ln>
+                <a:solidFill>
+                  <a:srgbClr val="A9B7C6"/>
+                </a:solidFill>
+                <a:effectLst/>
+                <a:latin typeface="JetBrains Mono"/>
+              </a:rPr>
+              <a:t>) </a:t>
+            </a:r>
+            <a:r>
+              <a:rPr kumimoji="0" lang="en-US" altLang="en-US" sz="1000" b="0" i="0" u="none" strike="noStrike" cap="none" normalizeH="0" baseline="0" dirty="0" smtClean="0">
+                <a:ln>
+                  <a:noFill/>
+                </a:ln>
+                <a:solidFill>
+                  <a:srgbClr val="CC7832"/>
+                </a:solidFill>
+                <a:effectLst/>
+                <a:latin typeface="JetBrains Mono"/>
+              </a:rPr>
+              <a:t>PRIMARY KEY AUTO_INCREMENT NOT NULL ,</a:t>
+            </a:r>
+            <a:br>
+              <a:rPr kumimoji="0" lang="en-US" altLang="en-US" sz="1000" b="0" i="0" u="none" strike="noStrike" cap="none" normalizeH="0" baseline="0" dirty="0" smtClean="0">
+                <a:ln>
+                  <a:noFill/>
+                </a:ln>
+                <a:solidFill>
+                  <a:srgbClr val="CC7832"/>
+                </a:solidFill>
+                <a:effectLst/>
+                <a:latin typeface="JetBrains Mono"/>
+              </a:rPr>
+            </a:br>
+            <a:r>
+              <a:rPr kumimoji="0" lang="en-US" altLang="en-US" sz="1000" b="0" i="0" u="none" strike="noStrike" cap="none" normalizeH="0" baseline="0" dirty="0" smtClean="0">
+                <a:ln>
+                  <a:noFill/>
+                </a:ln>
+                <a:solidFill>
+                  <a:srgbClr val="CC7832"/>
+                </a:solidFill>
+                <a:effectLst/>
+                <a:latin typeface="JetBrains Mono"/>
+              </a:rPr>
+              <a:t>   </a:t>
+            </a:r>
+            <a:r>
+              <a:rPr kumimoji="0" lang="en-US" altLang="en-US" sz="1000" b="0" i="0" u="none" strike="noStrike" cap="none" normalizeH="0" baseline="0" dirty="0" smtClean="0">
+                <a:ln>
+                  <a:noFill/>
+                </a:ln>
+                <a:solidFill>
+                  <a:srgbClr val="9876AA"/>
+                </a:solidFill>
+                <a:effectLst/>
+                <a:latin typeface="JetBrains Mono"/>
+              </a:rPr>
+              <a:t>ID_PER </a:t>
+            </a:r>
+            <a:r>
+              <a:rPr kumimoji="0" lang="en-US" altLang="en-US" sz="1000" b="0" i="0" u="none" strike="noStrike" cap="none" normalizeH="0" baseline="0" dirty="0" smtClean="0">
+                <a:ln>
+                  <a:noFill/>
+                </a:ln>
+                <a:solidFill>
+                  <a:srgbClr val="CC7832"/>
+                </a:solidFill>
+                <a:effectLst/>
+                <a:latin typeface="JetBrains Mono"/>
+              </a:rPr>
+              <a:t>INT,</a:t>
+            </a:r>
+            <a:br>
+              <a:rPr kumimoji="0" lang="en-US" altLang="en-US" sz="1000" b="0" i="0" u="none" strike="noStrike" cap="none" normalizeH="0" baseline="0" dirty="0" smtClean="0">
+                <a:ln>
+                  <a:noFill/>
+                </a:ln>
+                <a:solidFill>
+                  <a:srgbClr val="CC7832"/>
+                </a:solidFill>
+                <a:effectLst/>
+                <a:latin typeface="JetBrains Mono"/>
+              </a:rPr>
+            </a:br>
+            <a:r>
+              <a:rPr kumimoji="0" lang="en-US" altLang="en-US" sz="1000" b="0" i="0" u="none" strike="noStrike" cap="none" normalizeH="0" baseline="0" dirty="0" smtClean="0">
+                <a:ln>
+                  <a:noFill/>
+                </a:ln>
+                <a:solidFill>
+                  <a:srgbClr val="CC7832"/>
+                </a:solidFill>
+                <a:effectLst/>
+                <a:latin typeface="JetBrains Mono"/>
+              </a:rPr>
+              <a:t>   </a:t>
+            </a:r>
+            <a:r>
+              <a:rPr kumimoji="0" lang="en-US" altLang="en-US" sz="1000" b="0" i="0" u="none" strike="noStrike" cap="none" normalizeH="0" baseline="0" dirty="0" smtClean="0">
+                <a:ln>
+                  <a:noFill/>
+                </a:ln>
+                <a:solidFill>
+                  <a:srgbClr val="9876AA"/>
+                </a:solidFill>
+                <a:effectLst/>
+                <a:latin typeface="JetBrains Mono"/>
+              </a:rPr>
+              <a:t>ID_PROY </a:t>
+            </a:r>
+            <a:r>
+              <a:rPr kumimoji="0" lang="en-US" altLang="en-US" sz="1000" b="0" i="0" u="none" strike="noStrike" cap="none" normalizeH="0" baseline="0" dirty="0" smtClean="0">
+                <a:ln>
+                  <a:noFill/>
+                </a:ln>
+                <a:solidFill>
+                  <a:srgbClr val="CC7832"/>
+                </a:solidFill>
+                <a:effectLst/>
+                <a:latin typeface="JetBrains Mono"/>
+              </a:rPr>
+              <a:t>INT</a:t>
+            </a:r>
+            <a:r>
+              <a:rPr kumimoji="0" lang="en-US" altLang="en-US" sz="1000" b="0" i="0" u="none" strike="noStrike" cap="none" normalizeH="0" baseline="0" dirty="0" smtClean="0">
+                <a:ln>
+                  <a:noFill/>
+                </a:ln>
+                <a:solidFill>
+                  <a:srgbClr val="A9B7C6"/>
+                </a:solidFill>
+                <a:effectLst/>
+                <a:latin typeface="JetBrains Mono"/>
+              </a:rPr>
+              <a:t>(</a:t>
+            </a:r>
+            <a:r>
+              <a:rPr kumimoji="0" lang="en-US" altLang="en-US" sz="1000" b="0" i="0" u="none" strike="noStrike" cap="none" normalizeH="0" baseline="0" dirty="0" smtClean="0">
+                <a:ln>
+                  <a:noFill/>
+                </a:ln>
+                <a:solidFill>
+                  <a:srgbClr val="6897BB"/>
+                </a:solidFill>
+                <a:effectLst/>
+                <a:latin typeface="JetBrains Mono"/>
+              </a:rPr>
+              <a:t>11</a:t>
+            </a:r>
+            <a:r>
+              <a:rPr kumimoji="0" lang="en-US" altLang="en-US" sz="1000" b="0" i="0" u="none" strike="noStrike" cap="none" normalizeH="0" baseline="0" dirty="0" smtClean="0">
+                <a:ln>
+                  <a:noFill/>
+                </a:ln>
+                <a:solidFill>
+                  <a:srgbClr val="A9B7C6"/>
+                </a:solidFill>
+                <a:effectLst/>
+                <a:latin typeface="JetBrains Mono"/>
+              </a:rPr>
+              <a:t>)</a:t>
+            </a:r>
+            <a:r>
+              <a:rPr kumimoji="0" lang="en-US" altLang="en-US" sz="1000" b="0" i="0" u="none" strike="noStrike" cap="none" normalizeH="0" baseline="0" dirty="0" smtClean="0">
+                <a:ln>
+                  <a:noFill/>
+                </a:ln>
+                <a:solidFill>
+                  <a:srgbClr val="CC7832"/>
+                </a:solidFill>
+                <a:effectLst/>
+                <a:latin typeface="JetBrains Mono"/>
+              </a:rPr>
+              <a:t>,</a:t>
+            </a:r>
+            <a:br>
+              <a:rPr kumimoji="0" lang="en-US" altLang="en-US" sz="1000" b="0" i="0" u="none" strike="noStrike" cap="none" normalizeH="0" baseline="0" dirty="0" smtClean="0">
+                <a:ln>
+                  <a:noFill/>
+                </a:ln>
+                <a:solidFill>
+                  <a:srgbClr val="CC7832"/>
+                </a:solidFill>
+                <a:effectLst/>
+                <a:latin typeface="JetBrains Mono"/>
+              </a:rPr>
+            </a:br>
+            <a:r>
+              <a:rPr kumimoji="0" lang="en-US" altLang="en-US" sz="1000" b="0" i="0" u="none" strike="noStrike" cap="none" normalizeH="0" baseline="0" dirty="0" smtClean="0">
+                <a:ln>
+                  <a:noFill/>
+                </a:ln>
+                <a:solidFill>
+                  <a:srgbClr val="CC7832"/>
+                </a:solidFill>
+                <a:effectLst/>
+                <a:latin typeface="JetBrains Mono"/>
+              </a:rPr>
+              <a:t>   FOREIGN KEY </a:t>
+            </a:r>
+            <a:r>
+              <a:rPr kumimoji="0" lang="en-US" altLang="en-US" sz="1000" b="0" i="0" u="none" strike="noStrike" cap="none" normalizeH="0" baseline="0" dirty="0" smtClean="0">
+                <a:ln>
+                  <a:noFill/>
+                </a:ln>
+                <a:solidFill>
+                  <a:srgbClr val="A9B7C6"/>
+                </a:solidFill>
+                <a:effectLst/>
+                <a:latin typeface="JetBrains Mono"/>
+              </a:rPr>
+              <a:t>(</a:t>
+            </a:r>
+            <a:r>
+              <a:rPr kumimoji="0" lang="en-US" altLang="en-US" sz="1000" b="0" i="0" u="none" strike="noStrike" cap="none" normalizeH="0" baseline="0" dirty="0" smtClean="0">
+                <a:ln>
+                  <a:noFill/>
+                </a:ln>
+                <a:solidFill>
+                  <a:srgbClr val="9876AA"/>
+                </a:solidFill>
+                <a:effectLst/>
+                <a:latin typeface="JetBrains Mono"/>
+              </a:rPr>
+              <a:t>ID_PER</a:t>
+            </a:r>
+            <a:r>
+              <a:rPr kumimoji="0" lang="en-US" altLang="en-US" sz="1000" b="0" i="0" u="none" strike="noStrike" cap="none" normalizeH="0" baseline="0" dirty="0" smtClean="0">
+                <a:ln>
+                  <a:noFill/>
+                </a:ln>
+                <a:solidFill>
+                  <a:srgbClr val="A9B7C6"/>
+                </a:solidFill>
+                <a:effectLst/>
+                <a:latin typeface="JetBrains Mono"/>
+              </a:rPr>
+              <a:t>) </a:t>
+            </a:r>
+            <a:r>
+              <a:rPr kumimoji="0" lang="en-US" altLang="en-US" sz="1000" b="0" i="0" u="none" strike="noStrike" cap="none" normalizeH="0" baseline="0" dirty="0" smtClean="0">
+                <a:ln>
+                  <a:noFill/>
+                </a:ln>
+                <a:solidFill>
+                  <a:srgbClr val="CC7832"/>
+                </a:solidFill>
+                <a:effectLst/>
+                <a:latin typeface="JetBrains Mono"/>
+              </a:rPr>
+              <a:t>REFERENCES </a:t>
+            </a:r>
+            <a:r>
+              <a:rPr kumimoji="0" lang="en-US" altLang="en-US" sz="1000" b="0" i="0" u="none" strike="noStrike" cap="none" normalizeH="0" baseline="0" dirty="0" smtClean="0">
                 <a:ln>
                   <a:noFill/>
                 </a:ln>
@@ -18320,7 +21116,7 @@
               <a:t>PERSONA(</a:t>
             </a:r>
             <a:r>
-              <a:rPr kumimoji="0" lang="en-US" altLang="en-US" sz="1000" b="0" i="0" u="none" strike="noStrike" cap="none" normalizeH="0" baseline="0" smtClean="0">
+              <a:rPr kumimoji="0" lang="en-US" altLang="en-US" sz="1000" b="0" i="0" u="none" strike="noStrike" cap="none" normalizeH="0" baseline="0" dirty="0" smtClean="0">
                 <a:ln>
                   <a:noFill/>
                 </a:ln>
@@ -18330,10 +21126,266 @@
                 <a:effectLst/>
                 <a:latin typeface="JetBrains Mono"/>
               </a:rPr>
-              <a:t>NOMBRE</a:t>
-            </a:r>
-            <a:r>
-              <a:rPr kumimoji="0" lang="en-US" altLang="en-US" sz="1000" b="0" i="0" u="none" strike="noStrike" cap="none" normalizeH="0" baseline="0" smtClean="0">
+              <a:t>ID_PER</a:t>
+            </a:r>
+            <a:r>
+              <a:rPr kumimoji="0" lang="en-US" altLang="en-US" sz="1000" b="0" i="0" u="none" strike="noStrike" cap="none" normalizeH="0" baseline="0" dirty="0" smtClean="0">
+                <a:ln>
+                  <a:noFill/>
+                </a:ln>
+                <a:solidFill>
+                  <a:srgbClr val="A9B7C6"/>
+                </a:solidFill>
+                <a:effectLst/>
+                <a:latin typeface="JetBrains Mono"/>
+              </a:rPr>
+              <a:t>)</a:t>
+            </a:r>
+            <a:r>
+              <a:rPr kumimoji="0" lang="en-US" altLang="en-US" sz="1000" b="0" i="0" u="none" strike="noStrike" cap="none" normalizeH="0" baseline="0" dirty="0" smtClean="0">
+                <a:ln>
+                  <a:noFill/>
+                </a:ln>
+                <a:solidFill>
+                  <a:srgbClr val="CC7832"/>
+                </a:solidFill>
+                <a:effectLst/>
+                <a:latin typeface="JetBrains Mono"/>
+              </a:rPr>
+              <a:t>,</a:t>
+            </a:r>
+            <a:br>
+              <a:rPr kumimoji="0" lang="en-US" altLang="en-US" sz="1000" b="0" i="0" u="none" strike="noStrike" cap="none" normalizeH="0" baseline="0" dirty="0" smtClean="0">
+                <a:ln>
+                  <a:noFill/>
+                </a:ln>
+                <a:solidFill>
+                  <a:srgbClr val="CC7832"/>
+                </a:solidFill>
+                <a:effectLst/>
+                <a:latin typeface="JetBrains Mono"/>
+              </a:rPr>
+            </a:br>
+            <a:r>
+              <a:rPr kumimoji="0" lang="en-US" altLang="en-US" sz="1000" b="0" i="0" u="none" strike="noStrike" cap="none" normalizeH="0" baseline="0" dirty="0" smtClean="0">
+                <a:ln>
+                  <a:noFill/>
+                </a:ln>
+                <a:solidFill>
+                  <a:srgbClr val="CC7832"/>
+                </a:solidFill>
+                <a:effectLst/>
+                <a:latin typeface="JetBrains Mono"/>
+              </a:rPr>
+              <a:t>   FOREIGN KEY </a:t>
+            </a:r>
+            <a:r>
+              <a:rPr kumimoji="0" lang="en-US" altLang="en-US" sz="1000" b="0" i="0" u="none" strike="noStrike" cap="none" normalizeH="0" baseline="0" dirty="0" smtClean="0">
+                <a:ln>
+                  <a:noFill/>
+                </a:ln>
+                <a:solidFill>
+                  <a:srgbClr val="A9B7C6"/>
+                </a:solidFill>
+                <a:effectLst/>
+                <a:latin typeface="JetBrains Mono"/>
+              </a:rPr>
+              <a:t>(</a:t>
+            </a:r>
+            <a:r>
+              <a:rPr kumimoji="0" lang="en-US" altLang="en-US" sz="1000" b="0" i="0" u="none" strike="noStrike" cap="none" normalizeH="0" baseline="0" dirty="0" smtClean="0">
+                <a:ln>
+                  <a:noFill/>
+                </a:ln>
+                <a:solidFill>
+                  <a:srgbClr val="9876AA"/>
+                </a:solidFill>
+                <a:effectLst/>
+                <a:latin typeface="JetBrains Mono"/>
+              </a:rPr>
+              <a:t>ID_PROY</a:t>
+            </a:r>
+            <a:r>
+              <a:rPr kumimoji="0" lang="en-US" altLang="en-US" sz="1000" b="0" i="0" u="none" strike="noStrike" cap="none" normalizeH="0" baseline="0" dirty="0" smtClean="0">
+                <a:ln>
+                  <a:noFill/>
+                </a:ln>
+                <a:solidFill>
+                  <a:srgbClr val="A9B7C6"/>
+                </a:solidFill>
+                <a:effectLst/>
+                <a:latin typeface="JetBrains Mono"/>
+              </a:rPr>
+              <a:t>) </a:t>
+            </a:r>
+            <a:r>
+              <a:rPr kumimoji="0" lang="en-US" altLang="en-US" sz="1000" b="0" i="0" u="none" strike="noStrike" cap="none" normalizeH="0" baseline="0" dirty="0" smtClean="0">
+                <a:ln>
+                  <a:noFill/>
+                </a:ln>
+                <a:solidFill>
+                  <a:srgbClr val="CC7832"/>
+                </a:solidFill>
+                <a:effectLst/>
+                <a:latin typeface="JetBrains Mono"/>
+              </a:rPr>
+              <a:t>REFERENCES </a:t>
+            </a:r>
+            <a:r>
+              <a:rPr kumimoji="0" lang="en-US" altLang="en-US" sz="1000" b="0" i="0" u="none" strike="noStrike" cap="none" normalizeH="0" baseline="0" dirty="0" smtClean="0">
+                <a:ln>
+                  <a:noFill/>
+                </a:ln>
+                <a:solidFill>
+                  <a:srgbClr val="A9B7C6"/>
+                </a:solidFill>
+                <a:effectLst/>
+                <a:latin typeface="JetBrains Mono"/>
+              </a:rPr>
+              <a:t>PROYECTO(</a:t>
+            </a:r>
+            <a:r>
+              <a:rPr kumimoji="0" lang="en-US" altLang="en-US" sz="1000" b="0" i="0" u="none" strike="noStrike" cap="none" normalizeH="0" baseline="0" dirty="0" smtClean="0">
+                <a:ln>
+                  <a:noFill/>
+                </a:ln>
+                <a:solidFill>
+                  <a:srgbClr val="9876AA"/>
+                </a:solidFill>
+                <a:effectLst/>
+                <a:latin typeface="JetBrains Mono"/>
+              </a:rPr>
+              <a:t>ID_PROY</a:t>
+            </a:r>
+            <a:r>
+              <a:rPr kumimoji="0" lang="en-US" altLang="en-US" sz="1000" b="0" i="0" u="none" strike="noStrike" cap="none" normalizeH="0" baseline="0" dirty="0" smtClean="0">
+                <a:ln>
+                  <a:noFill/>
+                </a:ln>
+                <a:solidFill>
+                  <a:srgbClr val="A9B7C6"/>
+                </a:solidFill>
+                <a:effectLst/>
+                <a:latin typeface="JetBrains Mono"/>
+              </a:rPr>
+              <a:t>)</a:t>
+            </a:r>
+            <a:br>
+              <a:rPr kumimoji="0" lang="en-US" altLang="en-US" sz="1000" b="0" i="0" u="none" strike="noStrike" cap="none" normalizeH="0" baseline="0" dirty="0" smtClean="0">
+                <a:ln>
+                  <a:noFill/>
+                </a:ln>
+                <a:solidFill>
+                  <a:srgbClr val="A9B7C6"/>
+                </a:solidFill>
+                <a:effectLst/>
+                <a:latin typeface="JetBrains Mono"/>
+              </a:rPr>
+            </a:br>
+            <a:r>
+              <a:rPr kumimoji="0" lang="en-US" altLang="en-US" sz="1000" b="0" i="0" u="none" strike="noStrike" cap="none" normalizeH="0" baseline="0" dirty="0" smtClean="0">
+                <a:ln>
+                  <a:noFill/>
+                </a:ln>
+                <a:solidFill>
+                  <a:srgbClr val="A9B7C6"/>
+                </a:solidFill>
+                <a:effectLst/>
+                <a:latin typeface="JetBrains Mono"/>
+              </a:rPr>
+              <a:t>)</a:t>
+            </a:r>
+            <a:r>
+              <a:rPr kumimoji="0" lang="en-US" altLang="en-US" sz="1000" b="0" i="0" u="none" strike="noStrike" cap="none" normalizeH="0" baseline="0" dirty="0" smtClean="0">
+                <a:ln>
+                  <a:noFill/>
+                </a:ln>
+                <a:solidFill>
+                  <a:srgbClr val="CC7832"/>
+                </a:solidFill>
+                <a:effectLst/>
+                <a:latin typeface="JetBrains Mono"/>
+              </a:rPr>
+              <a:t>;</a:t>
+            </a:r>
+            <a:br>
+              <a:rPr kumimoji="0" lang="en-US" altLang="en-US" sz="1000" b="0" i="0" u="none" strike="noStrike" cap="none" normalizeH="0" baseline="0" dirty="0" smtClean="0">
+                <a:ln>
+                  <a:noFill/>
+                </a:ln>
+                <a:solidFill>
+                  <a:srgbClr val="CC7832"/>
+                </a:solidFill>
+                <a:effectLst/>
+                <a:latin typeface="JetBrains Mono"/>
+              </a:rPr>
+            </a:br>
+            <a:r>
+              <a:rPr kumimoji="0" lang="en-US" altLang="en-US" sz="1000" b="0" i="0" u="none" strike="noStrike" cap="none" normalizeH="0" baseline="0" dirty="0" smtClean="0">
+                <a:ln>
+                  <a:noFill/>
+                </a:ln>
+                <a:solidFill>
+                  <a:srgbClr val="CC7832"/>
+                </a:solidFill>
+                <a:effectLst/>
+                <a:latin typeface="JetBrains Mono"/>
+              </a:rPr>
+              <a:t/>
+            </a:r>
+            <a:br>
+              <a:rPr kumimoji="0" lang="en-US" altLang="en-US" sz="1000" b="0" i="0" u="none" strike="noStrike" cap="none" normalizeH="0" baseline="0" dirty="0" smtClean="0">
+                <a:ln>
+                  <a:noFill/>
+                </a:ln>
+                <a:solidFill>
+                  <a:srgbClr val="CC7832"/>
+                </a:solidFill>
+                <a:effectLst/>
+                <a:latin typeface="JetBrains Mono"/>
+              </a:rPr>
+            </a:br>
+            <a:r>
+              <a:rPr kumimoji="0" lang="en-US" altLang="en-US" sz="1000" b="0" i="0" u="none" strike="noStrike" cap="none" normalizeH="0" baseline="0" dirty="0" smtClean="0">
+                <a:ln>
+                  <a:noFill/>
+                </a:ln>
+                <a:solidFill>
+                  <a:srgbClr val="CC7832"/>
+                </a:solidFill>
+                <a:effectLst/>
+                <a:latin typeface="JetBrains Mono"/>
+              </a:rPr>
+              <a:t>INSERT INTO </a:t>
+            </a:r>
+            <a:r>
+              <a:rPr kumimoji="0" lang="en-US" altLang="en-US" sz="1000" b="0" i="0" u="none" strike="noStrike" cap="none" normalizeH="0" baseline="0" dirty="0" smtClean="0">
+                <a:ln>
+                  <a:noFill/>
+                </a:ln>
+                <a:solidFill>
+                  <a:srgbClr val="A9B7C6"/>
+                </a:solidFill>
+                <a:effectLst/>
+                <a:latin typeface="JetBrains Mono"/>
+              </a:rPr>
+              <a:t>DETALLE_PROYECTO(</a:t>
+            </a:r>
+            <a:r>
+              <a:rPr kumimoji="0" lang="en-US" altLang="en-US" sz="1000" b="0" i="0" u="none" strike="noStrike" cap="none" normalizeH="0" baseline="0" dirty="0" smtClean="0">
+                <a:ln>
+                  <a:noFill/>
+                </a:ln>
+                <a:solidFill>
+                  <a:srgbClr val="9876AA"/>
+                </a:solidFill>
+                <a:effectLst/>
+                <a:latin typeface="JetBrains Mono"/>
+              </a:rPr>
+              <a:t>ID_PER</a:t>
+            </a:r>
+            <a:r>
+              <a:rPr kumimoji="0" lang="en-US" altLang="en-US" sz="1000" b="0" i="0" u="none" strike="noStrike" cap="none" normalizeH="0" baseline="0" dirty="0" smtClean="0">
                 <a:ln>
                   <a:noFill/>
                 </a:ln>
@@ -18346,7 +21398,7 @@
               <a:t>, </a:t>
             </a:r>
             <a:r>
-              <a:rPr kumimoji="0" lang="en-US" altLang="en-US" sz="1000" b="0" i="0" u="none" strike="noStrike" cap="none" normalizeH="0" baseline="0" smtClean="0">
+              <a:rPr kumimoji="0" lang="en-US" altLang="en-US" sz="1000" b="0" i="0" u="none" strike="noStrike" cap="none" normalizeH="0" baseline="0" dirty="0" smtClean="0">
                 <a:ln>
                   <a:noFill/>
                 </a:ln>
@@ -18356,10 +21408,74 @@
                 <a:effectLst/>
                 <a:latin typeface="JetBrains Mono"/>
               </a:rPr>
-              <a:t>APELLIDOS</a:t>
-            </a:r>
-            <a:r>
-              <a:rPr kumimoji="0" lang="en-US" altLang="en-US" sz="1000" b="0" i="0" u="none" strike="noStrike" cap="none" normalizeH="0" baseline="0" smtClean="0">
+              <a:t>ID_PROY</a:t>
+            </a:r>
+            <a:r>
+              <a:rPr kumimoji="0" lang="en-US" altLang="en-US" sz="1000" b="0" i="0" u="none" strike="noStrike" cap="none" normalizeH="0" baseline="0" dirty="0" smtClean="0">
+                <a:ln>
+                  <a:noFill/>
+                </a:ln>
+                <a:solidFill>
+                  <a:srgbClr val="A9B7C6"/>
+                </a:solidFill>
+                <a:effectLst/>
+                <a:latin typeface="JetBrains Mono"/>
+              </a:rPr>
+              <a:t>) </a:t>
+            </a:r>
+            <a:r>
+              <a:rPr kumimoji="0" lang="en-US" altLang="en-US" sz="1000" b="0" i="0" u="none" strike="noStrike" cap="none" normalizeH="0" baseline="0" dirty="0" smtClean="0">
+                <a:ln>
+                  <a:noFill/>
+                </a:ln>
+                <a:solidFill>
+                  <a:srgbClr val="CC7832"/>
+                </a:solidFill>
+                <a:effectLst/>
+                <a:latin typeface="JetBrains Mono"/>
+              </a:rPr>
+              <a:t>VALUES</a:t>
+            </a:r>
+            <a:br>
+              <a:rPr kumimoji="0" lang="en-US" altLang="en-US" sz="1000" b="0" i="0" u="none" strike="noStrike" cap="none" normalizeH="0" baseline="0" dirty="0" smtClean="0">
+                <a:ln>
+                  <a:noFill/>
+                </a:ln>
+                <a:solidFill>
+                  <a:srgbClr val="CC7832"/>
+                </a:solidFill>
+                <a:effectLst/>
+                <a:latin typeface="JetBrains Mono"/>
+              </a:rPr>
+            </a:br>
+            <a:r>
+              <a:rPr kumimoji="0" lang="en-US" altLang="en-US" sz="1000" b="0" i="0" u="none" strike="noStrike" cap="none" normalizeH="0" baseline="0" dirty="0" smtClean="0">
+                <a:ln>
+                  <a:noFill/>
+                </a:ln>
+                <a:solidFill>
+                  <a:srgbClr val="A9B7C6"/>
+                </a:solidFill>
+                <a:effectLst/>
+                <a:latin typeface="JetBrains Mono"/>
+              </a:rPr>
+              <a:t>(</a:t>
+            </a:r>
+            <a:r>
+              <a:rPr kumimoji="0" lang="en-US" altLang="en-US" sz="1000" b="0" i="0" u="none" strike="noStrike" cap="none" normalizeH="0" baseline="0" dirty="0" smtClean="0">
+                <a:ln>
+                  <a:noFill/>
+                </a:ln>
+                <a:solidFill>
+                  <a:srgbClr val="6897BB"/>
+                </a:solidFill>
+                <a:effectLst/>
+                <a:latin typeface="JetBrains Mono"/>
+              </a:rPr>
+              <a:t>1</a:t>
+            </a:r>
+            <a:r>
+              <a:rPr kumimoji="0" lang="en-US" altLang="en-US" sz="1000" b="0" i="0" u="none" strike="noStrike" cap="none" normalizeH="0" baseline="0" dirty="0" smtClean="0">
                 <a:ln>
                   <a:noFill/>
                 </a:ln>
@@ -18372,20 +21488,84 @@
               <a:t>, </a:t>
             </a:r>
             <a:r>
-              <a:rPr kumimoji="0" lang="en-US" altLang="en-US" sz="1000" b="0" i="0" u="none" strike="noStrike" cap="none" normalizeH="0" baseline="0" smtClean="0">
-                <a:ln>
-                  <a:noFill/>
-                </a:ln>
-                <a:solidFill>
-                  <a:srgbClr val="9876AA"/>
-                </a:solidFill>
-                <a:effectLst/>
-                <a:latin typeface="JetBrains Mono"/>
-              </a:rPr>
-              <a:t>FECHA_NAC</a:t>
-            </a:r>
-            <a:r>
-              <a:rPr kumimoji="0" lang="en-US" altLang="en-US" sz="1000" b="0" i="0" u="none" strike="noStrike" cap="none" normalizeH="0" baseline="0" smtClean="0">
+              <a:rPr kumimoji="0" lang="en-US" altLang="en-US" sz="1000" b="0" i="0" u="none" strike="noStrike" cap="none" normalizeH="0" baseline="0" dirty="0" smtClean="0">
+                <a:ln>
+                  <a:noFill/>
+                </a:ln>
+                <a:solidFill>
+                  <a:srgbClr val="6897BB"/>
+                </a:solidFill>
+                <a:effectLst/>
+                <a:latin typeface="JetBrains Mono"/>
+              </a:rPr>
+              <a:t>1</a:t>
+            </a:r>
+            <a:r>
+              <a:rPr kumimoji="0" lang="en-US" altLang="en-US" sz="1000" b="0" i="0" u="none" strike="noStrike" cap="none" normalizeH="0" baseline="0" dirty="0" smtClean="0">
+                <a:ln>
+                  <a:noFill/>
+                </a:ln>
+                <a:solidFill>
+                  <a:srgbClr val="A9B7C6"/>
+                </a:solidFill>
+                <a:effectLst/>
+                <a:latin typeface="JetBrains Mono"/>
+              </a:rPr>
+              <a:t>)</a:t>
+            </a:r>
+            <a:r>
+              <a:rPr kumimoji="0" lang="en-US" altLang="en-US" sz="1000" b="0" i="0" u="none" strike="noStrike" cap="none" normalizeH="0" baseline="0" dirty="0" smtClean="0">
+                <a:ln>
+                  <a:noFill/>
+                </a:ln>
+                <a:solidFill>
+                  <a:srgbClr val="CC7832"/>
+                </a:solidFill>
+                <a:effectLst/>
+                <a:latin typeface="JetBrains Mono"/>
+              </a:rPr>
+              <a:t>,</a:t>
+            </a:r>
+            <a:br>
+              <a:rPr kumimoji="0" lang="en-US" altLang="en-US" sz="1000" b="0" i="0" u="none" strike="noStrike" cap="none" normalizeH="0" baseline="0" dirty="0" smtClean="0">
+                <a:ln>
+                  <a:noFill/>
+                </a:ln>
+                <a:solidFill>
+                  <a:srgbClr val="CC7832"/>
+                </a:solidFill>
+                <a:effectLst/>
+                <a:latin typeface="JetBrains Mono"/>
+              </a:rPr>
+            </a:br>
+            <a:r>
+              <a:rPr kumimoji="0" lang="en-US" altLang="en-US" sz="1000" b="0" i="0" u="none" strike="noStrike" cap="none" normalizeH="0" baseline="0" dirty="0" smtClean="0">
+                <a:ln>
+                  <a:noFill/>
+                </a:ln>
+                <a:solidFill>
+                  <a:srgbClr val="A9B7C6"/>
+                </a:solidFill>
+                <a:effectLst/>
+                <a:latin typeface="JetBrains Mono"/>
+              </a:rPr>
+              <a:t>(</a:t>
+            </a:r>
+            <a:r>
+              <a:rPr kumimoji="0" lang="en-US" altLang="en-US" sz="1000" b="0" i="0" u="none" strike="noStrike" cap="none" normalizeH="0" baseline="0" dirty="0" smtClean="0">
+                <a:ln>
+                  <a:noFill/>
+                </a:ln>
+                <a:solidFill>
+                  <a:srgbClr val="6897BB"/>
+                </a:solidFill>
+                <a:effectLst/>
+                <a:latin typeface="JetBrains Mono"/>
+              </a:rPr>
+              <a:t>2</a:t>
+            </a:r>
+            <a:r>
+              <a:rPr kumimoji="0" lang="en-US" altLang="en-US" sz="1000" b="0" i="0" u="none" strike="noStrike" cap="none" normalizeH="0" baseline="0" dirty="0" smtClean="0">
                 <a:ln>
                   <a:noFill/>
                 </a:ln>
@@ -18398,20 +21578,84 @@
               <a:t>, </a:t>
             </a:r>
             <a:r>
-              <a:rPr kumimoji="0" lang="en-US" altLang="en-US" sz="1000" b="0" i="0" u="none" strike="noStrike" cap="none" normalizeH="0" baseline="0" smtClean="0">
-                <a:ln>
-                  <a:noFill/>
-                </a:ln>
-                <a:solidFill>
-                  <a:srgbClr val="9876AA"/>
-                </a:solidFill>
-                <a:effectLst/>
-                <a:latin typeface="JetBrains Mono"/>
-              </a:rPr>
-              <a:t>EDAD</a:t>
-            </a:r>
-            <a:r>
-              <a:rPr kumimoji="0" lang="en-US" altLang="en-US" sz="1000" b="0" i="0" u="none" strike="noStrike" cap="none" normalizeH="0" baseline="0" smtClean="0">
+              <a:rPr kumimoji="0" lang="en-US" altLang="en-US" sz="1000" b="0" i="0" u="none" strike="noStrike" cap="none" normalizeH="0" baseline="0" dirty="0" smtClean="0">
+                <a:ln>
+                  <a:noFill/>
+                </a:ln>
+                <a:solidFill>
+                  <a:srgbClr val="6897BB"/>
+                </a:solidFill>
+                <a:effectLst/>
+                <a:latin typeface="JetBrains Mono"/>
+              </a:rPr>
+              <a:t>2</a:t>
+            </a:r>
+            <a:r>
+              <a:rPr kumimoji="0" lang="en-US" altLang="en-US" sz="1000" b="0" i="0" u="none" strike="noStrike" cap="none" normalizeH="0" baseline="0" dirty="0" smtClean="0">
+                <a:ln>
+                  <a:noFill/>
+                </a:ln>
+                <a:solidFill>
+                  <a:srgbClr val="A9B7C6"/>
+                </a:solidFill>
+                <a:effectLst/>
+                <a:latin typeface="JetBrains Mono"/>
+              </a:rPr>
+              <a:t>)</a:t>
+            </a:r>
+            <a:r>
+              <a:rPr kumimoji="0" lang="en-US" altLang="en-US" sz="1000" b="0" i="0" u="none" strike="noStrike" cap="none" normalizeH="0" baseline="0" dirty="0" smtClean="0">
+                <a:ln>
+                  <a:noFill/>
+                </a:ln>
+                <a:solidFill>
+                  <a:srgbClr val="CC7832"/>
+                </a:solidFill>
+                <a:effectLst/>
+                <a:latin typeface="JetBrains Mono"/>
+              </a:rPr>
+              <a:t>,</a:t>
+            </a:r>
+            <a:br>
+              <a:rPr kumimoji="0" lang="en-US" altLang="en-US" sz="1000" b="0" i="0" u="none" strike="noStrike" cap="none" normalizeH="0" baseline="0" dirty="0" smtClean="0">
+                <a:ln>
+                  <a:noFill/>
+                </a:ln>
+                <a:solidFill>
+                  <a:srgbClr val="CC7832"/>
+                </a:solidFill>
+                <a:effectLst/>
+                <a:latin typeface="JetBrains Mono"/>
+              </a:rPr>
+            </a:br>
+            <a:r>
+              <a:rPr kumimoji="0" lang="en-US" altLang="en-US" sz="1000" b="0" i="0" u="none" strike="noStrike" cap="none" normalizeH="0" baseline="0" dirty="0" smtClean="0">
+                <a:ln>
+                  <a:noFill/>
+                </a:ln>
+                <a:solidFill>
+                  <a:srgbClr val="A9B7C6"/>
+                </a:solidFill>
+                <a:effectLst/>
+                <a:latin typeface="JetBrains Mono"/>
+              </a:rPr>
+              <a:t>(</a:t>
+            </a:r>
+            <a:r>
+              <a:rPr kumimoji="0" lang="en-US" altLang="en-US" sz="1000" b="0" i="0" u="none" strike="noStrike" cap="none" normalizeH="0" baseline="0" dirty="0" smtClean="0">
+                <a:ln>
+                  <a:noFill/>
+                </a:ln>
+                <a:solidFill>
+                  <a:srgbClr val="6897BB"/>
+                </a:solidFill>
+                <a:effectLst/>
+                <a:latin typeface="JetBrains Mono"/>
+              </a:rPr>
+              <a:t>3</a:t>
+            </a:r>
+            <a:r>
+              <a:rPr kumimoji="0" lang="en-US" altLang="en-US" sz="1000" b="0" i="0" u="none" strike="noStrike" cap="none" normalizeH="0" baseline="0" dirty="0" smtClean="0">
                 <a:ln>
                   <a:noFill/>
                 </a:ln>
@@ -18424,227 +21668,7 @@
               <a:t>, </a:t>
             </a:r>
             <a:r>
-              <a:rPr kumimoji="0" lang="en-US" altLang="en-US" sz="1000" b="0" i="0" u="none" strike="noStrike" cap="none" normalizeH="0" baseline="0" smtClean="0">
-                <a:ln>
-                  <a:noFill/>
-                </a:ln>
-                <a:solidFill>
-                  <a:srgbClr val="9876AA"/>
-                </a:solidFill>
-                <a:effectLst/>
-                <a:latin typeface="JetBrains Mono"/>
-              </a:rPr>
-              <a:t>EMAIL</a:t>
-            </a:r>
-            <a:r>
-              <a:rPr kumimoji="0" lang="en-US" altLang="en-US" sz="1000" b="0" i="0" u="none" strike="noStrike" cap="none" normalizeH="0" baseline="0" smtClean="0">
-                <a:ln>
-                  <a:noFill/>
-                </a:ln>
-                <a:solidFill>
-                  <a:srgbClr val="CC7832"/>
-                </a:solidFill>
-                <a:effectLst/>
-                <a:latin typeface="JetBrains Mono"/>
-              </a:rPr>
-              <a:t>, </a:t>
-            </a:r>
-            <a:r>
-              <a:rPr kumimoji="0" lang="en-US" altLang="en-US" sz="1000" b="0" i="0" u="none" strike="noStrike" cap="none" normalizeH="0" baseline="0" smtClean="0">
-                <a:ln>
-                  <a:noFill/>
-                </a:ln>
-                <a:solidFill>
-                  <a:srgbClr val="9876AA"/>
-                </a:solidFill>
-                <a:effectLst/>
-                <a:latin typeface="JetBrains Mono"/>
-              </a:rPr>
-              <a:t>ID_DEP</a:t>
-            </a:r>
-            <a:r>
-              <a:rPr kumimoji="0" lang="en-US" altLang="en-US" sz="1000" b="0" i="0" u="none" strike="noStrike" cap="none" normalizeH="0" baseline="0" smtClean="0">
-                <a:ln>
-                  <a:noFill/>
-                </a:ln>
-                <a:solidFill>
-                  <a:srgbClr val="CC7832"/>
-                </a:solidFill>
-                <a:effectLst/>
-                <a:latin typeface="JetBrains Mono"/>
-              </a:rPr>
-              <a:t>, </a:t>
-            </a:r>
-            <a:r>
-              <a:rPr kumimoji="0" lang="en-US" altLang="en-US" sz="1000" b="0" i="0" u="none" strike="noStrike" cap="none" normalizeH="0" baseline="0" smtClean="0">
-                <a:ln>
-                  <a:noFill/>
-                </a:ln>
-                <a:solidFill>
-                  <a:srgbClr val="9876AA"/>
-                </a:solidFill>
-                <a:effectLst/>
-                <a:latin typeface="JetBrains Mono"/>
-              </a:rPr>
-              <a:t>ID_PROV</a:t>
-            </a:r>
-            <a:r>
-              <a:rPr kumimoji="0" lang="en-US" altLang="en-US" sz="1000" b="0" i="0" u="none" strike="noStrike" cap="none" normalizeH="0" baseline="0" smtClean="0">
-                <a:ln>
-                  <a:noFill/>
-                </a:ln>
-                <a:solidFill>
-                  <a:srgbClr val="CC7832"/>
-                </a:solidFill>
-                <a:effectLst/>
-                <a:latin typeface="JetBrains Mono"/>
-              </a:rPr>
-              <a:t>, </a:t>
-            </a:r>
-            <a:r>
-              <a:rPr kumimoji="0" lang="en-US" altLang="en-US" sz="1000" b="0" i="0" u="none" strike="noStrike" cap="none" normalizeH="0" baseline="0" smtClean="0">
-                <a:ln>
-                  <a:noFill/>
-                </a:ln>
-                <a:solidFill>
-                  <a:srgbClr val="9876AA"/>
-                </a:solidFill>
-                <a:effectLst/>
-                <a:latin typeface="JetBrains Mono"/>
-              </a:rPr>
-              <a:t>SEXO</a:t>
-            </a:r>
-            <a:r>
-              <a:rPr kumimoji="0" lang="en-US" altLang="en-US" sz="1000" b="0" i="0" u="none" strike="noStrike" cap="none" normalizeH="0" baseline="0" smtClean="0">
-                <a:ln>
-                  <a:noFill/>
-                </a:ln>
-                <a:solidFill>
-                  <a:srgbClr val="A9B7C6"/>
-                </a:solidFill>
-                <a:effectLst/>
-                <a:latin typeface="JetBrains Mono"/>
-              </a:rPr>
-              <a:t>) </a:t>
-            </a:r>
-            <a:r>
-              <a:rPr kumimoji="0" lang="en-US" altLang="en-US" sz="1000" b="0" i="0" u="none" strike="noStrike" cap="none" normalizeH="0" baseline="0" smtClean="0">
-                <a:ln>
-                  <a:noFill/>
-                </a:ln>
-                <a:solidFill>
-                  <a:srgbClr val="CC7832"/>
-                </a:solidFill>
-                <a:effectLst/>
-                <a:latin typeface="JetBrains Mono"/>
-              </a:rPr>
-              <a:t>VALUES</a:t>
-            </a:r>
-            <a:br>
-              <a:rPr kumimoji="0" lang="en-US" altLang="en-US" sz="1000" b="0" i="0" u="none" strike="noStrike" cap="none" normalizeH="0" baseline="0" smtClean="0">
-                <a:ln>
-                  <a:noFill/>
-                </a:ln>
-                <a:solidFill>
-                  <a:srgbClr val="CC7832"/>
-                </a:solidFill>
-                <a:effectLst/>
-                <a:latin typeface="JetBrains Mono"/>
-              </a:rPr>
-            </a:br>
-            <a:r>
-              <a:rPr kumimoji="0" lang="en-US" altLang="en-US" sz="1000" b="0" i="0" u="none" strike="noStrike" cap="none" normalizeH="0" baseline="0" smtClean="0">
-                <a:ln>
-                  <a:noFill/>
-                </a:ln>
-                <a:solidFill>
-                  <a:srgbClr val="A9B7C6"/>
-                </a:solidFill>
-                <a:effectLst/>
-                <a:latin typeface="JetBrains Mono"/>
-              </a:rPr>
-              <a:t>(</a:t>
-            </a:r>
-            <a:r>
-              <a:rPr kumimoji="0" lang="en-US" altLang="en-US" sz="1000" b="0" i="0" u="none" strike="noStrike" cap="none" normalizeH="0" baseline="0" smtClean="0">
-                <a:ln>
-                  <a:noFill/>
-                </a:ln>
-                <a:solidFill>
-                  <a:srgbClr val="6A8759"/>
-                </a:solidFill>
-                <a:effectLst/>
-                <a:latin typeface="JetBrains Mono"/>
-              </a:rPr>
-              <a:t>'CARLOS'</a:t>
-            </a:r>
-            <a:r>
-              <a:rPr kumimoji="0" lang="en-US" altLang="en-US" sz="1000" b="0" i="0" u="none" strike="noStrike" cap="none" normalizeH="0" baseline="0" smtClean="0">
-                <a:ln>
-                  <a:noFill/>
-                </a:ln>
-                <a:solidFill>
-                  <a:srgbClr val="CC7832"/>
-                </a:solidFill>
-                <a:effectLst/>
-                <a:latin typeface="JetBrains Mono"/>
-              </a:rPr>
-              <a:t>, </a:t>
-            </a:r>
-            <a:r>
-              <a:rPr kumimoji="0" lang="en-US" altLang="en-US" sz="1000" b="0" i="0" u="none" strike="noStrike" cap="none" normalizeH="0" baseline="0" smtClean="0">
-                <a:ln>
-                  <a:noFill/>
-                </a:ln>
-                <a:solidFill>
-                  <a:srgbClr val="6A8759"/>
-                </a:solidFill>
-                <a:effectLst/>
-                <a:latin typeface="JetBrains Mono"/>
-              </a:rPr>
-              <a:t>'FERNANDEZ'</a:t>
-            </a:r>
-            <a:r>
-              <a:rPr kumimoji="0" lang="en-US" altLang="en-US" sz="1000" b="0" i="0" u="none" strike="noStrike" cap="none" normalizeH="0" baseline="0" smtClean="0">
-                <a:ln>
-                  <a:noFill/>
-                </a:ln>
-                <a:solidFill>
-                  <a:srgbClr val="CC7832"/>
-                </a:solidFill>
-                <a:effectLst/>
-                <a:latin typeface="JetBrains Mono"/>
-              </a:rPr>
-              <a:t>, </a:t>
-            </a:r>
-            <a:r>
-              <a:rPr kumimoji="0" lang="en-US" altLang="en-US" sz="1000" b="0" i="0" u="none" strike="noStrike" cap="none" normalizeH="0" baseline="0" smtClean="0">
-                <a:ln>
-                  <a:noFill/>
-                </a:ln>
-                <a:solidFill>
-                  <a:srgbClr val="6A8759"/>
-                </a:solidFill>
-                <a:effectLst/>
-                <a:latin typeface="JetBrains Mono"/>
-              </a:rPr>
-              <a:t>'2000-06-24'</a:t>
-            </a:r>
-            <a:r>
-              <a:rPr kumimoji="0" lang="en-US" altLang="en-US" sz="1000" b="0" i="0" u="none" strike="noStrike" cap="none" normalizeH="0" baseline="0" smtClean="0">
-                <a:ln>
-                  <a:noFill/>
-                </a:ln>
-                <a:solidFill>
-                  <a:srgbClr val="CC7832"/>
-                </a:solidFill>
-                <a:effectLst/>
-                <a:latin typeface="JetBrains Mono"/>
-              </a:rPr>
-              <a:t>, </a:t>
-            </a:r>
-            <a:r>
-              <a:rPr kumimoji="0" lang="en-US" altLang="en-US" sz="1000" b="0" i="0" u="none" strike="noStrike" cap="none" normalizeH="0" baseline="0" smtClean="0">
+              <a:rPr kumimoji="0" lang="en-US" altLang="en-US" sz="1000" b="0" i="0" u="none" strike="noStrike" cap="none" normalizeH="0" baseline="0" dirty="0" smtClean="0">
                 <a:ln>
                   <a:noFill/>
                 </a:ln>
@@ -18654,114 +21678,10 @@
                 <a:effectLst/>
                 <a:latin typeface="JetBrains Mono"/>
               </a:rPr>
-              <a:t>22</a:t>
-            </a:r>
-            <a:r>
-              <a:rPr kumimoji="0" lang="en-US" altLang="en-US" sz="1000" b="0" i="0" u="none" strike="noStrike" cap="none" normalizeH="0" baseline="0" smtClean="0">
-                <a:ln>
-                  <a:noFill/>
-                </a:ln>
-                <a:solidFill>
-                  <a:srgbClr val="CC7832"/>
-                </a:solidFill>
-                <a:effectLst/>
-                <a:latin typeface="JetBrains Mono"/>
-              </a:rPr>
-              <a:t>, </a:t>
-            </a:r>
-            <a:r>
-              <a:rPr kumimoji="0" lang="en-US" altLang="en-US" sz="1000" b="0" i="0" u="none" strike="noStrike" cap="none" normalizeH="0" baseline="0" smtClean="0">
-                <a:ln>
-                  <a:noFill/>
-                </a:ln>
-                <a:solidFill>
-                  <a:srgbClr val="6A8759"/>
-                </a:solidFill>
-                <a:effectLst/>
-                <a:latin typeface="JetBrains Mono"/>
-              </a:rPr>
-              <a:t>'CARLOS@GMAIL.COM'</a:t>
-            </a:r>
-            <a:r>
-              <a:rPr kumimoji="0" lang="en-US" altLang="en-US" sz="1000" b="0" i="0" u="none" strike="noStrike" cap="none" normalizeH="0" baseline="0" smtClean="0">
-                <a:ln>
-                  <a:noFill/>
-                </a:ln>
-                <a:solidFill>
-                  <a:srgbClr val="CC7832"/>
-                </a:solidFill>
-                <a:effectLst/>
-                <a:latin typeface="JetBrains Mono"/>
-              </a:rPr>
-              <a:t>, </a:t>
-            </a:r>
-            <a:r>
-              <a:rPr kumimoji="0" lang="en-US" altLang="en-US" sz="1000" b="0" i="0" u="none" strike="noStrike" cap="none" normalizeH="0" baseline="0" smtClean="0">
-                <a:ln>
-                  <a:noFill/>
-                </a:ln>
-                <a:solidFill>
-                  <a:srgbClr val="6897BB"/>
-                </a:solidFill>
-                <a:effectLst/>
-                <a:latin typeface="JetBrains Mono"/>
-              </a:rPr>
-              <a:t>1</a:t>
-            </a:r>
-            <a:r>
-              <a:rPr kumimoji="0" lang="en-US" altLang="en-US" sz="1000" b="0" i="0" u="none" strike="noStrike" cap="none" normalizeH="0" baseline="0" smtClean="0">
-                <a:ln>
-                  <a:noFill/>
-                </a:ln>
-                <a:solidFill>
-                  <a:srgbClr val="CC7832"/>
-                </a:solidFill>
-                <a:effectLst/>
-                <a:latin typeface="JetBrains Mono"/>
-              </a:rPr>
-              <a:t>, </a:t>
-            </a:r>
-            <a:r>
-              <a:rPr kumimoji="0" lang="en-US" altLang="en-US" sz="1000" b="0" i="0" u="none" strike="noStrike" cap="none" normalizeH="0" baseline="0" smtClean="0">
-                <a:ln>
-                  <a:noFill/>
-                </a:ln>
-                <a:solidFill>
-                  <a:srgbClr val="6897BB"/>
-                </a:solidFill>
-                <a:effectLst/>
-                <a:latin typeface="JetBrains Mono"/>
-              </a:rPr>
-              <a:t>1</a:t>
-            </a:r>
-            <a:r>
-              <a:rPr kumimoji="0" lang="en-US" altLang="en-US" sz="1000" b="0" i="0" u="none" strike="noStrike" cap="none" normalizeH="0" baseline="0" smtClean="0">
-                <a:ln>
-                  <a:noFill/>
-                </a:ln>
-                <a:solidFill>
-                  <a:srgbClr val="CC7832"/>
-                </a:solidFill>
-                <a:effectLst/>
-                <a:latin typeface="JetBrains Mono"/>
-              </a:rPr>
-              <a:t>, </a:t>
-            </a:r>
-            <a:r>
-              <a:rPr kumimoji="0" lang="en-US" altLang="en-US" sz="1000" b="0" i="0" u="none" strike="noStrike" cap="none" normalizeH="0" baseline="0" smtClean="0">
-                <a:ln>
-                  <a:noFill/>
-                </a:ln>
-                <a:solidFill>
-                  <a:srgbClr val="6A8759"/>
-                </a:solidFill>
-                <a:effectLst/>
-                <a:latin typeface="JetBrains Mono"/>
-              </a:rPr>
-              <a:t>'M'</a:t>
-            </a:r>
-            <a:r>
-              <a:rPr kumimoji="0" lang="en-US" altLang="en-US" sz="1000" b="0" i="0" u="none" strike="noStrike" cap="none" normalizeH="0" baseline="0" smtClean="0">
+              <a:t>2</a:t>
+            </a:r>
+            <a:r>
+              <a:rPr kumimoji="0" lang="en-US" altLang="en-US" sz="1000" b="0" i="0" u="none" strike="noStrike" cap="none" normalizeH="0" baseline="0" dirty="0" smtClean="0">
                 <a:ln>
                   <a:noFill/>
                 </a:ln>
@@ -18774,499 +21694,7 @@
               <a:t>)</a:t>
             </a:r>
             <a:r>
-              <a:rPr kumimoji="0" lang="en-US" altLang="en-US" sz="1000" b="0" i="0" u="none" strike="noStrike" cap="none" normalizeH="0" baseline="0" smtClean="0">
-                <a:ln>
-                  <a:noFill/>
-                </a:ln>
-                <a:solidFill>
-                  <a:srgbClr val="CC7832"/>
-                </a:solidFill>
-                <a:effectLst/>
-                <a:latin typeface="JetBrains Mono"/>
-              </a:rPr>
-              <a:t>,</a:t>
-            </a:r>
-            <a:br>
-              <a:rPr kumimoji="0" lang="en-US" altLang="en-US" sz="1000" b="0" i="0" u="none" strike="noStrike" cap="none" normalizeH="0" baseline="0" smtClean="0">
-                <a:ln>
-                  <a:noFill/>
-                </a:ln>
-                <a:solidFill>
-                  <a:srgbClr val="CC7832"/>
-                </a:solidFill>
-                <a:effectLst/>
-                <a:latin typeface="JetBrains Mono"/>
-              </a:rPr>
-            </a:br>
-            <a:r>
-              <a:rPr kumimoji="0" lang="en-US" altLang="en-US" sz="1000" b="0" i="0" u="none" strike="noStrike" cap="none" normalizeH="0" baseline="0" smtClean="0">
-                <a:ln>
-                  <a:noFill/>
-                </a:ln>
-                <a:solidFill>
-                  <a:srgbClr val="A9B7C6"/>
-                </a:solidFill>
-                <a:effectLst/>
-                <a:latin typeface="JetBrains Mono"/>
-              </a:rPr>
-              <a:t>(</a:t>
-            </a:r>
-            <a:r>
-              <a:rPr kumimoji="0" lang="en-US" altLang="en-US" sz="1000" b="0" i="0" u="none" strike="noStrike" cap="none" normalizeH="0" baseline="0" smtClean="0">
-                <a:ln>
-                  <a:noFill/>
-                </a:ln>
-                <a:solidFill>
-                  <a:srgbClr val="6A8759"/>
-                </a:solidFill>
-                <a:effectLst/>
-                <a:latin typeface="JetBrains Mono"/>
-              </a:rPr>
-              <a:t>'ELENA'</a:t>
-            </a:r>
-            <a:r>
-              <a:rPr kumimoji="0" lang="en-US" altLang="en-US" sz="1000" b="0" i="0" u="none" strike="noStrike" cap="none" normalizeH="0" baseline="0" smtClean="0">
-                <a:ln>
-                  <a:noFill/>
-                </a:ln>
-                <a:solidFill>
-                  <a:srgbClr val="CC7832"/>
-                </a:solidFill>
-                <a:effectLst/>
-                <a:latin typeface="JetBrains Mono"/>
-              </a:rPr>
-              <a:t>, </a:t>
-            </a:r>
-            <a:r>
-              <a:rPr kumimoji="0" lang="en-US" altLang="en-US" sz="1000" b="0" i="0" u="none" strike="noStrike" cap="none" normalizeH="0" baseline="0" smtClean="0">
-                <a:ln>
-                  <a:noFill/>
-                </a:ln>
-                <a:solidFill>
-                  <a:srgbClr val="6A8759"/>
-                </a:solidFill>
-                <a:effectLst/>
-                <a:latin typeface="JetBrains Mono"/>
-              </a:rPr>
-              <a:t>'ROMERO ALARCON'</a:t>
-            </a:r>
-            <a:r>
-              <a:rPr kumimoji="0" lang="en-US" altLang="en-US" sz="1000" b="0" i="0" u="none" strike="noStrike" cap="none" normalizeH="0" baseline="0" smtClean="0">
-                <a:ln>
-                  <a:noFill/>
-                </a:ln>
-                <a:solidFill>
-                  <a:srgbClr val="CC7832"/>
-                </a:solidFill>
-                <a:effectLst/>
-                <a:latin typeface="JetBrains Mono"/>
-              </a:rPr>
-              <a:t>, </a:t>
-            </a:r>
-            <a:r>
-              <a:rPr kumimoji="0" lang="en-US" altLang="en-US" sz="1000" b="0" i="0" u="none" strike="noStrike" cap="none" normalizeH="0" baseline="0" smtClean="0">
-                <a:ln>
-                  <a:noFill/>
-                </a:ln>
-                <a:solidFill>
-                  <a:srgbClr val="6A8759"/>
-                </a:solidFill>
-                <a:effectLst/>
-                <a:latin typeface="JetBrains Mono"/>
-              </a:rPr>
-              <a:t>'1997-09-1'</a:t>
-            </a:r>
-            <a:r>
-              <a:rPr kumimoji="0" lang="en-US" altLang="en-US" sz="1000" b="0" i="0" u="none" strike="noStrike" cap="none" normalizeH="0" baseline="0" smtClean="0">
-                <a:ln>
-                  <a:noFill/>
-                </a:ln>
-                <a:solidFill>
-                  <a:srgbClr val="CC7832"/>
-                </a:solidFill>
-                <a:effectLst/>
-                <a:latin typeface="JetBrains Mono"/>
-              </a:rPr>
-              <a:t>, </a:t>
-            </a:r>
-            <a:r>
-              <a:rPr kumimoji="0" lang="en-US" altLang="en-US" sz="1000" b="0" i="0" u="none" strike="noStrike" cap="none" normalizeH="0" baseline="0" smtClean="0">
-                <a:ln>
-                  <a:noFill/>
-                </a:ln>
-                <a:solidFill>
-                  <a:srgbClr val="6897BB"/>
-                </a:solidFill>
-                <a:effectLst/>
-                <a:latin typeface="JetBrains Mono"/>
-              </a:rPr>
-              <a:t>23</a:t>
-            </a:r>
-            <a:r>
-              <a:rPr kumimoji="0" lang="en-US" altLang="en-US" sz="1000" b="0" i="0" u="none" strike="noStrike" cap="none" normalizeH="0" baseline="0" smtClean="0">
-                <a:ln>
-                  <a:noFill/>
-                </a:ln>
-                <a:solidFill>
-                  <a:srgbClr val="CC7832"/>
-                </a:solidFill>
-                <a:effectLst/>
-                <a:latin typeface="JetBrains Mono"/>
-              </a:rPr>
-              <a:t>, </a:t>
-            </a:r>
-            <a:r>
-              <a:rPr kumimoji="0" lang="en-US" altLang="en-US" sz="1000" b="0" i="0" u="none" strike="noStrike" cap="none" normalizeH="0" baseline="0" smtClean="0">
-                <a:ln>
-                  <a:noFill/>
-                </a:ln>
-                <a:solidFill>
-                  <a:srgbClr val="6A8759"/>
-                </a:solidFill>
-                <a:effectLst/>
-                <a:latin typeface="JetBrains Mono"/>
-              </a:rPr>
-              <a:t>'ROMAL@GMAIL.COM'</a:t>
-            </a:r>
-            <a:r>
-              <a:rPr kumimoji="0" lang="en-US" altLang="en-US" sz="1000" b="0" i="0" u="none" strike="noStrike" cap="none" normalizeH="0" baseline="0" smtClean="0">
-                <a:ln>
-                  <a:noFill/>
-                </a:ln>
-                <a:solidFill>
-                  <a:srgbClr val="CC7832"/>
-                </a:solidFill>
-                <a:effectLst/>
-                <a:latin typeface="JetBrains Mono"/>
-              </a:rPr>
-              <a:t>, </a:t>
-            </a:r>
-            <a:r>
-              <a:rPr kumimoji="0" lang="en-US" altLang="en-US" sz="1000" b="0" i="0" u="none" strike="noStrike" cap="none" normalizeH="0" baseline="0" smtClean="0">
-                <a:ln>
-                  <a:noFill/>
-                </a:ln>
-                <a:solidFill>
-                  <a:srgbClr val="6897BB"/>
-                </a:solidFill>
-                <a:effectLst/>
-                <a:latin typeface="JetBrains Mono"/>
-              </a:rPr>
-              <a:t>2</a:t>
-            </a:r>
-            <a:r>
-              <a:rPr kumimoji="0" lang="en-US" altLang="en-US" sz="1000" b="0" i="0" u="none" strike="noStrike" cap="none" normalizeH="0" baseline="0" smtClean="0">
-                <a:ln>
-                  <a:noFill/>
-                </a:ln>
-                <a:solidFill>
-                  <a:srgbClr val="CC7832"/>
-                </a:solidFill>
-                <a:effectLst/>
-                <a:latin typeface="JetBrains Mono"/>
-              </a:rPr>
-              <a:t>, </a:t>
-            </a:r>
-            <a:r>
-              <a:rPr kumimoji="0" lang="en-US" altLang="en-US" sz="1000" b="0" i="0" u="none" strike="noStrike" cap="none" normalizeH="0" baseline="0" smtClean="0">
-                <a:ln>
-                  <a:noFill/>
-                </a:ln>
-                <a:solidFill>
-                  <a:srgbClr val="6897BB"/>
-                </a:solidFill>
-                <a:effectLst/>
-                <a:latin typeface="JetBrains Mono"/>
-              </a:rPr>
-              <a:t>3</a:t>
-            </a:r>
-            <a:r>
-              <a:rPr kumimoji="0" lang="en-US" altLang="en-US" sz="1000" b="0" i="0" u="none" strike="noStrike" cap="none" normalizeH="0" baseline="0" smtClean="0">
-                <a:ln>
-                  <a:noFill/>
-                </a:ln>
-                <a:solidFill>
-                  <a:srgbClr val="CC7832"/>
-                </a:solidFill>
-                <a:effectLst/>
-                <a:latin typeface="JetBrains Mono"/>
-              </a:rPr>
-              <a:t>, </a:t>
-            </a:r>
-            <a:r>
-              <a:rPr kumimoji="0" lang="en-US" altLang="en-US" sz="1000" b="0" i="0" u="none" strike="noStrike" cap="none" normalizeH="0" baseline="0" smtClean="0">
-                <a:ln>
-                  <a:noFill/>
-                </a:ln>
-                <a:solidFill>
-                  <a:srgbClr val="6A8759"/>
-                </a:solidFill>
-                <a:effectLst/>
-                <a:latin typeface="JetBrains Mono"/>
-              </a:rPr>
-              <a:t>'F'</a:t>
-            </a:r>
-            <a:r>
-              <a:rPr kumimoji="0" lang="en-US" altLang="en-US" sz="1000" b="0" i="0" u="none" strike="noStrike" cap="none" normalizeH="0" baseline="0" smtClean="0">
-                <a:ln>
-                  <a:noFill/>
-                </a:ln>
-                <a:solidFill>
-                  <a:srgbClr val="A9B7C6"/>
-                </a:solidFill>
-                <a:effectLst/>
-                <a:latin typeface="JetBrains Mono"/>
-              </a:rPr>
-              <a:t>)</a:t>
-            </a:r>
-            <a:r>
-              <a:rPr kumimoji="0" lang="en-US" altLang="en-US" sz="1000" b="0" i="0" u="none" strike="noStrike" cap="none" normalizeH="0" baseline="0" smtClean="0">
-                <a:ln>
-                  <a:noFill/>
-                </a:ln>
-                <a:solidFill>
-                  <a:srgbClr val="CC7832"/>
-                </a:solidFill>
-                <a:effectLst/>
-                <a:latin typeface="JetBrains Mono"/>
-              </a:rPr>
-              <a:t>,</a:t>
-            </a:r>
-            <a:br>
-              <a:rPr kumimoji="0" lang="en-US" altLang="en-US" sz="1000" b="0" i="0" u="none" strike="noStrike" cap="none" normalizeH="0" baseline="0" smtClean="0">
-                <a:ln>
-                  <a:noFill/>
-                </a:ln>
-                <a:solidFill>
-                  <a:srgbClr val="CC7832"/>
-                </a:solidFill>
-                <a:effectLst/>
-                <a:latin typeface="JetBrains Mono"/>
-              </a:rPr>
-            </a:br>
-            <a:r>
-              <a:rPr kumimoji="0" lang="en-US" altLang="en-US" sz="1000" b="0" i="0" u="none" strike="noStrike" cap="none" normalizeH="0" baseline="0" smtClean="0">
-                <a:ln>
-                  <a:noFill/>
-                </a:ln>
-                <a:solidFill>
-                  <a:srgbClr val="A9B7C6"/>
-                </a:solidFill>
-                <a:effectLst/>
-                <a:latin typeface="JetBrains Mono"/>
-              </a:rPr>
-              <a:t>(</a:t>
-            </a:r>
-            <a:r>
-              <a:rPr kumimoji="0" lang="en-US" altLang="en-US" sz="1000" b="0" i="0" u="none" strike="noStrike" cap="none" normalizeH="0" baseline="0" smtClean="0">
-                <a:ln>
-                  <a:noFill/>
-                </a:ln>
-                <a:solidFill>
-                  <a:srgbClr val="6A8759"/>
-                </a:solidFill>
-                <a:effectLst/>
-                <a:latin typeface="JetBrains Mono"/>
-              </a:rPr>
-              <a:t>'KARINA'</a:t>
-            </a:r>
-            <a:r>
-              <a:rPr kumimoji="0" lang="en-US" altLang="en-US" sz="1000" b="0" i="0" u="none" strike="noStrike" cap="none" normalizeH="0" baseline="0" smtClean="0">
-                <a:ln>
-                  <a:noFill/>
-                </a:ln>
-                <a:solidFill>
-                  <a:srgbClr val="CC7832"/>
-                </a:solidFill>
-                <a:effectLst/>
-                <a:latin typeface="JetBrains Mono"/>
-              </a:rPr>
-              <a:t>, </a:t>
-            </a:r>
-            <a:r>
-              <a:rPr kumimoji="0" lang="en-US" altLang="en-US" sz="1000" b="0" i="0" u="none" strike="noStrike" cap="none" normalizeH="0" baseline="0" smtClean="0">
-                <a:ln>
-                  <a:noFill/>
-                </a:ln>
-                <a:solidFill>
-                  <a:srgbClr val="6A8759"/>
-                </a:solidFill>
-                <a:effectLst/>
-                <a:latin typeface="JetBrains Mono"/>
-              </a:rPr>
-              <a:t>'PACAJES PAZ'</a:t>
-            </a:r>
-            <a:r>
-              <a:rPr kumimoji="0" lang="en-US" altLang="en-US" sz="1000" b="0" i="0" u="none" strike="noStrike" cap="none" normalizeH="0" baseline="0" smtClean="0">
-                <a:ln>
-                  <a:noFill/>
-                </a:ln>
-                <a:solidFill>
-                  <a:srgbClr val="CC7832"/>
-                </a:solidFill>
-                <a:effectLst/>
-                <a:latin typeface="JetBrains Mono"/>
-              </a:rPr>
-              <a:t>, </a:t>
-            </a:r>
-            <a:r>
-              <a:rPr kumimoji="0" lang="en-US" altLang="en-US" sz="1000" b="0" i="0" u="none" strike="noStrike" cap="none" normalizeH="0" baseline="0" smtClean="0">
-                <a:ln>
-                  <a:noFill/>
-                </a:ln>
-                <a:solidFill>
-                  <a:srgbClr val="6A8759"/>
-                </a:solidFill>
-                <a:effectLst/>
-                <a:latin typeface="JetBrains Mono"/>
-              </a:rPr>
-              <a:t>'2000-10-10'</a:t>
-            </a:r>
-            <a:r>
-              <a:rPr kumimoji="0" lang="en-US" altLang="en-US" sz="1000" b="0" i="0" u="none" strike="noStrike" cap="none" normalizeH="0" baseline="0" smtClean="0">
-                <a:ln>
-                  <a:noFill/>
-                </a:ln>
-                <a:solidFill>
-                  <a:srgbClr val="CC7832"/>
-                </a:solidFill>
-                <a:effectLst/>
-                <a:latin typeface="JetBrains Mono"/>
-              </a:rPr>
-              <a:t>, </a:t>
-            </a:r>
-            <a:r>
-              <a:rPr kumimoji="0" lang="en-US" altLang="en-US" sz="1000" b="0" i="0" u="none" strike="noStrike" cap="none" normalizeH="0" baseline="0" smtClean="0">
-                <a:ln>
-                  <a:noFill/>
-                </a:ln>
-                <a:solidFill>
-                  <a:srgbClr val="6897BB"/>
-                </a:solidFill>
-                <a:effectLst/>
-                <a:latin typeface="JetBrains Mono"/>
-              </a:rPr>
-              <a:t>22</a:t>
-            </a:r>
-            <a:r>
-              <a:rPr kumimoji="0" lang="en-US" altLang="en-US" sz="1000" b="0" i="0" u="none" strike="noStrike" cap="none" normalizeH="0" baseline="0" smtClean="0">
-                <a:ln>
-                  <a:noFill/>
-                </a:ln>
-                <a:solidFill>
-                  <a:srgbClr val="CC7832"/>
-                </a:solidFill>
-                <a:effectLst/>
-                <a:latin typeface="JetBrains Mono"/>
-              </a:rPr>
-              <a:t>, </a:t>
-            </a:r>
-            <a:r>
-              <a:rPr kumimoji="0" lang="en-US" altLang="en-US" sz="1000" b="0" i="0" u="none" strike="noStrike" cap="none" normalizeH="0" baseline="0" smtClean="0">
-                <a:ln>
-                  <a:noFill/>
-                </a:ln>
-                <a:solidFill>
-                  <a:srgbClr val="6A8759"/>
-                </a:solidFill>
-                <a:effectLst/>
-                <a:latin typeface="JetBrains Mono"/>
-              </a:rPr>
-              <a:t>'KARINA@GMAIL.COM'</a:t>
-            </a:r>
-            <a:r>
-              <a:rPr kumimoji="0" lang="en-US" altLang="en-US" sz="1000" b="0" i="0" u="none" strike="noStrike" cap="none" normalizeH="0" baseline="0" smtClean="0">
-                <a:ln>
-                  <a:noFill/>
-                </a:ln>
-                <a:solidFill>
-                  <a:srgbClr val="CC7832"/>
-                </a:solidFill>
-                <a:effectLst/>
-                <a:latin typeface="JetBrains Mono"/>
-              </a:rPr>
-              <a:t>, </a:t>
-            </a:r>
-            <a:r>
-              <a:rPr kumimoji="0" lang="en-US" altLang="en-US" sz="1000" b="0" i="0" u="none" strike="noStrike" cap="none" normalizeH="0" baseline="0" smtClean="0">
-                <a:ln>
-                  <a:noFill/>
-                </a:ln>
-                <a:solidFill>
-                  <a:srgbClr val="6897BB"/>
-                </a:solidFill>
-                <a:effectLst/>
-                <a:latin typeface="JetBrains Mono"/>
-              </a:rPr>
-              <a:t>3</a:t>
-            </a:r>
-            <a:r>
-              <a:rPr kumimoji="0" lang="en-US" altLang="en-US" sz="1000" b="0" i="0" u="none" strike="noStrike" cap="none" normalizeH="0" baseline="0" smtClean="0">
-                <a:ln>
-                  <a:noFill/>
-                </a:ln>
-                <a:solidFill>
-                  <a:srgbClr val="CC7832"/>
-                </a:solidFill>
-                <a:effectLst/>
-                <a:latin typeface="JetBrains Mono"/>
-              </a:rPr>
-              <a:t>,</a:t>
-            </a:r>
-            <a:r>
-              <a:rPr kumimoji="0" lang="en-US" altLang="en-US" sz="1000" b="0" i="0" u="none" strike="noStrike" cap="none" normalizeH="0" baseline="0" smtClean="0">
-                <a:ln>
-                  <a:noFill/>
-                </a:ln>
-                <a:solidFill>
-                  <a:srgbClr val="6897BB"/>
-                </a:solidFill>
-                <a:effectLst/>
-                <a:latin typeface="JetBrains Mono"/>
-              </a:rPr>
-              <a:t>6</a:t>
-            </a:r>
-            <a:r>
-              <a:rPr kumimoji="0" lang="en-US" altLang="en-US" sz="1000" b="0" i="0" u="none" strike="noStrike" cap="none" normalizeH="0" baseline="0" smtClean="0">
-                <a:ln>
-                  <a:noFill/>
-                </a:ln>
-                <a:solidFill>
-                  <a:srgbClr val="CC7832"/>
-                </a:solidFill>
-                <a:effectLst/>
-                <a:latin typeface="JetBrains Mono"/>
-              </a:rPr>
-              <a:t>, </a:t>
-            </a:r>
-            <a:r>
-              <a:rPr kumimoji="0" lang="en-US" altLang="en-US" sz="1000" b="0" i="0" u="none" strike="noStrike" cap="none" normalizeH="0" baseline="0" smtClean="0">
-                <a:ln>
-                  <a:noFill/>
-                </a:ln>
-                <a:solidFill>
-                  <a:srgbClr val="6A8759"/>
-                </a:solidFill>
-                <a:effectLst/>
-                <a:latin typeface="JetBrains Mono"/>
-              </a:rPr>
-              <a:t>'F'</a:t>
-            </a:r>
-            <a:r>
-              <a:rPr kumimoji="0" lang="en-US" altLang="en-US" sz="1000" b="0" i="0" u="none" strike="noStrike" cap="none" normalizeH="0" baseline="0" smtClean="0">
-                <a:ln>
-                  <a:noFill/>
-                </a:ln>
-                <a:solidFill>
-                  <a:srgbClr val="A9B7C6"/>
-                </a:solidFill>
-                <a:effectLst/>
-                <a:latin typeface="JetBrains Mono"/>
-              </a:rPr>
-              <a:t>)</a:t>
-            </a:r>
-            <a:r>
-              <a:rPr kumimoji="0" lang="en-US" altLang="en-US" sz="1000" b="0" i="0" u="none" strike="noStrike" cap="none" normalizeH="0" baseline="0" smtClean="0">
+              <a:rPr kumimoji="0" lang="en-US" altLang="en-US" sz="1000" b="0" i="0" u="none" strike="noStrike" cap="none" normalizeH="0" baseline="0" dirty="0" smtClean="0">
                 <a:ln>
                   <a:noFill/>
                 </a:ln>
@@ -19278,1277 +21706,7 @@
               </a:rPr>
               <a:t>;</a:t>
             </a:r>
-            <a:br>
-              <a:rPr kumimoji="0" lang="en-US" altLang="en-US" sz="1000" b="0" i="0" u="none" strike="noStrike" cap="none" normalizeH="0" baseline="0" smtClean="0">
-                <a:ln>
-                  <a:noFill/>
-                </a:ln>
-                <a:solidFill>
-                  <a:srgbClr val="CC7832"/>
-                </a:solidFill>
-                <a:effectLst/>
-                <a:latin typeface="JetBrains Mono"/>
-              </a:rPr>
-            </a:br>
-            <a:r>
-              <a:rPr kumimoji="0" lang="en-US" altLang="en-US" sz="1000" b="0" i="0" u="none" strike="noStrike" cap="none" normalizeH="0" baseline="0" smtClean="0">
-                <a:ln>
-                  <a:noFill/>
-                </a:ln>
-                <a:solidFill>
-                  <a:srgbClr val="CC7832"/>
-                </a:solidFill>
-                <a:effectLst/>
-                <a:latin typeface="JetBrains Mono"/>
-              </a:rPr>
-              <a:t/>
-            </a:r>
-            <a:br>
-              <a:rPr kumimoji="0" lang="en-US" altLang="en-US" sz="1000" b="0" i="0" u="none" strike="noStrike" cap="none" normalizeH="0" baseline="0" smtClean="0">
-                <a:ln>
-                  <a:noFill/>
-                </a:ln>
-                <a:solidFill>
-                  <a:srgbClr val="CC7832"/>
-                </a:solidFill>
-                <a:effectLst/>
-                <a:latin typeface="JetBrains Mono"/>
-              </a:rPr>
-            </a:br>
-            <a:r>
-              <a:rPr kumimoji="0" lang="en-US" altLang="en-US" sz="1000" b="0" i="0" u="none" strike="noStrike" cap="none" normalizeH="0" baseline="0" smtClean="0">
-                <a:ln>
-                  <a:noFill/>
-                </a:ln>
-                <a:solidFill>
-                  <a:srgbClr val="CC7832"/>
-                </a:solidFill>
-                <a:effectLst/>
-                <a:latin typeface="JetBrains Mono"/>
-              </a:rPr>
-              <a:t>INSERT INTO </a:t>
-            </a:r>
-            <a:r>
-              <a:rPr kumimoji="0" lang="en-US" altLang="en-US" sz="1000" b="0" i="0" u="none" strike="noStrike" cap="none" normalizeH="0" baseline="0" smtClean="0">
-                <a:ln>
-                  <a:noFill/>
-                </a:ln>
-                <a:solidFill>
-                  <a:srgbClr val="A9B7C6"/>
-                </a:solidFill>
-                <a:effectLst/>
-                <a:latin typeface="JetBrains Mono"/>
-              </a:rPr>
-              <a:t>PROVINCIA(</a:t>
-            </a:r>
-            <a:r>
-              <a:rPr kumimoji="0" lang="en-US" altLang="en-US" sz="1000" b="0" i="0" u="none" strike="noStrike" cap="none" normalizeH="0" baseline="0" smtClean="0">
-                <a:ln>
-                  <a:noFill/>
-                </a:ln>
-                <a:solidFill>
-                  <a:srgbClr val="9876AA"/>
-                </a:solidFill>
-                <a:effectLst/>
-                <a:latin typeface="JetBrains Mono"/>
-              </a:rPr>
-              <a:t>NOMBRE</a:t>
-            </a:r>
-            <a:r>
-              <a:rPr kumimoji="0" lang="en-US" altLang="en-US" sz="1000" b="0" i="0" u="none" strike="noStrike" cap="none" normalizeH="0" baseline="0" smtClean="0">
-                <a:ln>
-                  <a:noFill/>
-                </a:ln>
-                <a:solidFill>
-                  <a:srgbClr val="CC7832"/>
-                </a:solidFill>
-                <a:effectLst/>
-                <a:latin typeface="JetBrains Mono"/>
-              </a:rPr>
-              <a:t>, </a:t>
-            </a:r>
-            <a:r>
-              <a:rPr kumimoji="0" lang="en-US" altLang="en-US" sz="1000" b="0" i="0" u="none" strike="noStrike" cap="none" normalizeH="0" baseline="0" smtClean="0">
-                <a:ln>
-                  <a:noFill/>
-                </a:ln>
-                <a:solidFill>
-                  <a:srgbClr val="9876AA"/>
-                </a:solidFill>
-                <a:effectLst/>
-                <a:latin typeface="JetBrains Mono"/>
-              </a:rPr>
-              <a:t>ID_DEP</a:t>
-            </a:r>
-            <a:r>
-              <a:rPr kumimoji="0" lang="en-US" altLang="en-US" sz="1000" b="0" i="0" u="none" strike="noStrike" cap="none" normalizeH="0" baseline="0" smtClean="0">
-                <a:ln>
-                  <a:noFill/>
-                </a:ln>
-                <a:solidFill>
-                  <a:srgbClr val="A9B7C6"/>
-                </a:solidFill>
-                <a:effectLst/>
-                <a:latin typeface="JetBrains Mono"/>
-              </a:rPr>
-              <a:t>) </a:t>
-            </a:r>
-            <a:r>
-              <a:rPr kumimoji="0" lang="en-US" altLang="en-US" sz="1000" b="0" i="0" u="none" strike="noStrike" cap="none" normalizeH="0" baseline="0" smtClean="0">
-                <a:ln>
-                  <a:noFill/>
-                </a:ln>
-                <a:solidFill>
-                  <a:srgbClr val="CC7832"/>
-                </a:solidFill>
-                <a:effectLst/>
-                <a:latin typeface="JetBrains Mono"/>
-              </a:rPr>
-              <a:t>VALUES</a:t>
-            </a:r>
-            <a:br>
-              <a:rPr kumimoji="0" lang="en-US" altLang="en-US" sz="1000" b="0" i="0" u="none" strike="noStrike" cap="none" normalizeH="0" baseline="0" smtClean="0">
-                <a:ln>
-                  <a:noFill/>
-                </a:ln>
-                <a:solidFill>
-                  <a:srgbClr val="CC7832"/>
-                </a:solidFill>
-                <a:effectLst/>
-                <a:latin typeface="JetBrains Mono"/>
-              </a:rPr>
-            </a:br>
-            <a:r>
-              <a:rPr kumimoji="0" lang="en-US" altLang="en-US" sz="1000" b="0" i="0" u="none" strike="noStrike" cap="none" normalizeH="0" baseline="0" smtClean="0">
-                <a:ln>
-                  <a:noFill/>
-                </a:ln>
-                <a:solidFill>
-                  <a:srgbClr val="A9B7C6"/>
-                </a:solidFill>
-                <a:effectLst/>
-                <a:latin typeface="JetBrains Mono"/>
-              </a:rPr>
-              <a:t>(</a:t>
-            </a:r>
-            <a:r>
-              <a:rPr kumimoji="0" lang="en-US" altLang="en-US" sz="1000" b="0" i="0" u="none" strike="noStrike" cap="none" normalizeH="0" baseline="0" smtClean="0">
-                <a:ln>
-                  <a:noFill/>
-                </a:ln>
-                <a:solidFill>
-                  <a:srgbClr val="6A8759"/>
-                </a:solidFill>
-                <a:effectLst/>
-                <a:latin typeface="JetBrains Mono"/>
-              </a:rPr>
-              <a:t>'PACAJES'</a:t>
-            </a:r>
-            <a:r>
-              <a:rPr kumimoji="0" lang="en-US" altLang="en-US" sz="1000" b="0" i="0" u="none" strike="noStrike" cap="none" normalizeH="0" baseline="0" smtClean="0">
-                <a:ln>
-                  <a:noFill/>
-                </a:ln>
-                <a:solidFill>
-                  <a:srgbClr val="CC7832"/>
-                </a:solidFill>
-                <a:effectLst/>
-                <a:latin typeface="JetBrains Mono"/>
-              </a:rPr>
-              <a:t>, </a:t>
-            </a:r>
-            <a:r>
-              <a:rPr kumimoji="0" lang="en-US" altLang="en-US" sz="1000" b="0" i="0" u="none" strike="noStrike" cap="none" normalizeH="0" baseline="0" smtClean="0">
-                <a:ln>
-                  <a:noFill/>
-                </a:ln>
-                <a:solidFill>
-                  <a:srgbClr val="6897BB"/>
-                </a:solidFill>
-                <a:effectLst/>
-                <a:latin typeface="JetBrains Mono"/>
-              </a:rPr>
-              <a:t>1</a:t>
-            </a:r>
-            <a:r>
-              <a:rPr kumimoji="0" lang="en-US" altLang="en-US" sz="1000" b="0" i="0" u="none" strike="noStrike" cap="none" normalizeH="0" baseline="0" smtClean="0">
-                <a:ln>
-                  <a:noFill/>
-                </a:ln>
-                <a:solidFill>
-                  <a:srgbClr val="A9B7C6"/>
-                </a:solidFill>
-                <a:effectLst/>
-                <a:latin typeface="JetBrains Mono"/>
-              </a:rPr>
-              <a:t>)</a:t>
-            </a:r>
-            <a:r>
-              <a:rPr kumimoji="0" lang="en-US" altLang="en-US" sz="1000" b="0" i="0" u="none" strike="noStrike" cap="none" normalizeH="0" baseline="0" smtClean="0">
-                <a:ln>
-                  <a:noFill/>
-                </a:ln>
-                <a:solidFill>
-                  <a:srgbClr val="CC7832"/>
-                </a:solidFill>
-                <a:effectLst/>
-                <a:latin typeface="JetBrains Mono"/>
-              </a:rPr>
-              <a:t>,</a:t>
-            </a:r>
-            <a:br>
-              <a:rPr kumimoji="0" lang="en-US" altLang="en-US" sz="1000" b="0" i="0" u="none" strike="noStrike" cap="none" normalizeH="0" baseline="0" smtClean="0">
-                <a:ln>
-                  <a:noFill/>
-                </a:ln>
-                <a:solidFill>
-                  <a:srgbClr val="CC7832"/>
-                </a:solidFill>
-                <a:effectLst/>
-                <a:latin typeface="JetBrains Mono"/>
-              </a:rPr>
-            </a:br>
-            <a:r>
-              <a:rPr kumimoji="0" lang="en-US" altLang="en-US" sz="1000" b="0" i="0" u="none" strike="noStrike" cap="none" normalizeH="0" baseline="0" smtClean="0">
-                <a:ln>
-                  <a:noFill/>
-                </a:ln>
-                <a:solidFill>
-                  <a:srgbClr val="A9B7C6"/>
-                </a:solidFill>
-                <a:effectLst/>
-                <a:latin typeface="JetBrains Mono"/>
-              </a:rPr>
-              <a:t>(</a:t>
-            </a:r>
-            <a:r>
-              <a:rPr kumimoji="0" lang="en-US" altLang="en-US" sz="1000" b="0" i="0" u="none" strike="noStrike" cap="none" normalizeH="0" baseline="0" smtClean="0">
-                <a:ln>
-                  <a:noFill/>
-                </a:ln>
-                <a:solidFill>
-                  <a:srgbClr val="6A8759"/>
-                </a:solidFill>
-                <a:effectLst/>
-                <a:latin typeface="JetBrains Mono"/>
-              </a:rPr>
-              <a:t>'ITURRALDE'</a:t>
-            </a:r>
-            <a:r>
-              <a:rPr kumimoji="0" lang="en-US" altLang="en-US" sz="1000" b="0" i="0" u="none" strike="noStrike" cap="none" normalizeH="0" baseline="0" smtClean="0">
-                <a:ln>
-                  <a:noFill/>
-                </a:ln>
-                <a:solidFill>
-                  <a:srgbClr val="CC7832"/>
-                </a:solidFill>
-                <a:effectLst/>
-                <a:latin typeface="JetBrains Mono"/>
-              </a:rPr>
-              <a:t>, </a:t>
-            </a:r>
-            <a:r>
-              <a:rPr kumimoji="0" lang="en-US" altLang="en-US" sz="1000" b="0" i="0" u="none" strike="noStrike" cap="none" normalizeH="0" baseline="0" smtClean="0">
-                <a:ln>
-                  <a:noFill/>
-                </a:ln>
-                <a:solidFill>
-                  <a:srgbClr val="6897BB"/>
-                </a:solidFill>
-                <a:effectLst/>
-                <a:latin typeface="JetBrains Mono"/>
-              </a:rPr>
-              <a:t>1</a:t>
-            </a:r>
-            <a:r>
-              <a:rPr kumimoji="0" lang="en-US" altLang="en-US" sz="1000" b="0" i="0" u="none" strike="noStrike" cap="none" normalizeH="0" baseline="0" smtClean="0">
-                <a:ln>
-                  <a:noFill/>
-                </a:ln>
-                <a:solidFill>
-                  <a:srgbClr val="A9B7C6"/>
-                </a:solidFill>
-                <a:effectLst/>
-                <a:latin typeface="JetBrains Mono"/>
-              </a:rPr>
-              <a:t>)</a:t>
-            </a:r>
-            <a:r>
-              <a:rPr kumimoji="0" lang="en-US" altLang="en-US" sz="1000" b="0" i="0" u="none" strike="noStrike" cap="none" normalizeH="0" baseline="0" smtClean="0">
-                <a:ln>
-                  <a:noFill/>
-                </a:ln>
-                <a:solidFill>
-                  <a:srgbClr val="CC7832"/>
-                </a:solidFill>
-                <a:effectLst/>
-                <a:latin typeface="JetBrains Mono"/>
-              </a:rPr>
-              <a:t>,</a:t>
-            </a:r>
-            <a:br>
-              <a:rPr kumimoji="0" lang="en-US" altLang="en-US" sz="1000" b="0" i="0" u="none" strike="noStrike" cap="none" normalizeH="0" baseline="0" smtClean="0">
-                <a:ln>
-                  <a:noFill/>
-                </a:ln>
-                <a:solidFill>
-                  <a:srgbClr val="CC7832"/>
-                </a:solidFill>
-                <a:effectLst/>
-                <a:latin typeface="JetBrains Mono"/>
-              </a:rPr>
-            </a:br>
-            <a:r>
-              <a:rPr kumimoji="0" lang="en-US" altLang="en-US" sz="1000" b="0" i="0" u="none" strike="noStrike" cap="none" normalizeH="0" baseline="0" smtClean="0">
-                <a:ln>
-                  <a:noFill/>
-                </a:ln>
-                <a:solidFill>
-                  <a:srgbClr val="A9B7C6"/>
-                </a:solidFill>
-                <a:effectLst/>
-                <a:latin typeface="JetBrains Mono"/>
-              </a:rPr>
-              <a:t>(</a:t>
-            </a:r>
-            <a:r>
-              <a:rPr kumimoji="0" lang="en-US" altLang="en-US" sz="1000" b="0" i="0" u="none" strike="noStrike" cap="none" normalizeH="0" baseline="0" smtClean="0">
-                <a:ln>
-                  <a:noFill/>
-                </a:ln>
-                <a:solidFill>
-                  <a:srgbClr val="6A8759"/>
-                </a:solidFill>
-                <a:effectLst/>
-                <a:latin typeface="JetBrains Mono"/>
-              </a:rPr>
-              <a:t>'CERCADO'</a:t>
-            </a:r>
-            <a:r>
-              <a:rPr kumimoji="0" lang="en-US" altLang="en-US" sz="1000" b="0" i="0" u="none" strike="noStrike" cap="none" normalizeH="0" baseline="0" smtClean="0">
-                <a:ln>
-                  <a:noFill/>
-                </a:ln>
-                <a:solidFill>
-                  <a:srgbClr val="CC7832"/>
-                </a:solidFill>
-                <a:effectLst/>
-                <a:latin typeface="JetBrains Mono"/>
-              </a:rPr>
-              <a:t>, </a:t>
-            </a:r>
-            <a:r>
-              <a:rPr kumimoji="0" lang="en-US" altLang="en-US" sz="1000" b="0" i="0" u="none" strike="noStrike" cap="none" normalizeH="0" baseline="0" smtClean="0">
-                <a:ln>
-                  <a:noFill/>
-                </a:ln>
-                <a:solidFill>
-                  <a:srgbClr val="6897BB"/>
-                </a:solidFill>
-                <a:effectLst/>
-                <a:latin typeface="JetBrains Mono"/>
-              </a:rPr>
-              <a:t>1</a:t>
-            </a:r>
-            <a:r>
-              <a:rPr kumimoji="0" lang="en-US" altLang="en-US" sz="1000" b="0" i="0" u="none" strike="noStrike" cap="none" normalizeH="0" baseline="0" smtClean="0">
-                <a:ln>
-                  <a:noFill/>
-                </a:ln>
-                <a:solidFill>
-                  <a:srgbClr val="A9B7C6"/>
-                </a:solidFill>
-                <a:effectLst/>
-                <a:latin typeface="JetBrains Mono"/>
-              </a:rPr>
-              <a:t>)</a:t>
-            </a:r>
-            <a:r>
-              <a:rPr kumimoji="0" lang="en-US" altLang="en-US" sz="1000" b="0" i="0" u="none" strike="noStrike" cap="none" normalizeH="0" baseline="0" smtClean="0">
-                <a:ln>
-                  <a:noFill/>
-                </a:ln>
-                <a:solidFill>
-                  <a:srgbClr val="CC7832"/>
-                </a:solidFill>
-                <a:effectLst/>
-                <a:latin typeface="JetBrains Mono"/>
-              </a:rPr>
-              <a:t>,</a:t>
-            </a:r>
-            <a:br>
-              <a:rPr kumimoji="0" lang="en-US" altLang="en-US" sz="1000" b="0" i="0" u="none" strike="noStrike" cap="none" normalizeH="0" baseline="0" smtClean="0">
-                <a:ln>
-                  <a:noFill/>
-                </a:ln>
-                <a:solidFill>
-                  <a:srgbClr val="CC7832"/>
-                </a:solidFill>
-                <a:effectLst/>
-                <a:latin typeface="JetBrains Mono"/>
-              </a:rPr>
-            </a:br>
-            <a:r>
-              <a:rPr kumimoji="0" lang="en-US" altLang="en-US" sz="1000" b="0" i="0" u="none" strike="noStrike" cap="none" normalizeH="0" baseline="0" smtClean="0">
-                <a:ln>
-                  <a:noFill/>
-                </a:ln>
-                <a:solidFill>
-                  <a:srgbClr val="A9B7C6"/>
-                </a:solidFill>
-                <a:effectLst/>
-                <a:latin typeface="JetBrains Mono"/>
-              </a:rPr>
-              <a:t>(</a:t>
-            </a:r>
-            <a:r>
-              <a:rPr kumimoji="0" lang="en-US" altLang="en-US" sz="1000" b="0" i="0" u="none" strike="noStrike" cap="none" normalizeH="0" baseline="0" smtClean="0">
-                <a:ln>
-                  <a:noFill/>
-                </a:ln>
-                <a:solidFill>
-                  <a:srgbClr val="6A8759"/>
-                </a:solidFill>
-                <a:effectLst/>
-                <a:latin typeface="JetBrains Mono"/>
-              </a:rPr>
-              <a:t>'AZURDUY'</a:t>
-            </a:r>
-            <a:r>
-              <a:rPr kumimoji="0" lang="en-US" altLang="en-US" sz="1000" b="0" i="0" u="none" strike="noStrike" cap="none" normalizeH="0" baseline="0" smtClean="0">
-                <a:ln>
-                  <a:noFill/>
-                </a:ln>
-                <a:solidFill>
-                  <a:srgbClr val="CC7832"/>
-                </a:solidFill>
-                <a:effectLst/>
-                <a:latin typeface="JetBrains Mono"/>
-              </a:rPr>
-              <a:t>, </a:t>
-            </a:r>
-            <a:r>
-              <a:rPr kumimoji="0" lang="en-US" altLang="en-US" sz="1000" b="0" i="0" u="none" strike="noStrike" cap="none" normalizeH="0" baseline="0" smtClean="0">
-                <a:ln>
-                  <a:noFill/>
-                </a:ln>
-                <a:solidFill>
-                  <a:srgbClr val="6897BB"/>
-                </a:solidFill>
-                <a:effectLst/>
-                <a:latin typeface="JetBrains Mono"/>
-              </a:rPr>
-              <a:t>2</a:t>
-            </a:r>
-            <a:r>
-              <a:rPr kumimoji="0" lang="en-US" altLang="en-US" sz="1000" b="0" i="0" u="none" strike="noStrike" cap="none" normalizeH="0" baseline="0" smtClean="0">
-                <a:ln>
-                  <a:noFill/>
-                </a:ln>
-                <a:solidFill>
-                  <a:srgbClr val="A9B7C6"/>
-                </a:solidFill>
-                <a:effectLst/>
-                <a:latin typeface="JetBrains Mono"/>
-              </a:rPr>
-              <a:t>)</a:t>
-            </a:r>
-            <a:r>
-              <a:rPr kumimoji="0" lang="en-US" altLang="en-US" sz="1000" b="0" i="0" u="none" strike="noStrike" cap="none" normalizeH="0" baseline="0" smtClean="0">
-                <a:ln>
-                  <a:noFill/>
-                </a:ln>
-                <a:solidFill>
-                  <a:srgbClr val="CC7832"/>
-                </a:solidFill>
-                <a:effectLst/>
-                <a:latin typeface="JetBrains Mono"/>
-              </a:rPr>
-              <a:t>,</a:t>
-            </a:r>
-            <a:br>
-              <a:rPr kumimoji="0" lang="en-US" altLang="en-US" sz="1000" b="0" i="0" u="none" strike="noStrike" cap="none" normalizeH="0" baseline="0" smtClean="0">
-                <a:ln>
-                  <a:noFill/>
-                </a:ln>
-                <a:solidFill>
-                  <a:srgbClr val="CC7832"/>
-                </a:solidFill>
-                <a:effectLst/>
-                <a:latin typeface="JetBrains Mono"/>
-              </a:rPr>
-            </a:br>
-            <a:r>
-              <a:rPr kumimoji="0" lang="en-US" altLang="en-US" sz="1000" b="0" i="0" u="none" strike="noStrike" cap="none" normalizeH="0" baseline="0" smtClean="0">
-                <a:ln>
-                  <a:noFill/>
-                </a:ln>
-                <a:solidFill>
-                  <a:srgbClr val="A9B7C6"/>
-                </a:solidFill>
-                <a:effectLst/>
-                <a:latin typeface="JetBrains Mono"/>
-              </a:rPr>
-              <a:t>(</a:t>
-            </a:r>
-            <a:r>
-              <a:rPr kumimoji="0" lang="en-US" altLang="en-US" sz="1000" b="0" i="0" u="none" strike="noStrike" cap="none" normalizeH="0" baseline="0" smtClean="0">
-                <a:ln>
-                  <a:noFill/>
-                </a:ln>
-                <a:solidFill>
-                  <a:srgbClr val="6A8759"/>
-                </a:solidFill>
-                <a:effectLst/>
-                <a:latin typeface="JetBrains Mono"/>
-              </a:rPr>
-              <a:t>'SACABA'</a:t>
-            </a:r>
-            <a:r>
-              <a:rPr kumimoji="0" lang="en-US" altLang="en-US" sz="1000" b="0" i="0" u="none" strike="noStrike" cap="none" normalizeH="0" baseline="0" smtClean="0">
-                <a:ln>
-                  <a:noFill/>
-                </a:ln>
-                <a:solidFill>
-                  <a:srgbClr val="CC7832"/>
-                </a:solidFill>
-                <a:effectLst/>
-                <a:latin typeface="JetBrains Mono"/>
-              </a:rPr>
-              <a:t>, </a:t>
-            </a:r>
-            <a:r>
-              <a:rPr kumimoji="0" lang="en-US" altLang="en-US" sz="1000" b="0" i="0" u="none" strike="noStrike" cap="none" normalizeH="0" baseline="0" smtClean="0">
-                <a:ln>
-                  <a:noFill/>
-                </a:ln>
-                <a:solidFill>
-                  <a:srgbClr val="6897BB"/>
-                </a:solidFill>
-                <a:effectLst/>
-                <a:latin typeface="JetBrains Mono"/>
-              </a:rPr>
-              <a:t>2</a:t>
-            </a:r>
-            <a:r>
-              <a:rPr kumimoji="0" lang="en-US" altLang="en-US" sz="1000" b="0" i="0" u="none" strike="noStrike" cap="none" normalizeH="0" baseline="0" smtClean="0">
-                <a:ln>
-                  <a:noFill/>
-                </a:ln>
-                <a:solidFill>
-                  <a:srgbClr val="A9B7C6"/>
-                </a:solidFill>
-                <a:effectLst/>
-                <a:latin typeface="JetBrains Mono"/>
-              </a:rPr>
-              <a:t>)</a:t>
-            </a:r>
-            <a:r>
-              <a:rPr kumimoji="0" lang="en-US" altLang="en-US" sz="1000" b="0" i="0" u="none" strike="noStrike" cap="none" normalizeH="0" baseline="0" smtClean="0">
-                <a:ln>
-                  <a:noFill/>
-                </a:ln>
-                <a:solidFill>
-                  <a:srgbClr val="CC7832"/>
-                </a:solidFill>
-                <a:effectLst/>
-                <a:latin typeface="JetBrains Mono"/>
-              </a:rPr>
-              <a:t>,</a:t>
-            </a:r>
-            <a:br>
-              <a:rPr kumimoji="0" lang="en-US" altLang="en-US" sz="1000" b="0" i="0" u="none" strike="noStrike" cap="none" normalizeH="0" baseline="0" smtClean="0">
-                <a:ln>
-                  <a:noFill/>
-                </a:ln>
-                <a:solidFill>
-                  <a:srgbClr val="CC7832"/>
-                </a:solidFill>
-                <a:effectLst/>
-                <a:latin typeface="JetBrains Mono"/>
-              </a:rPr>
-            </a:br>
-            <a:r>
-              <a:rPr kumimoji="0" lang="en-US" altLang="en-US" sz="1000" b="0" i="0" u="none" strike="noStrike" cap="none" normalizeH="0" baseline="0" smtClean="0">
-                <a:ln>
-                  <a:noFill/>
-                </a:ln>
-                <a:solidFill>
-                  <a:srgbClr val="A9B7C6"/>
-                </a:solidFill>
-                <a:effectLst/>
-                <a:latin typeface="JetBrains Mono"/>
-              </a:rPr>
-              <a:t>(</a:t>
-            </a:r>
-            <a:r>
-              <a:rPr kumimoji="0" lang="en-US" altLang="en-US" sz="1000" b="0" i="0" u="none" strike="noStrike" cap="none" normalizeH="0" baseline="0" smtClean="0">
-                <a:ln>
-                  <a:noFill/>
-                </a:ln>
-                <a:solidFill>
-                  <a:srgbClr val="6A8759"/>
-                </a:solidFill>
-                <a:effectLst/>
-                <a:latin typeface="JetBrains Mono"/>
-              </a:rPr>
-              <a:t>'CEJA'</a:t>
-            </a:r>
-            <a:r>
-              <a:rPr kumimoji="0" lang="en-US" altLang="en-US" sz="1000" b="0" i="0" u="none" strike="noStrike" cap="none" normalizeH="0" baseline="0" smtClean="0">
-                <a:ln>
-                  <a:noFill/>
-                </a:ln>
-                <a:solidFill>
-                  <a:srgbClr val="CC7832"/>
-                </a:solidFill>
-                <a:effectLst/>
-                <a:latin typeface="JetBrains Mono"/>
-              </a:rPr>
-              <a:t>, </a:t>
-            </a:r>
-            <a:r>
-              <a:rPr kumimoji="0" lang="en-US" altLang="en-US" sz="1000" b="0" i="0" u="none" strike="noStrike" cap="none" normalizeH="0" baseline="0" smtClean="0">
-                <a:ln>
-                  <a:noFill/>
-                </a:ln>
-                <a:solidFill>
-                  <a:srgbClr val="6897BB"/>
-                </a:solidFill>
-                <a:effectLst/>
-                <a:latin typeface="JetBrains Mono"/>
-              </a:rPr>
-              <a:t>3</a:t>
-            </a:r>
-            <a:r>
-              <a:rPr kumimoji="0" lang="en-US" altLang="en-US" sz="1000" b="0" i="0" u="none" strike="noStrike" cap="none" normalizeH="0" baseline="0" smtClean="0">
-                <a:ln>
-                  <a:noFill/>
-                </a:ln>
-                <a:solidFill>
-                  <a:srgbClr val="A9B7C6"/>
-                </a:solidFill>
-                <a:effectLst/>
-                <a:latin typeface="JetBrains Mono"/>
-              </a:rPr>
-              <a:t>)</a:t>
-            </a:r>
-            <a:r>
-              <a:rPr kumimoji="0" lang="en-US" altLang="en-US" sz="1000" b="0" i="0" u="none" strike="noStrike" cap="none" normalizeH="0" baseline="0" smtClean="0">
-                <a:ln>
-                  <a:noFill/>
-                </a:ln>
-                <a:solidFill>
-                  <a:srgbClr val="CC7832"/>
-                </a:solidFill>
-                <a:effectLst/>
-                <a:latin typeface="JetBrains Mono"/>
-              </a:rPr>
-              <a:t>;</a:t>
-            </a:r>
-            <a:br>
-              <a:rPr kumimoji="0" lang="en-US" altLang="en-US" sz="1000" b="0" i="0" u="none" strike="noStrike" cap="none" normalizeH="0" baseline="0" smtClean="0">
-                <a:ln>
-                  <a:noFill/>
-                </a:ln>
-                <a:solidFill>
-                  <a:srgbClr val="CC7832"/>
-                </a:solidFill>
-                <a:effectLst/>
-                <a:latin typeface="JetBrains Mono"/>
-              </a:rPr>
-            </a:br>
-            <a:r>
-              <a:rPr kumimoji="0" lang="en-US" altLang="en-US" sz="1000" b="0" i="0" u="none" strike="noStrike" cap="none" normalizeH="0" baseline="0" smtClean="0">
-                <a:ln>
-                  <a:noFill/>
-                </a:ln>
-                <a:solidFill>
-                  <a:srgbClr val="CC7832"/>
-                </a:solidFill>
-                <a:effectLst/>
-                <a:latin typeface="JetBrains Mono"/>
-              </a:rPr>
-              <a:t/>
-            </a:r>
-            <a:br>
-              <a:rPr kumimoji="0" lang="en-US" altLang="en-US" sz="1000" b="0" i="0" u="none" strike="noStrike" cap="none" normalizeH="0" baseline="0" smtClean="0">
-                <a:ln>
-                  <a:noFill/>
-                </a:ln>
-                <a:solidFill>
-                  <a:srgbClr val="CC7832"/>
-                </a:solidFill>
-                <a:effectLst/>
-                <a:latin typeface="JetBrains Mono"/>
-              </a:rPr>
-            </a:br>
-            <a:r>
-              <a:rPr kumimoji="0" lang="en-US" altLang="en-US" sz="1000" b="0" i="0" u="none" strike="noStrike" cap="none" normalizeH="0" baseline="0" smtClean="0">
-                <a:ln>
-                  <a:noFill/>
-                </a:ln>
-                <a:solidFill>
-                  <a:srgbClr val="CC7832"/>
-                </a:solidFill>
-                <a:effectLst/>
-                <a:latin typeface="JetBrains Mono"/>
-              </a:rPr>
-              <a:t>INSERT INTO </a:t>
-            </a:r>
-            <a:r>
-              <a:rPr kumimoji="0" lang="en-US" altLang="en-US" sz="1000" b="0" i="0" u="none" strike="noStrike" cap="none" normalizeH="0" baseline="0" smtClean="0">
-                <a:ln>
-                  <a:noFill/>
-                </a:ln>
-                <a:solidFill>
-                  <a:srgbClr val="A9B7C6"/>
-                </a:solidFill>
-                <a:effectLst/>
-                <a:latin typeface="JetBrains Mono"/>
-              </a:rPr>
-              <a:t>PROYECTO(</a:t>
-            </a:r>
-            <a:r>
-              <a:rPr kumimoji="0" lang="en-US" altLang="en-US" sz="1000" b="0" i="0" u="none" strike="noStrike" cap="none" normalizeH="0" baseline="0" smtClean="0">
-                <a:ln>
-                  <a:noFill/>
-                </a:ln>
-                <a:solidFill>
-                  <a:srgbClr val="9876AA"/>
-                </a:solidFill>
-                <a:effectLst/>
-                <a:latin typeface="JetBrains Mono"/>
-              </a:rPr>
-              <a:t>NOMBREPROY</a:t>
-            </a:r>
-            <a:r>
-              <a:rPr kumimoji="0" lang="en-US" altLang="en-US" sz="1000" b="0" i="0" u="none" strike="noStrike" cap="none" normalizeH="0" baseline="0" smtClean="0">
-                <a:ln>
-                  <a:noFill/>
-                </a:ln>
-                <a:solidFill>
-                  <a:srgbClr val="CC7832"/>
-                </a:solidFill>
-                <a:effectLst/>
-                <a:latin typeface="JetBrains Mono"/>
-              </a:rPr>
-              <a:t>, </a:t>
-            </a:r>
-            <a:r>
-              <a:rPr kumimoji="0" lang="en-US" altLang="en-US" sz="1000" b="0" i="0" u="none" strike="noStrike" cap="none" normalizeH="0" baseline="0" smtClean="0">
-                <a:ln>
-                  <a:noFill/>
-                </a:ln>
-                <a:solidFill>
-                  <a:srgbClr val="9876AA"/>
-                </a:solidFill>
-                <a:effectLst/>
-                <a:latin typeface="JetBrains Mono"/>
-              </a:rPr>
-              <a:t>TIPOPROY</a:t>
-            </a:r>
-            <a:r>
-              <a:rPr kumimoji="0" lang="en-US" altLang="en-US" sz="1000" b="0" i="0" u="none" strike="noStrike" cap="none" normalizeH="0" baseline="0" smtClean="0">
-                <a:ln>
-                  <a:noFill/>
-                </a:ln>
-                <a:solidFill>
-                  <a:srgbClr val="A9B7C6"/>
-                </a:solidFill>
-                <a:effectLst/>
-                <a:latin typeface="JetBrains Mono"/>
-              </a:rPr>
-              <a:t>) </a:t>
-            </a:r>
-            <a:r>
-              <a:rPr kumimoji="0" lang="en-US" altLang="en-US" sz="1000" b="0" i="0" u="none" strike="noStrike" cap="none" normalizeH="0" baseline="0" smtClean="0">
-                <a:ln>
-                  <a:noFill/>
-                </a:ln>
-                <a:solidFill>
-                  <a:srgbClr val="CC7832"/>
-                </a:solidFill>
-                <a:effectLst/>
-                <a:latin typeface="JetBrains Mono"/>
-              </a:rPr>
-              <a:t>VALUES</a:t>
-            </a:r>
-            <a:br>
-              <a:rPr kumimoji="0" lang="en-US" altLang="en-US" sz="1000" b="0" i="0" u="none" strike="noStrike" cap="none" normalizeH="0" baseline="0" smtClean="0">
-                <a:ln>
-                  <a:noFill/>
-                </a:ln>
-                <a:solidFill>
-                  <a:srgbClr val="CC7832"/>
-                </a:solidFill>
-                <a:effectLst/>
-                <a:latin typeface="JetBrains Mono"/>
-              </a:rPr>
-            </a:br>
-            <a:r>
-              <a:rPr kumimoji="0" lang="en-US" altLang="en-US" sz="1000" b="0" i="0" u="none" strike="noStrike" cap="none" normalizeH="0" baseline="0" smtClean="0">
-                <a:ln>
-                  <a:noFill/>
-                </a:ln>
-                <a:solidFill>
-                  <a:srgbClr val="A9B7C6"/>
-                </a:solidFill>
-                <a:effectLst/>
-                <a:latin typeface="JetBrains Mono"/>
-              </a:rPr>
-              <a:t>(</a:t>
-            </a:r>
-            <a:r>
-              <a:rPr kumimoji="0" lang="en-US" altLang="en-US" sz="1000" b="0" i="0" u="none" strike="noStrike" cap="none" normalizeH="0" baseline="0" smtClean="0">
-                <a:ln>
-                  <a:noFill/>
-                </a:ln>
-                <a:solidFill>
-                  <a:srgbClr val="6A8759"/>
-                </a:solidFill>
-                <a:effectLst/>
-                <a:latin typeface="JetBrains Mono"/>
-              </a:rPr>
-              <a:t>'PROYECTO PLANTAS'</a:t>
-            </a:r>
-            <a:r>
-              <a:rPr kumimoji="0" lang="en-US" altLang="en-US" sz="1000" b="0" i="0" u="none" strike="noStrike" cap="none" normalizeH="0" baseline="0" smtClean="0">
-                <a:ln>
-                  <a:noFill/>
-                </a:ln>
-                <a:solidFill>
-                  <a:srgbClr val="CC7832"/>
-                </a:solidFill>
-                <a:effectLst/>
-                <a:latin typeface="JetBrains Mono"/>
-              </a:rPr>
-              <a:t>, </a:t>
-            </a:r>
-            <a:r>
-              <a:rPr kumimoji="0" lang="en-US" altLang="en-US" sz="1000" b="0" i="0" u="none" strike="noStrike" cap="none" normalizeH="0" baseline="0" smtClean="0">
-                <a:ln>
-                  <a:noFill/>
-                </a:ln>
-                <a:solidFill>
-                  <a:srgbClr val="6A8759"/>
-                </a:solidFill>
-                <a:effectLst/>
-                <a:latin typeface="JetBrains Mono"/>
-              </a:rPr>
-              <a:t>'AGRICULTURA'</a:t>
-            </a:r>
-            <a:r>
-              <a:rPr kumimoji="0" lang="en-US" altLang="en-US" sz="1000" b="0" i="0" u="none" strike="noStrike" cap="none" normalizeH="0" baseline="0" smtClean="0">
-                <a:ln>
-                  <a:noFill/>
-                </a:ln>
-                <a:solidFill>
-                  <a:srgbClr val="A9B7C6"/>
-                </a:solidFill>
-                <a:effectLst/>
-                <a:latin typeface="JetBrains Mono"/>
-              </a:rPr>
-              <a:t>)</a:t>
-            </a:r>
-            <a:r>
-              <a:rPr kumimoji="0" lang="en-US" altLang="en-US" sz="1000" b="0" i="0" u="none" strike="noStrike" cap="none" normalizeH="0" baseline="0" smtClean="0">
-                <a:ln>
-                  <a:noFill/>
-                </a:ln>
-                <a:solidFill>
-                  <a:srgbClr val="CC7832"/>
-                </a:solidFill>
-                <a:effectLst/>
-                <a:latin typeface="JetBrains Mono"/>
-              </a:rPr>
-              <a:t>,</a:t>
-            </a:r>
-            <a:br>
-              <a:rPr kumimoji="0" lang="en-US" altLang="en-US" sz="1000" b="0" i="0" u="none" strike="noStrike" cap="none" normalizeH="0" baseline="0" smtClean="0">
-                <a:ln>
-                  <a:noFill/>
-                </a:ln>
-                <a:solidFill>
-                  <a:srgbClr val="CC7832"/>
-                </a:solidFill>
-                <a:effectLst/>
-                <a:latin typeface="JetBrains Mono"/>
-              </a:rPr>
-            </a:br>
-            <a:r>
-              <a:rPr kumimoji="0" lang="en-US" altLang="en-US" sz="1000" b="0" i="0" u="none" strike="noStrike" cap="none" normalizeH="0" baseline="0" smtClean="0">
-                <a:ln>
-                  <a:noFill/>
-                </a:ln>
-                <a:solidFill>
-                  <a:srgbClr val="A9B7C6"/>
-                </a:solidFill>
-                <a:effectLst/>
-                <a:latin typeface="JetBrains Mono"/>
-              </a:rPr>
-              <a:t>(</a:t>
-            </a:r>
-            <a:r>
-              <a:rPr kumimoji="0" lang="en-US" altLang="en-US" sz="1000" b="0" i="0" u="none" strike="noStrike" cap="none" normalizeH="0" baseline="0" smtClean="0">
-                <a:ln>
-                  <a:noFill/>
-                </a:ln>
-                <a:solidFill>
-                  <a:srgbClr val="6A8759"/>
-                </a:solidFill>
-                <a:effectLst/>
-                <a:latin typeface="JetBrains Mono"/>
-              </a:rPr>
-              <a:t>'PROYECTO SONRISAS'</a:t>
-            </a:r>
-            <a:r>
-              <a:rPr kumimoji="0" lang="en-US" altLang="en-US" sz="1000" b="0" i="0" u="none" strike="noStrike" cap="none" normalizeH="0" baseline="0" smtClean="0">
-                <a:ln>
-                  <a:noFill/>
-                </a:ln>
-                <a:solidFill>
-                  <a:srgbClr val="CC7832"/>
-                </a:solidFill>
-                <a:effectLst/>
-                <a:latin typeface="JetBrains Mono"/>
-              </a:rPr>
-              <a:t>, </a:t>
-            </a:r>
-            <a:r>
-              <a:rPr kumimoji="0" lang="en-US" altLang="en-US" sz="1000" b="0" i="0" u="none" strike="noStrike" cap="none" normalizeH="0" baseline="0" smtClean="0">
-                <a:ln>
-                  <a:noFill/>
-                </a:ln>
-                <a:solidFill>
-                  <a:srgbClr val="6A8759"/>
-                </a:solidFill>
-                <a:effectLst/>
-                <a:latin typeface="JetBrains Mono"/>
-              </a:rPr>
-              <a:t>'SALUD'</a:t>
-            </a:r>
-            <a:r>
-              <a:rPr kumimoji="0" lang="en-US" altLang="en-US" sz="1000" b="0" i="0" u="none" strike="noStrike" cap="none" normalizeH="0" baseline="0" smtClean="0">
-                <a:ln>
-                  <a:noFill/>
-                </a:ln>
-                <a:solidFill>
-                  <a:srgbClr val="A9B7C6"/>
-                </a:solidFill>
-                <a:effectLst/>
-                <a:latin typeface="JetBrains Mono"/>
-              </a:rPr>
-              <a:t>)</a:t>
-            </a:r>
-            <a:r>
-              <a:rPr kumimoji="0" lang="en-US" altLang="en-US" sz="1000" b="0" i="0" u="none" strike="noStrike" cap="none" normalizeH="0" baseline="0" smtClean="0">
-                <a:ln>
-                  <a:noFill/>
-                </a:ln>
-                <a:solidFill>
-                  <a:srgbClr val="CC7832"/>
-                </a:solidFill>
-                <a:effectLst/>
-                <a:latin typeface="JetBrains Mono"/>
-              </a:rPr>
-              <a:t>;</a:t>
-            </a:r>
-            <a:br>
-              <a:rPr kumimoji="0" lang="en-US" altLang="en-US" sz="1000" b="0" i="0" u="none" strike="noStrike" cap="none" normalizeH="0" baseline="0" smtClean="0">
-                <a:ln>
-                  <a:noFill/>
-                </a:ln>
-                <a:solidFill>
-                  <a:srgbClr val="CC7832"/>
-                </a:solidFill>
-                <a:effectLst/>
-                <a:latin typeface="JetBrains Mono"/>
-              </a:rPr>
-            </a:br>
-            <a:r>
-              <a:rPr kumimoji="0" lang="en-US" altLang="en-US" sz="1000" b="0" i="0" u="none" strike="noStrike" cap="none" normalizeH="0" baseline="0" smtClean="0">
-                <a:ln>
-                  <a:noFill/>
-                </a:ln>
-                <a:solidFill>
-                  <a:srgbClr val="CC7832"/>
-                </a:solidFill>
-                <a:effectLst/>
-                <a:latin typeface="JetBrains Mono"/>
-              </a:rPr>
-              <a:t/>
-            </a:r>
-            <a:br>
-              <a:rPr kumimoji="0" lang="en-US" altLang="en-US" sz="1000" b="0" i="0" u="none" strike="noStrike" cap="none" normalizeH="0" baseline="0" smtClean="0">
-                <a:ln>
-                  <a:noFill/>
-                </a:ln>
-                <a:solidFill>
-                  <a:srgbClr val="CC7832"/>
-                </a:solidFill>
-                <a:effectLst/>
-                <a:latin typeface="JetBrains Mono"/>
-              </a:rPr>
-            </a:br>
-            <a:r>
-              <a:rPr kumimoji="0" lang="en-US" altLang="en-US" sz="1000" b="0" i="0" u="none" strike="noStrike" cap="none" normalizeH="0" baseline="0" smtClean="0">
-                <a:ln>
-                  <a:noFill/>
-                </a:ln>
-                <a:solidFill>
-                  <a:srgbClr val="CC7832"/>
-                </a:solidFill>
-                <a:effectLst/>
-                <a:latin typeface="JetBrains Mono"/>
-              </a:rPr>
-              <a:t>INSERT INTO </a:t>
-            </a:r>
-            <a:r>
-              <a:rPr kumimoji="0" lang="en-US" altLang="en-US" sz="1000" b="0" i="0" u="none" strike="noStrike" cap="none" normalizeH="0" baseline="0" smtClean="0">
-                <a:ln>
-                  <a:noFill/>
-                </a:ln>
-                <a:solidFill>
-                  <a:srgbClr val="A9B7C6"/>
-                </a:solidFill>
-                <a:effectLst/>
-                <a:latin typeface="JetBrains Mono"/>
-              </a:rPr>
-              <a:t>DEPARTAMENTO (</a:t>
-            </a:r>
-            <a:r>
-              <a:rPr kumimoji="0" lang="en-US" altLang="en-US" sz="1000" b="0" i="0" u="none" strike="noStrike" cap="none" normalizeH="0" baseline="0" smtClean="0">
-                <a:ln>
-                  <a:noFill/>
-                </a:ln>
-                <a:solidFill>
-                  <a:srgbClr val="9876AA"/>
-                </a:solidFill>
-                <a:effectLst/>
-                <a:latin typeface="JetBrains Mono"/>
-              </a:rPr>
-              <a:t>NOMBRE</a:t>
-            </a:r>
-            <a:r>
-              <a:rPr kumimoji="0" lang="en-US" altLang="en-US" sz="1000" b="0" i="0" u="none" strike="noStrike" cap="none" normalizeH="0" baseline="0" smtClean="0">
-                <a:ln>
-                  <a:noFill/>
-                </a:ln>
-                <a:solidFill>
-                  <a:srgbClr val="A9B7C6"/>
-                </a:solidFill>
-                <a:effectLst/>
-                <a:latin typeface="JetBrains Mono"/>
-              </a:rPr>
-              <a:t>) </a:t>
-            </a:r>
-            <a:r>
-              <a:rPr kumimoji="0" lang="en-US" altLang="en-US" sz="1000" b="0" i="0" u="none" strike="noStrike" cap="none" normalizeH="0" baseline="0" smtClean="0">
-                <a:ln>
-                  <a:noFill/>
-                </a:ln>
-                <a:solidFill>
-                  <a:srgbClr val="CC7832"/>
-                </a:solidFill>
-                <a:effectLst/>
-                <a:latin typeface="JetBrains Mono"/>
-              </a:rPr>
-              <a:t>VALUES</a:t>
-            </a:r>
-            <a:br>
-              <a:rPr kumimoji="0" lang="en-US" altLang="en-US" sz="1000" b="0" i="0" u="none" strike="noStrike" cap="none" normalizeH="0" baseline="0" smtClean="0">
-                <a:ln>
-                  <a:noFill/>
-                </a:ln>
-                <a:solidFill>
-                  <a:srgbClr val="CC7832"/>
-                </a:solidFill>
-                <a:effectLst/>
-                <a:latin typeface="JetBrains Mono"/>
-              </a:rPr>
-            </a:br>
-            <a:r>
-              <a:rPr kumimoji="0" lang="en-US" altLang="en-US" sz="1000" b="0" i="0" u="none" strike="noStrike" cap="none" normalizeH="0" baseline="0" smtClean="0">
-                <a:ln>
-                  <a:noFill/>
-                </a:ln>
-                <a:solidFill>
-                  <a:srgbClr val="A9B7C6"/>
-                </a:solidFill>
-                <a:effectLst/>
-                <a:latin typeface="JetBrains Mono"/>
-              </a:rPr>
-              <a:t>(</a:t>
-            </a:r>
-            <a:r>
-              <a:rPr kumimoji="0" lang="en-US" altLang="en-US" sz="1000" b="0" i="0" u="none" strike="noStrike" cap="none" normalizeH="0" baseline="0" smtClean="0">
-                <a:ln>
-                  <a:noFill/>
-                </a:ln>
-                <a:solidFill>
-                  <a:srgbClr val="6A8759"/>
-                </a:solidFill>
-                <a:effectLst/>
-                <a:latin typeface="JetBrains Mono"/>
-              </a:rPr>
-              <a:t>'LA PAZ'</a:t>
-            </a:r>
-            <a:r>
-              <a:rPr kumimoji="0" lang="en-US" altLang="en-US" sz="1000" b="0" i="0" u="none" strike="noStrike" cap="none" normalizeH="0" baseline="0" smtClean="0">
-                <a:ln>
-                  <a:noFill/>
-                </a:ln>
-                <a:solidFill>
-                  <a:srgbClr val="A9B7C6"/>
-                </a:solidFill>
-                <a:effectLst/>
-                <a:latin typeface="JetBrains Mono"/>
-              </a:rPr>
-              <a:t>)</a:t>
-            </a:r>
-            <a:r>
-              <a:rPr kumimoji="0" lang="en-US" altLang="en-US" sz="1000" b="0" i="0" u="none" strike="noStrike" cap="none" normalizeH="0" baseline="0" smtClean="0">
-                <a:ln>
-                  <a:noFill/>
-                </a:ln>
-                <a:solidFill>
-                  <a:srgbClr val="CC7832"/>
-                </a:solidFill>
-                <a:effectLst/>
-                <a:latin typeface="JetBrains Mono"/>
-              </a:rPr>
-              <a:t>,</a:t>
-            </a:r>
-            <a:br>
-              <a:rPr kumimoji="0" lang="en-US" altLang="en-US" sz="1000" b="0" i="0" u="none" strike="noStrike" cap="none" normalizeH="0" baseline="0" smtClean="0">
-                <a:ln>
-                  <a:noFill/>
-                </a:ln>
-                <a:solidFill>
-                  <a:srgbClr val="CC7832"/>
-                </a:solidFill>
-                <a:effectLst/>
-                <a:latin typeface="JetBrains Mono"/>
-              </a:rPr>
-            </a:br>
-            <a:r>
-              <a:rPr kumimoji="0" lang="en-US" altLang="en-US" sz="1000" b="0" i="0" u="none" strike="noStrike" cap="none" normalizeH="0" baseline="0" smtClean="0">
-                <a:ln>
-                  <a:noFill/>
-                </a:ln>
-                <a:solidFill>
-                  <a:srgbClr val="A9B7C6"/>
-                </a:solidFill>
-                <a:effectLst/>
-                <a:latin typeface="JetBrains Mono"/>
-              </a:rPr>
-              <a:t>(</a:t>
-            </a:r>
-            <a:r>
-              <a:rPr kumimoji="0" lang="en-US" altLang="en-US" sz="1000" b="0" i="0" u="none" strike="noStrike" cap="none" normalizeH="0" baseline="0" smtClean="0">
-                <a:ln>
-                  <a:noFill/>
-                </a:ln>
-                <a:solidFill>
-                  <a:srgbClr val="6A8759"/>
-                </a:solidFill>
-                <a:effectLst/>
-                <a:latin typeface="JetBrains Mono"/>
-              </a:rPr>
-              <a:t>'COCHABAMBA'</a:t>
-            </a:r>
-            <a:r>
-              <a:rPr kumimoji="0" lang="en-US" altLang="en-US" sz="1000" b="0" i="0" u="none" strike="noStrike" cap="none" normalizeH="0" baseline="0" smtClean="0">
-                <a:ln>
-                  <a:noFill/>
-                </a:ln>
-                <a:solidFill>
-                  <a:srgbClr val="A9B7C6"/>
-                </a:solidFill>
-                <a:effectLst/>
-                <a:latin typeface="JetBrains Mono"/>
-              </a:rPr>
-              <a:t>)</a:t>
-            </a:r>
-            <a:r>
-              <a:rPr kumimoji="0" lang="en-US" altLang="en-US" sz="1000" b="0" i="0" u="none" strike="noStrike" cap="none" normalizeH="0" baseline="0" smtClean="0">
-                <a:ln>
-                  <a:noFill/>
-                </a:ln>
-                <a:solidFill>
-                  <a:srgbClr val="CC7832"/>
-                </a:solidFill>
-                <a:effectLst/>
-                <a:latin typeface="JetBrains Mono"/>
-              </a:rPr>
-              <a:t>,</a:t>
-            </a:r>
-            <a:br>
-              <a:rPr kumimoji="0" lang="en-US" altLang="en-US" sz="1000" b="0" i="0" u="none" strike="noStrike" cap="none" normalizeH="0" baseline="0" smtClean="0">
-                <a:ln>
-                  <a:noFill/>
-                </a:ln>
-                <a:solidFill>
-                  <a:srgbClr val="CC7832"/>
-                </a:solidFill>
-                <a:effectLst/>
-                <a:latin typeface="JetBrains Mono"/>
-              </a:rPr>
-            </a:br>
-            <a:r>
-              <a:rPr kumimoji="0" lang="en-US" altLang="en-US" sz="1000" b="0" i="0" u="none" strike="noStrike" cap="none" normalizeH="0" baseline="0" smtClean="0">
-                <a:ln>
-                  <a:noFill/>
-                </a:ln>
-                <a:solidFill>
-                  <a:srgbClr val="A9B7C6"/>
-                </a:solidFill>
-                <a:effectLst/>
-                <a:latin typeface="JetBrains Mono"/>
-              </a:rPr>
-              <a:t>(</a:t>
-            </a:r>
-            <a:r>
-              <a:rPr kumimoji="0" lang="en-US" altLang="en-US" sz="1000" b="0" i="0" u="none" strike="noStrike" cap="none" normalizeH="0" baseline="0" smtClean="0">
-                <a:ln>
-                  <a:noFill/>
-                </a:ln>
-                <a:solidFill>
-                  <a:srgbClr val="6A8759"/>
-                </a:solidFill>
-                <a:effectLst/>
-                <a:latin typeface="JetBrains Mono"/>
-              </a:rPr>
-              <a:t>'EL ALTO'</a:t>
-            </a:r>
-            <a:r>
-              <a:rPr kumimoji="0" lang="en-US" altLang="en-US" sz="1000" b="0" i="0" u="none" strike="noStrike" cap="none" normalizeH="0" baseline="0" smtClean="0">
-                <a:ln>
-                  <a:noFill/>
-                </a:ln>
-                <a:solidFill>
-                  <a:srgbClr val="A9B7C6"/>
-                </a:solidFill>
-                <a:effectLst/>
-                <a:latin typeface="JetBrains Mono"/>
-              </a:rPr>
-              <a:t>)</a:t>
-            </a:r>
-            <a:r>
-              <a:rPr kumimoji="0" lang="en-US" altLang="en-US" sz="1000" b="0" i="0" u="none" strike="noStrike" cap="none" normalizeH="0" baseline="0" smtClean="0">
-                <a:ln>
-                  <a:noFill/>
-                </a:ln>
-                <a:solidFill>
-                  <a:srgbClr val="CC7832"/>
-                </a:solidFill>
-                <a:effectLst/>
-                <a:latin typeface="JetBrains Mono"/>
-              </a:rPr>
-              <a:t>;</a:t>
-            </a:r>
-            <a:endParaRPr kumimoji="0" lang="en-US" altLang="en-US" sz="1800" b="0" i="0" u="none" strike="noStrike" cap="none" normalizeH="0" baseline="0" smtClean="0">
+            <a:endParaRPr kumimoji="0" lang="en-US" altLang="en-US" sz="1800" b="0" i="0" u="none" strike="noStrike" cap="none" normalizeH="0" baseline="0" dirty="0" smtClean="0">
               <a:ln>
                 <a:noFill/>
               </a:ln>
@@ -20571,6 +21729,13 @@
   <p:clrMapOvr>
     <a:masterClrMapping/>
   </p:clrMapOvr>
+  <p:timing>
+    <p:tnLst>
+      <p:par>
+        <p:cTn id="1" dur="indefinite" restart="never" nodeType="tmRoot"/>
+      </p:par>
+    </p:tnLst>
+  </p:timing>
 </p:sld>
 </file>
 
@@ -24120,6 +25285,13 @@
   <p:clrMapOvr>
     <a:masterClrMapping/>
   </p:clrMapOvr>
+  <p:timing>
+    <p:tnLst>
+      <p:par>
+        <p:cTn id="1" dur="indefinite" restart="never" nodeType="tmRoot"/>
+      </p:par>
+    </p:tnLst>
+  </p:timing>
 </p:sld>
 </file>
 
@@ -25742,6 +26914,13 @@
   <p:clrMapOvr>
     <a:masterClrMapping/>
   </p:clrMapOvr>
+  <p:timing>
+    <p:tnLst>
+      <p:par>
+        <p:cTn id="1" dur="indefinite" restart="never" nodeType="tmRoot"/>
+      </p:par>
+    </p:tnLst>
+  </p:timing>
 </p:sld>
 </file>
 
@@ -27207,6 +28386,13 @@
   <p:clrMapOvr>
     <a:masterClrMapping/>
   </p:clrMapOvr>
+  <p:timing>
+    <p:tnLst>
+      <p:par>
+        <p:cTn id="1" dur="indefinite" restart="never" nodeType="tmRoot"/>
+      </p:par>
+    </p:tnLst>
+  </p:timing>
 </p:sld>
 </file>
 

--- a/HITO4/DEFENSA DEL HITO 4 ANA CRISTINA CALDERON ORTEGA.pptx
+++ b/HITO4/DEFENSA DEL HITO 4 ANA CRISTINA CALDERON ORTEGA.pptx
@@ -274,7 +274,7 @@
           <a:p>
             <a:fld id="{FD320BDF-0A72-4935-9626-ED61BCD412CF}" type="datetimeFigureOut">
               <a:rPr lang="es-MX" smtClean="0"/>
-              <a:t>16/06/2022</a:t>
+              <a:t>17/06/2022</a:t>
             </a:fld>
             <a:endParaRPr lang="es-MX"/>
           </a:p>
@@ -474,7 +474,7 @@
           <a:p>
             <a:fld id="{FD320BDF-0A72-4935-9626-ED61BCD412CF}" type="datetimeFigureOut">
               <a:rPr lang="es-MX" smtClean="0"/>
-              <a:t>16/06/2022</a:t>
+              <a:t>17/06/2022</a:t>
             </a:fld>
             <a:endParaRPr lang="es-MX"/>
           </a:p>
@@ -684,7 +684,7 @@
           <a:p>
             <a:fld id="{FD320BDF-0A72-4935-9626-ED61BCD412CF}" type="datetimeFigureOut">
               <a:rPr lang="es-MX" smtClean="0"/>
-              <a:t>16/06/2022</a:t>
+              <a:t>17/06/2022</a:t>
             </a:fld>
             <a:endParaRPr lang="es-MX"/>
           </a:p>
@@ -884,7 +884,7 @@
           <a:p>
             <a:fld id="{FD320BDF-0A72-4935-9626-ED61BCD412CF}" type="datetimeFigureOut">
               <a:rPr lang="es-MX" smtClean="0"/>
-              <a:t>16/06/2022</a:t>
+              <a:t>17/06/2022</a:t>
             </a:fld>
             <a:endParaRPr lang="es-MX"/>
           </a:p>
@@ -1160,7 +1160,7 @@
           <a:p>
             <a:fld id="{FD320BDF-0A72-4935-9626-ED61BCD412CF}" type="datetimeFigureOut">
               <a:rPr lang="es-MX" smtClean="0"/>
-              <a:t>16/06/2022</a:t>
+              <a:t>17/06/2022</a:t>
             </a:fld>
             <a:endParaRPr lang="es-MX"/>
           </a:p>
@@ -1428,7 +1428,7 @@
           <a:p>
             <a:fld id="{FD320BDF-0A72-4935-9626-ED61BCD412CF}" type="datetimeFigureOut">
               <a:rPr lang="es-MX" smtClean="0"/>
-              <a:t>16/06/2022</a:t>
+              <a:t>17/06/2022</a:t>
             </a:fld>
             <a:endParaRPr lang="es-MX"/>
           </a:p>
@@ -1843,7 +1843,7 @@
           <a:p>
             <a:fld id="{FD320BDF-0A72-4935-9626-ED61BCD412CF}" type="datetimeFigureOut">
               <a:rPr lang="es-MX" smtClean="0"/>
-              <a:t>16/06/2022</a:t>
+              <a:t>17/06/2022</a:t>
             </a:fld>
             <a:endParaRPr lang="es-MX"/>
           </a:p>
@@ -1985,7 +1985,7 @@
           <a:p>
             <a:fld id="{FD320BDF-0A72-4935-9626-ED61BCD412CF}" type="datetimeFigureOut">
               <a:rPr lang="es-MX" smtClean="0"/>
-              <a:t>16/06/2022</a:t>
+              <a:t>17/06/2022</a:t>
             </a:fld>
             <a:endParaRPr lang="es-MX"/>
           </a:p>
@@ -2098,7 +2098,7 @@
           <a:p>
             <a:fld id="{FD320BDF-0A72-4935-9626-ED61BCD412CF}" type="datetimeFigureOut">
               <a:rPr lang="es-MX" smtClean="0"/>
-              <a:t>16/06/2022</a:t>
+              <a:t>17/06/2022</a:t>
             </a:fld>
             <a:endParaRPr lang="es-MX"/>
           </a:p>
@@ -2411,7 +2411,7 @@
           <a:p>
             <a:fld id="{FD320BDF-0A72-4935-9626-ED61BCD412CF}" type="datetimeFigureOut">
               <a:rPr lang="es-MX" smtClean="0"/>
-              <a:t>16/06/2022</a:t>
+              <a:t>17/06/2022</a:t>
             </a:fld>
             <a:endParaRPr lang="es-MX"/>
           </a:p>
@@ -2700,7 +2700,7 @@
           <a:p>
             <a:fld id="{FD320BDF-0A72-4935-9626-ED61BCD412CF}" type="datetimeFigureOut">
               <a:rPr lang="es-MX" smtClean="0"/>
-              <a:t>16/06/2022</a:t>
+              <a:t>17/06/2022</a:t>
             </a:fld>
             <a:endParaRPr lang="es-MX"/>
           </a:p>
@@ -2943,7 +2943,7 @@
           <a:p>
             <a:fld id="{FD320BDF-0A72-4935-9626-ED61BCD412CF}" type="datetimeFigureOut">
               <a:rPr lang="es-MX" smtClean="0"/>
-              <a:t>16/06/2022</a:t>
+              <a:t>17/06/2022</a:t>
             </a:fld>
             <a:endParaRPr lang="es-MX"/>
           </a:p>
@@ -18402,20 +18402,7 @@
                 <a:effectLst/>
                 <a:latin typeface="JetBrains Mono"/>
               </a:rPr>
-              <a:t>INSERT </a:t>
-            </a:r>
-            <a:r>
-              <a:rPr kumimoji="0" lang="en-US" altLang="en-US" sz="1000" b="0" i="0" u="none" strike="noStrike" cap="none" normalizeH="0" baseline="0" dirty="0" smtClean="0">
-                <a:ln>
-                  <a:noFill/>
-                </a:ln>
-                <a:solidFill>
-                  <a:srgbClr val="CC7832"/>
-                </a:solidFill>
-                <a:effectLst/>
-                <a:latin typeface="JetBrains Mono"/>
-              </a:rPr>
-              <a:t>INTO </a:t>
+              <a:t>INSERT INTO </a:t>
             </a:r>
             <a:r>
               <a:rPr kumimoji="0" lang="en-US" altLang="en-US" sz="1000" b="0" i="0" u="none" strike="noStrike" cap="none" normalizeH="0" baseline="0" dirty="0" smtClean="0">
